--- a/Presentation/Exploring Mobility Patterns in Metropolitan Melbourne Presentation.pptx
+++ b/Presentation/Exploring Mobility Patterns in Metropolitan Melbourne Presentation.pptx
@@ -9,31 +9,42 @@
     <p:sldId id="284" r:id="rId3"/>
     <p:sldId id="257" r:id="rId4"/>
     <p:sldId id="258" r:id="rId5"/>
-    <p:sldId id="259" r:id="rId6"/>
-    <p:sldId id="260" r:id="rId7"/>
-    <p:sldId id="261" r:id="rId8"/>
-    <p:sldId id="262" r:id="rId9"/>
-    <p:sldId id="263" r:id="rId10"/>
-    <p:sldId id="264" r:id="rId11"/>
-    <p:sldId id="265" r:id="rId12"/>
-    <p:sldId id="266" r:id="rId13"/>
-    <p:sldId id="267" r:id="rId14"/>
-    <p:sldId id="268" r:id="rId15"/>
-    <p:sldId id="269" r:id="rId16"/>
-    <p:sldId id="270" r:id="rId17"/>
-    <p:sldId id="271" r:id="rId18"/>
-    <p:sldId id="272" r:id="rId19"/>
-    <p:sldId id="273" r:id="rId20"/>
-    <p:sldId id="274" r:id="rId21"/>
-    <p:sldId id="275" r:id="rId22"/>
-    <p:sldId id="276" r:id="rId23"/>
-    <p:sldId id="277" r:id="rId24"/>
-    <p:sldId id="278" r:id="rId25"/>
-    <p:sldId id="279" r:id="rId26"/>
-    <p:sldId id="280" r:id="rId27"/>
-    <p:sldId id="281" r:id="rId28"/>
-    <p:sldId id="282" r:id="rId29"/>
-    <p:sldId id="283" r:id="rId30"/>
+    <p:sldId id="265" r:id="rId6"/>
+    <p:sldId id="266" r:id="rId7"/>
+    <p:sldId id="267" r:id="rId8"/>
+    <p:sldId id="268" r:id="rId9"/>
+    <p:sldId id="269" r:id="rId10"/>
+    <p:sldId id="270" r:id="rId11"/>
+    <p:sldId id="285" r:id="rId12"/>
+    <p:sldId id="286" r:id="rId13"/>
+    <p:sldId id="287" r:id="rId14"/>
+    <p:sldId id="288" r:id="rId15"/>
+    <p:sldId id="289" r:id="rId16"/>
+    <p:sldId id="290" r:id="rId17"/>
+    <p:sldId id="259" r:id="rId18"/>
+    <p:sldId id="260" r:id="rId19"/>
+    <p:sldId id="261" r:id="rId20"/>
+    <p:sldId id="262" r:id="rId21"/>
+    <p:sldId id="263" r:id="rId22"/>
+    <p:sldId id="291" r:id="rId23"/>
+    <p:sldId id="264" r:id="rId24"/>
+    <p:sldId id="292" r:id="rId25"/>
+    <p:sldId id="293" r:id="rId26"/>
+    <p:sldId id="294" r:id="rId27"/>
+    <p:sldId id="295" r:id="rId28"/>
+    <p:sldId id="277" r:id="rId29"/>
+    <p:sldId id="278" r:id="rId30"/>
+    <p:sldId id="279" r:id="rId31"/>
+    <p:sldId id="280" r:id="rId32"/>
+    <p:sldId id="281" r:id="rId33"/>
+    <p:sldId id="282" r:id="rId34"/>
+    <p:sldId id="271" r:id="rId35"/>
+    <p:sldId id="272" r:id="rId36"/>
+    <p:sldId id="273" r:id="rId37"/>
+    <p:sldId id="274" r:id="rId38"/>
+    <p:sldId id="275" r:id="rId39"/>
+    <p:sldId id="276" r:id="rId40"/>
+    <p:sldId id="283" r:id="rId41"/>
   </p:sldIdLst>
   <p:sldSz cx="12192000" cy="6858000"/>
   <p:notesSz cx="6858000" cy="9144000"/>
@@ -132,7 +143,2489 @@
       </a:defRPr>
     </a:lvl9pPr>
   </p:defaultTextStyle>
+  <p:extLst>
+    <p:ext uri="{EFAFB233-063F-42B5-8137-9DF3F51BA10A}">
+      <p15:sldGuideLst xmlns:p15="http://schemas.microsoft.com/office/powerpoint/2012/main"/>
+    </p:ext>
+  </p:extLst>
 </p:presentation>
+</file>
+
+<file path=ppt/diagrams/colors1.xml><?xml version="1.0" encoding="utf-8"?>
+<dgm:colorsDef xmlns:dgm="http://schemas.openxmlformats.org/drawingml/2006/diagram" xmlns:a="http://schemas.openxmlformats.org/drawingml/2006/main" uniqueId="urn:microsoft.com/office/officeart/2005/8/colors/colorful5">
+  <dgm:title val=""/>
+  <dgm:desc val=""/>
+  <dgm:catLst>
+    <dgm:cat type="colorful" pri="10500"/>
+  </dgm:catLst>
+  <dgm:styleLbl name="node0">
+    <dgm:fillClrLst meth="repeat">
+      <a:schemeClr val="accent4"/>
+    </dgm:fillClrLst>
+    <dgm:linClrLst meth="repeat">
+      <a:schemeClr val="lt1"/>
+    </dgm:linClrLst>
+    <dgm:effectClrLst/>
+    <dgm:txLinClrLst/>
+    <dgm:txFillClrLst/>
+    <dgm:txEffectClrLst/>
+  </dgm:styleLbl>
+  <dgm:styleLbl name="node1">
+    <dgm:fillClrLst>
+      <a:schemeClr val="accent5"/>
+      <a:schemeClr val="accent6"/>
+    </dgm:fillClrLst>
+    <dgm:linClrLst meth="repeat">
+      <a:schemeClr val="lt1"/>
+    </dgm:linClrLst>
+    <dgm:effectClrLst/>
+    <dgm:txLinClrLst/>
+    <dgm:txFillClrLst/>
+    <dgm:txEffectClrLst/>
+  </dgm:styleLbl>
+  <dgm:styleLbl name="alignNode1">
+    <dgm:fillClrLst>
+      <a:schemeClr val="accent5"/>
+      <a:schemeClr val="accent6"/>
+    </dgm:fillClrLst>
+    <dgm:linClrLst>
+      <a:schemeClr val="accent5"/>
+      <a:schemeClr val="accent6"/>
+    </dgm:linClrLst>
+    <dgm:effectClrLst/>
+    <dgm:txLinClrLst/>
+    <dgm:txFillClrLst/>
+    <dgm:txEffectClrLst/>
+  </dgm:styleLbl>
+  <dgm:styleLbl name="lnNode1">
+    <dgm:fillClrLst>
+      <a:schemeClr val="accent5"/>
+      <a:schemeClr val="accent6"/>
+    </dgm:fillClrLst>
+    <dgm:linClrLst meth="repeat">
+      <a:schemeClr val="lt1"/>
+    </dgm:linClrLst>
+    <dgm:effectClrLst/>
+    <dgm:txLinClrLst/>
+    <dgm:txFillClrLst/>
+    <dgm:txEffectClrLst/>
+  </dgm:styleLbl>
+  <dgm:styleLbl name="vennNode1">
+    <dgm:fillClrLst>
+      <a:schemeClr val="accent5">
+        <a:alpha val="50000"/>
+      </a:schemeClr>
+      <a:schemeClr val="accent6">
+        <a:alpha val="50000"/>
+      </a:schemeClr>
+    </dgm:fillClrLst>
+    <dgm:linClrLst meth="repeat">
+      <a:schemeClr val="lt1"/>
+    </dgm:linClrLst>
+    <dgm:effectClrLst/>
+    <dgm:txLinClrLst/>
+    <dgm:txFillClrLst/>
+    <dgm:txEffectClrLst/>
+  </dgm:styleLbl>
+  <dgm:styleLbl name="node2">
+    <dgm:fillClrLst>
+      <a:schemeClr val="accent6"/>
+    </dgm:fillClrLst>
+    <dgm:linClrLst meth="repeat">
+      <a:schemeClr val="lt1"/>
+    </dgm:linClrLst>
+    <dgm:effectClrLst/>
+    <dgm:txLinClrLst/>
+    <dgm:txFillClrLst/>
+    <dgm:txEffectClrLst/>
+  </dgm:styleLbl>
+  <dgm:styleLbl name="node3">
+    <dgm:fillClrLst>
+      <a:schemeClr val="accent1"/>
+    </dgm:fillClrLst>
+    <dgm:linClrLst meth="repeat">
+      <a:schemeClr val="lt1"/>
+    </dgm:linClrLst>
+    <dgm:effectClrLst/>
+    <dgm:txLinClrLst/>
+    <dgm:txFillClrLst/>
+    <dgm:txEffectClrLst/>
+  </dgm:styleLbl>
+  <dgm:styleLbl name="node4">
+    <dgm:fillClrLst>
+      <a:schemeClr val="accent2"/>
+    </dgm:fillClrLst>
+    <dgm:linClrLst meth="repeat">
+      <a:schemeClr val="lt1"/>
+    </dgm:linClrLst>
+    <dgm:effectClrLst/>
+    <dgm:txLinClrLst/>
+    <dgm:txFillClrLst/>
+    <dgm:txEffectClrLst/>
+  </dgm:styleLbl>
+  <dgm:styleLbl name="fgImgPlace1">
+    <dgm:fillClrLst>
+      <a:schemeClr val="accent5">
+        <a:tint val="50000"/>
+      </a:schemeClr>
+      <a:schemeClr val="accent6">
+        <a:tint val="50000"/>
+      </a:schemeClr>
+    </dgm:fillClrLst>
+    <dgm:linClrLst meth="repeat">
+      <a:schemeClr val="lt1"/>
+    </dgm:linClrLst>
+    <dgm:effectClrLst/>
+    <dgm:txLinClrLst/>
+    <dgm:txFillClrLst meth="repeat">
+      <a:schemeClr val="lt1"/>
+    </dgm:txFillClrLst>
+    <dgm:txEffectClrLst/>
+  </dgm:styleLbl>
+  <dgm:styleLbl name="alignImgPlace1">
+    <dgm:fillClrLst>
+      <a:schemeClr val="accent5">
+        <a:tint val="50000"/>
+      </a:schemeClr>
+      <a:schemeClr val="accent6">
+        <a:tint val="20000"/>
+      </a:schemeClr>
+    </dgm:fillClrLst>
+    <dgm:linClrLst meth="repeat">
+      <a:schemeClr val="lt1"/>
+    </dgm:linClrLst>
+    <dgm:effectClrLst/>
+    <dgm:txLinClrLst/>
+    <dgm:txFillClrLst meth="repeat">
+      <a:schemeClr val="lt1"/>
+    </dgm:txFillClrLst>
+    <dgm:txEffectClrLst/>
+  </dgm:styleLbl>
+  <dgm:styleLbl name="bgImgPlace1">
+    <dgm:fillClrLst>
+      <a:schemeClr val="accent5">
+        <a:tint val="50000"/>
+      </a:schemeClr>
+      <a:schemeClr val="accent6">
+        <a:tint val="20000"/>
+      </a:schemeClr>
+    </dgm:fillClrLst>
+    <dgm:linClrLst meth="repeat">
+      <a:schemeClr val="lt1"/>
+    </dgm:linClrLst>
+    <dgm:effectClrLst/>
+    <dgm:txLinClrLst/>
+    <dgm:txFillClrLst meth="repeat">
+      <a:schemeClr val="lt1"/>
+    </dgm:txFillClrLst>
+    <dgm:txEffectClrLst/>
+  </dgm:styleLbl>
+  <dgm:styleLbl name="sibTrans2D1">
+    <dgm:fillClrLst>
+      <a:schemeClr val="accent5"/>
+      <a:schemeClr val="accent6"/>
+    </dgm:fillClrLst>
+    <dgm:linClrLst meth="repeat">
+      <a:schemeClr val="lt1"/>
+    </dgm:linClrLst>
+    <dgm:effectClrLst/>
+    <dgm:txLinClrLst/>
+    <dgm:txFillClrLst/>
+    <dgm:txEffectClrLst/>
+  </dgm:styleLbl>
+  <dgm:styleLbl name="fgSibTrans2D1">
+    <dgm:fillClrLst>
+      <a:schemeClr val="accent5"/>
+      <a:schemeClr val="accent6"/>
+    </dgm:fillClrLst>
+    <dgm:linClrLst meth="repeat">
+      <a:schemeClr val="lt1"/>
+    </dgm:linClrLst>
+    <dgm:effectClrLst/>
+    <dgm:txLinClrLst/>
+    <dgm:txFillClrLst meth="repeat">
+      <a:schemeClr val="lt1"/>
+    </dgm:txFillClrLst>
+    <dgm:txEffectClrLst/>
+  </dgm:styleLbl>
+  <dgm:styleLbl name="bgSibTrans2D1">
+    <dgm:fillClrLst>
+      <a:schemeClr val="accent5"/>
+      <a:schemeClr val="accent6"/>
+    </dgm:fillClrLst>
+    <dgm:linClrLst meth="repeat">
+      <a:schemeClr val="lt1"/>
+    </dgm:linClrLst>
+    <dgm:effectClrLst/>
+    <dgm:txLinClrLst/>
+    <dgm:txFillClrLst meth="repeat">
+      <a:schemeClr val="lt1"/>
+    </dgm:txFillClrLst>
+    <dgm:txEffectClrLst/>
+  </dgm:styleLbl>
+  <dgm:styleLbl name="sibTrans1D1">
+    <dgm:fillClrLst/>
+    <dgm:linClrLst>
+      <a:schemeClr val="accent5"/>
+      <a:schemeClr val="accent6"/>
+    </dgm:linClrLst>
+    <dgm:effectClrLst/>
+    <dgm:txLinClrLst/>
+    <dgm:txFillClrLst meth="repeat">
+      <a:schemeClr val="tx1"/>
+    </dgm:txFillClrLst>
+    <dgm:txEffectClrLst/>
+  </dgm:styleLbl>
+  <dgm:styleLbl name="callout">
+    <dgm:fillClrLst meth="repeat">
+      <a:schemeClr val="accent5"/>
+    </dgm:fillClrLst>
+    <dgm:linClrLst meth="repeat">
+      <a:schemeClr val="accent5">
+        <a:tint val="50000"/>
+      </a:schemeClr>
+    </dgm:linClrLst>
+    <dgm:effectClrLst/>
+    <dgm:txLinClrLst/>
+    <dgm:txFillClrLst meth="repeat">
+      <a:schemeClr val="tx1"/>
+    </dgm:txFillClrLst>
+    <dgm:txEffectClrLst/>
+  </dgm:styleLbl>
+  <dgm:styleLbl name="asst0">
+    <dgm:fillClrLst meth="repeat">
+      <a:schemeClr val="accent5"/>
+    </dgm:fillClrLst>
+    <dgm:linClrLst meth="repeat">
+      <a:schemeClr val="lt1">
+        <a:shade val="80000"/>
+      </a:schemeClr>
+    </dgm:linClrLst>
+    <dgm:effectClrLst/>
+    <dgm:txLinClrLst/>
+    <dgm:txFillClrLst/>
+    <dgm:txEffectClrLst/>
+  </dgm:styleLbl>
+  <dgm:styleLbl name="asst1">
+    <dgm:fillClrLst meth="repeat">
+      <a:schemeClr val="accent6"/>
+    </dgm:fillClrLst>
+    <dgm:linClrLst meth="repeat">
+      <a:schemeClr val="lt1">
+        <a:shade val="80000"/>
+      </a:schemeClr>
+    </dgm:linClrLst>
+    <dgm:effectClrLst/>
+    <dgm:txLinClrLst/>
+    <dgm:txFillClrLst/>
+    <dgm:txEffectClrLst/>
+  </dgm:styleLbl>
+  <dgm:styleLbl name="asst2">
+    <dgm:fillClrLst>
+      <a:schemeClr val="accent1"/>
+    </dgm:fillClrLst>
+    <dgm:linClrLst meth="repeat">
+      <a:schemeClr val="lt1"/>
+    </dgm:linClrLst>
+    <dgm:effectClrLst/>
+    <dgm:txLinClrLst/>
+    <dgm:txFillClrLst/>
+    <dgm:txEffectClrLst/>
+  </dgm:styleLbl>
+  <dgm:styleLbl name="asst3">
+    <dgm:fillClrLst>
+      <a:schemeClr val="accent2"/>
+    </dgm:fillClrLst>
+    <dgm:linClrLst meth="repeat">
+      <a:schemeClr val="lt1"/>
+    </dgm:linClrLst>
+    <dgm:effectClrLst/>
+    <dgm:txLinClrLst/>
+    <dgm:txFillClrLst/>
+    <dgm:txEffectClrLst/>
+  </dgm:styleLbl>
+  <dgm:styleLbl name="asst4">
+    <dgm:fillClrLst>
+      <a:schemeClr val="accent3"/>
+    </dgm:fillClrLst>
+    <dgm:linClrLst meth="repeat">
+      <a:schemeClr val="lt1"/>
+    </dgm:linClrLst>
+    <dgm:effectClrLst/>
+    <dgm:txLinClrLst/>
+    <dgm:txFillClrLst/>
+    <dgm:txEffectClrLst/>
+  </dgm:styleLbl>
+  <dgm:styleLbl name="parChTrans2D1">
+    <dgm:fillClrLst meth="repeat">
+      <a:schemeClr val="accent5"/>
+    </dgm:fillClrLst>
+    <dgm:linClrLst meth="repeat">
+      <a:schemeClr val="lt1"/>
+    </dgm:linClrLst>
+    <dgm:effectClrLst/>
+    <dgm:txLinClrLst/>
+    <dgm:txFillClrLst meth="repeat">
+      <a:schemeClr val="lt1"/>
+    </dgm:txFillClrLst>
+    <dgm:txEffectClrLst/>
+  </dgm:styleLbl>
+  <dgm:styleLbl name="parChTrans2D2">
+    <dgm:fillClrLst meth="repeat">
+      <a:schemeClr val="accent6"/>
+    </dgm:fillClrLst>
+    <dgm:linClrLst meth="repeat">
+      <a:schemeClr val="lt1"/>
+    </dgm:linClrLst>
+    <dgm:effectClrLst/>
+    <dgm:txLinClrLst/>
+    <dgm:txFillClrLst/>
+    <dgm:txEffectClrLst/>
+  </dgm:styleLbl>
+  <dgm:styleLbl name="parChTrans2D3">
+    <dgm:fillClrLst meth="repeat">
+      <a:schemeClr val="accent6"/>
+    </dgm:fillClrLst>
+    <dgm:linClrLst meth="repeat">
+      <a:schemeClr val="lt1"/>
+    </dgm:linClrLst>
+    <dgm:effectClrLst/>
+    <dgm:txLinClrLst/>
+    <dgm:txFillClrLst/>
+    <dgm:txEffectClrLst/>
+  </dgm:styleLbl>
+  <dgm:styleLbl name="parChTrans2D4">
+    <dgm:fillClrLst meth="repeat">
+      <a:schemeClr val="accent1"/>
+    </dgm:fillClrLst>
+    <dgm:linClrLst meth="repeat">
+      <a:schemeClr val="lt1"/>
+    </dgm:linClrLst>
+    <dgm:effectClrLst/>
+    <dgm:txLinClrLst/>
+    <dgm:txFillClrLst meth="repeat">
+      <a:schemeClr val="lt1"/>
+    </dgm:txFillClrLst>
+    <dgm:txEffectClrLst/>
+  </dgm:styleLbl>
+  <dgm:styleLbl name="parChTrans1D1">
+    <dgm:fillClrLst meth="repeat">
+      <a:schemeClr val="accent5"/>
+    </dgm:fillClrLst>
+    <dgm:linClrLst meth="repeat">
+      <a:schemeClr val="accent5"/>
+    </dgm:linClrLst>
+    <dgm:effectClrLst/>
+    <dgm:txLinClrLst/>
+    <dgm:txFillClrLst meth="repeat">
+      <a:schemeClr val="tx1"/>
+    </dgm:txFillClrLst>
+    <dgm:txEffectClrLst/>
+  </dgm:styleLbl>
+  <dgm:styleLbl name="parChTrans1D2">
+    <dgm:fillClrLst meth="repeat">
+      <a:schemeClr val="accent6">
+        <a:tint val="90000"/>
+      </a:schemeClr>
+    </dgm:fillClrLst>
+    <dgm:linClrLst meth="repeat">
+      <a:schemeClr val="accent6"/>
+    </dgm:linClrLst>
+    <dgm:effectClrLst/>
+    <dgm:txLinClrLst/>
+    <dgm:txFillClrLst meth="repeat">
+      <a:schemeClr val="tx1"/>
+    </dgm:txFillClrLst>
+    <dgm:txEffectClrLst/>
+  </dgm:styleLbl>
+  <dgm:styleLbl name="parChTrans1D3">
+    <dgm:fillClrLst meth="repeat">
+      <a:schemeClr val="accent6">
+        <a:tint val="70000"/>
+      </a:schemeClr>
+    </dgm:fillClrLst>
+    <dgm:linClrLst meth="repeat">
+      <a:schemeClr val="accent1"/>
+    </dgm:linClrLst>
+    <dgm:effectClrLst/>
+    <dgm:txLinClrLst/>
+    <dgm:txFillClrLst meth="repeat">
+      <a:schemeClr val="tx1"/>
+    </dgm:txFillClrLst>
+    <dgm:txEffectClrLst/>
+  </dgm:styleLbl>
+  <dgm:styleLbl name="parChTrans1D4">
+    <dgm:fillClrLst meth="repeat">
+      <a:schemeClr val="accent6">
+        <a:tint val="50000"/>
+      </a:schemeClr>
+    </dgm:fillClrLst>
+    <dgm:linClrLst meth="repeat">
+      <a:schemeClr val="accent2"/>
+    </dgm:linClrLst>
+    <dgm:effectClrLst/>
+    <dgm:txLinClrLst/>
+    <dgm:txFillClrLst meth="repeat">
+      <a:schemeClr val="tx1"/>
+    </dgm:txFillClrLst>
+    <dgm:txEffectClrLst/>
+  </dgm:styleLbl>
+  <dgm:styleLbl name="fgAcc1">
+    <dgm:fillClrLst meth="repeat">
+      <a:schemeClr val="lt1">
+        <a:alpha val="90000"/>
+      </a:schemeClr>
+    </dgm:fillClrLst>
+    <dgm:linClrLst>
+      <a:schemeClr val="accent5"/>
+      <a:schemeClr val="accent6"/>
+    </dgm:linClrLst>
+    <dgm:effectClrLst/>
+    <dgm:txLinClrLst/>
+    <dgm:txFillClrLst meth="repeat">
+      <a:schemeClr val="dk1"/>
+    </dgm:txFillClrLst>
+    <dgm:txEffectClrLst/>
+  </dgm:styleLbl>
+  <dgm:styleLbl name="conFgAcc1">
+    <dgm:fillClrLst meth="repeat">
+      <a:schemeClr val="lt1">
+        <a:alpha val="90000"/>
+      </a:schemeClr>
+    </dgm:fillClrLst>
+    <dgm:linClrLst>
+      <a:schemeClr val="accent5"/>
+      <a:schemeClr val="accent6"/>
+    </dgm:linClrLst>
+    <dgm:effectClrLst/>
+    <dgm:txLinClrLst/>
+    <dgm:txFillClrLst meth="repeat">
+      <a:schemeClr val="dk1"/>
+    </dgm:txFillClrLst>
+    <dgm:txEffectClrLst/>
+  </dgm:styleLbl>
+  <dgm:styleLbl name="alignAcc1">
+    <dgm:fillClrLst meth="repeat">
+      <a:schemeClr val="lt1">
+        <a:alpha val="90000"/>
+      </a:schemeClr>
+    </dgm:fillClrLst>
+    <dgm:linClrLst>
+      <a:schemeClr val="accent5"/>
+      <a:schemeClr val="accent6"/>
+    </dgm:linClrLst>
+    <dgm:effectClrLst/>
+    <dgm:txLinClrLst/>
+    <dgm:txFillClrLst meth="repeat">
+      <a:schemeClr val="dk1"/>
+    </dgm:txFillClrLst>
+    <dgm:txEffectClrLst/>
+  </dgm:styleLbl>
+  <dgm:styleLbl name="trAlignAcc1">
+    <dgm:fillClrLst meth="repeat">
+      <a:schemeClr val="lt1">
+        <a:alpha val="40000"/>
+      </a:schemeClr>
+    </dgm:fillClrLst>
+    <dgm:linClrLst meth="repeat">
+      <a:schemeClr val="accent5"/>
+    </dgm:linClrLst>
+    <dgm:effectClrLst/>
+    <dgm:txLinClrLst/>
+    <dgm:txFillClrLst meth="repeat">
+      <a:schemeClr val="dk1"/>
+    </dgm:txFillClrLst>
+    <dgm:txEffectClrLst/>
+  </dgm:styleLbl>
+  <dgm:styleLbl name="bgAcc1">
+    <dgm:fillClrLst meth="repeat">
+      <a:schemeClr val="lt1">
+        <a:alpha val="90000"/>
+      </a:schemeClr>
+    </dgm:fillClrLst>
+    <dgm:linClrLst>
+      <a:schemeClr val="accent5"/>
+      <a:schemeClr val="accent6"/>
+    </dgm:linClrLst>
+    <dgm:effectClrLst/>
+    <dgm:txLinClrLst/>
+    <dgm:txFillClrLst meth="repeat">
+      <a:schemeClr val="dk1"/>
+    </dgm:txFillClrLst>
+    <dgm:txEffectClrLst/>
+  </dgm:styleLbl>
+  <dgm:styleLbl name="solidFgAcc1">
+    <dgm:fillClrLst meth="repeat">
+      <a:schemeClr val="lt1"/>
+    </dgm:fillClrLst>
+    <dgm:linClrLst>
+      <a:schemeClr val="accent5"/>
+      <a:schemeClr val="accent6"/>
+    </dgm:linClrLst>
+    <dgm:effectClrLst/>
+    <dgm:txLinClrLst/>
+    <dgm:txFillClrLst meth="repeat">
+      <a:schemeClr val="dk1"/>
+    </dgm:txFillClrLst>
+    <dgm:txEffectClrLst/>
+  </dgm:styleLbl>
+  <dgm:styleLbl name="solidAlignAcc1">
+    <dgm:fillClrLst meth="repeat">
+      <a:schemeClr val="lt1"/>
+    </dgm:fillClrLst>
+    <dgm:linClrLst>
+      <a:schemeClr val="accent5"/>
+      <a:schemeClr val="accent6"/>
+    </dgm:linClrLst>
+    <dgm:effectClrLst/>
+    <dgm:txLinClrLst/>
+    <dgm:txFillClrLst meth="repeat">
+      <a:schemeClr val="dk1"/>
+    </dgm:txFillClrLst>
+    <dgm:txEffectClrLst/>
+  </dgm:styleLbl>
+  <dgm:styleLbl name="solidBgAcc1">
+    <dgm:fillClrLst meth="repeat">
+      <a:schemeClr val="lt1"/>
+    </dgm:fillClrLst>
+    <dgm:linClrLst>
+      <a:schemeClr val="accent5"/>
+      <a:schemeClr val="accent6"/>
+    </dgm:linClrLst>
+    <dgm:effectClrLst/>
+    <dgm:txLinClrLst/>
+    <dgm:txFillClrLst meth="repeat">
+      <a:schemeClr val="dk1"/>
+    </dgm:txFillClrLst>
+    <dgm:txEffectClrLst/>
+  </dgm:styleLbl>
+  <dgm:styleLbl name="fgAccFollowNode1">
+    <dgm:fillClrLst>
+      <a:schemeClr val="accent5">
+        <a:tint val="40000"/>
+        <a:alpha val="90000"/>
+      </a:schemeClr>
+      <a:schemeClr val="accent6">
+        <a:tint val="40000"/>
+        <a:alpha val="90000"/>
+      </a:schemeClr>
+    </dgm:fillClrLst>
+    <dgm:linClrLst>
+      <a:schemeClr val="accent5">
+        <a:tint val="40000"/>
+        <a:alpha val="90000"/>
+      </a:schemeClr>
+      <a:schemeClr val="accent5">
+        <a:tint val="40000"/>
+        <a:alpha val="90000"/>
+      </a:schemeClr>
+    </dgm:linClrLst>
+    <dgm:effectClrLst/>
+    <dgm:txLinClrLst/>
+    <dgm:txFillClrLst meth="repeat">
+      <a:schemeClr val="dk1"/>
+    </dgm:txFillClrLst>
+    <dgm:txEffectClrLst/>
+  </dgm:styleLbl>
+  <dgm:styleLbl name="alignAccFollowNode1">
+    <dgm:fillClrLst>
+      <a:schemeClr val="accent5">
+        <a:tint val="40000"/>
+        <a:alpha val="90000"/>
+      </a:schemeClr>
+      <a:schemeClr val="accent6">
+        <a:tint val="40000"/>
+        <a:alpha val="90000"/>
+      </a:schemeClr>
+    </dgm:fillClrLst>
+    <dgm:linClrLst>
+      <a:schemeClr val="accent5">
+        <a:tint val="40000"/>
+        <a:alpha val="90000"/>
+      </a:schemeClr>
+      <a:schemeClr val="accent6">
+        <a:tint val="40000"/>
+        <a:alpha val="90000"/>
+      </a:schemeClr>
+    </dgm:linClrLst>
+    <dgm:effectClrLst/>
+    <dgm:txLinClrLst/>
+    <dgm:txFillClrLst meth="repeat">
+      <a:schemeClr val="dk1"/>
+    </dgm:txFillClrLst>
+    <dgm:txEffectClrLst/>
+  </dgm:styleLbl>
+  <dgm:styleLbl name="bgAccFollowNode1">
+    <dgm:fillClrLst>
+      <a:schemeClr val="accent5">
+        <a:tint val="40000"/>
+        <a:alpha val="90000"/>
+      </a:schemeClr>
+      <a:schemeClr val="accent6">
+        <a:tint val="40000"/>
+        <a:alpha val="90000"/>
+      </a:schemeClr>
+    </dgm:fillClrLst>
+    <dgm:linClrLst>
+      <a:schemeClr val="accent5">
+        <a:tint val="40000"/>
+        <a:alpha val="90000"/>
+      </a:schemeClr>
+      <a:schemeClr val="accent6">
+        <a:tint val="40000"/>
+        <a:alpha val="90000"/>
+      </a:schemeClr>
+    </dgm:linClrLst>
+    <dgm:effectClrLst/>
+    <dgm:txLinClrLst/>
+    <dgm:txFillClrLst meth="repeat">
+      <a:schemeClr val="dk1"/>
+    </dgm:txFillClrLst>
+    <dgm:txEffectClrLst/>
+  </dgm:styleLbl>
+  <dgm:styleLbl name="fgAcc0">
+    <dgm:fillClrLst meth="repeat">
+      <a:schemeClr val="lt1">
+        <a:alpha val="90000"/>
+      </a:schemeClr>
+    </dgm:fillClrLst>
+    <dgm:linClrLst>
+      <a:schemeClr val="accent4"/>
+    </dgm:linClrLst>
+    <dgm:effectClrLst/>
+    <dgm:txLinClrLst/>
+    <dgm:txFillClrLst meth="repeat">
+      <a:schemeClr val="dk1"/>
+    </dgm:txFillClrLst>
+    <dgm:txEffectClrLst/>
+  </dgm:styleLbl>
+  <dgm:styleLbl name="fgAcc2">
+    <dgm:fillClrLst meth="repeat">
+      <a:schemeClr val="lt1">
+        <a:alpha val="90000"/>
+      </a:schemeClr>
+    </dgm:fillClrLst>
+    <dgm:linClrLst>
+      <a:schemeClr val="accent6"/>
+    </dgm:linClrLst>
+    <dgm:effectClrLst/>
+    <dgm:txLinClrLst/>
+    <dgm:txFillClrLst meth="repeat">
+      <a:schemeClr val="dk1"/>
+    </dgm:txFillClrLst>
+    <dgm:txEffectClrLst/>
+  </dgm:styleLbl>
+  <dgm:styleLbl name="fgAcc3">
+    <dgm:fillClrLst meth="repeat">
+      <a:schemeClr val="lt1">
+        <a:alpha val="90000"/>
+      </a:schemeClr>
+    </dgm:fillClrLst>
+    <dgm:linClrLst>
+      <a:schemeClr val="accent1"/>
+    </dgm:linClrLst>
+    <dgm:effectClrLst/>
+    <dgm:txLinClrLst/>
+    <dgm:txFillClrLst meth="repeat">
+      <a:schemeClr val="dk1"/>
+    </dgm:txFillClrLst>
+    <dgm:txEffectClrLst/>
+  </dgm:styleLbl>
+  <dgm:styleLbl name="fgAcc4">
+    <dgm:fillClrLst meth="repeat">
+      <a:schemeClr val="lt1">
+        <a:alpha val="90000"/>
+      </a:schemeClr>
+    </dgm:fillClrLst>
+    <dgm:linClrLst>
+      <a:schemeClr val="accent2"/>
+    </dgm:linClrLst>
+    <dgm:effectClrLst/>
+    <dgm:txLinClrLst/>
+    <dgm:txFillClrLst meth="repeat">
+      <a:schemeClr val="dk1"/>
+    </dgm:txFillClrLst>
+    <dgm:txEffectClrLst/>
+  </dgm:styleLbl>
+  <dgm:styleLbl name="bgShp">
+    <dgm:fillClrLst meth="repeat">
+      <a:schemeClr val="accent5">
+        <a:tint val="40000"/>
+      </a:schemeClr>
+    </dgm:fillClrLst>
+    <dgm:linClrLst meth="repeat">
+      <a:schemeClr val="dk1"/>
+    </dgm:linClrLst>
+    <dgm:effectClrLst/>
+    <dgm:txLinClrLst/>
+    <dgm:txFillClrLst meth="repeat">
+      <a:schemeClr val="dk1"/>
+    </dgm:txFillClrLst>
+    <dgm:txEffectClrLst/>
+  </dgm:styleLbl>
+  <dgm:styleLbl name="dkBgShp">
+    <dgm:fillClrLst meth="repeat">
+      <a:schemeClr val="accent5">
+        <a:shade val="90000"/>
+      </a:schemeClr>
+    </dgm:fillClrLst>
+    <dgm:linClrLst meth="repeat">
+      <a:schemeClr val="dk1"/>
+    </dgm:linClrLst>
+    <dgm:effectClrLst/>
+    <dgm:txLinClrLst/>
+    <dgm:txFillClrLst meth="repeat">
+      <a:schemeClr val="lt1"/>
+    </dgm:txFillClrLst>
+    <dgm:txEffectClrLst/>
+  </dgm:styleLbl>
+  <dgm:styleLbl name="trBgShp">
+    <dgm:fillClrLst meth="repeat">
+      <a:schemeClr val="accent5">
+        <a:tint val="50000"/>
+        <a:alpha val="40000"/>
+      </a:schemeClr>
+    </dgm:fillClrLst>
+    <dgm:linClrLst meth="repeat">
+      <a:schemeClr val="accent5"/>
+    </dgm:linClrLst>
+    <dgm:effectClrLst/>
+    <dgm:txLinClrLst/>
+    <dgm:txFillClrLst meth="repeat">
+      <a:schemeClr val="lt1"/>
+    </dgm:txFillClrLst>
+    <dgm:txEffectClrLst/>
+  </dgm:styleLbl>
+  <dgm:styleLbl name="fgShp">
+    <dgm:fillClrLst meth="repeat">
+      <a:schemeClr val="accent5">
+        <a:tint val="40000"/>
+      </a:schemeClr>
+    </dgm:fillClrLst>
+    <dgm:linClrLst meth="repeat">
+      <a:schemeClr val="lt1"/>
+    </dgm:linClrLst>
+    <dgm:effectClrLst/>
+    <dgm:txLinClrLst/>
+    <dgm:txFillClrLst meth="repeat">
+      <a:schemeClr val="dk1"/>
+    </dgm:txFillClrLst>
+    <dgm:txEffectClrLst/>
+  </dgm:styleLbl>
+  <dgm:styleLbl name="revTx">
+    <dgm:fillClrLst meth="repeat">
+      <a:schemeClr val="lt1">
+        <a:alpha val="0"/>
+      </a:schemeClr>
+    </dgm:fillClrLst>
+    <dgm:linClrLst meth="repeat">
+      <a:schemeClr val="dk1">
+        <a:alpha val="0"/>
+      </a:schemeClr>
+    </dgm:linClrLst>
+    <dgm:effectClrLst/>
+    <dgm:txLinClrLst/>
+    <dgm:txFillClrLst meth="repeat">
+      <a:schemeClr val="tx1"/>
+    </dgm:txFillClrLst>
+    <dgm:txEffectClrLst/>
+  </dgm:styleLbl>
+</dgm:colorsDef>
+</file>
+
+<file path=ppt/diagrams/data1.xml><?xml version="1.0" encoding="utf-8"?>
+<dgm:dataModel xmlns:dgm="http://schemas.openxmlformats.org/drawingml/2006/diagram" xmlns:a="http://schemas.openxmlformats.org/drawingml/2006/main">
+  <dgm:ptLst>
+    <dgm:pt modelId="{5D5D9EEC-A66F-43DB-9F14-93EC571B2E37}" type="doc">
+      <dgm:prSet loTypeId="urn:microsoft.com/office/officeart/2005/8/layout/vList2" loCatId="list" qsTypeId="urn:microsoft.com/office/officeart/2005/8/quickstyle/simple4" qsCatId="simple" csTypeId="urn:microsoft.com/office/officeart/2005/8/colors/colorful5" csCatId="colorful"/>
+      <dgm:spPr/>
+      <dgm:t>
+        <a:bodyPr/>
+        <a:lstStyle/>
+        <a:p>
+          <a:endParaRPr lang="en-US"/>
+        </a:p>
+      </dgm:t>
+    </dgm:pt>
+    <dgm:pt modelId="{F590AB9E-79FC-4CDE-9055-7B2DD188000D}">
+      <dgm:prSet/>
+      <dgm:spPr/>
+      <dgm:t>
+        <a:bodyPr/>
+        <a:lstStyle/>
+        <a:p>
+          <a:r>
+            <a:rPr lang="en-US"/>
+            <a:t>PTV CSV’s from the discover.data.vic.gov.au website</a:t>
+          </a:r>
+        </a:p>
+      </dgm:t>
+    </dgm:pt>
+    <dgm:pt modelId="{49E8F8EC-DA79-4661-88F9-3CB3E27EA085}" type="parTrans" cxnId="{2E12840B-3BC1-44BC-9719-33578747C497}">
+      <dgm:prSet/>
+      <dgm:spPr/>
+      <dgm:t>
+        <a:bodyPr/>
+        <a:lstStyle/>
+        <a:p>
+          <a:endParaRPr lang="en-US"/>
+        </a:p>
+      </dgm:t>
+    </dgm:pt>
+    <dgm:pt modelId="{3061E3D0-46B0-471B-9F13-FD61C8461C42}" type="sibTrans" cxnId="{2E12840B-3BC1-44BC-9719-33578747C497}">
+      <dgm:prSet/>
+      <dgm:spPr/>
+      <dgm:t>
+        <a:bodyPr/>
+        <a:lstStyle/>
+        <a:p>
+          <a:endParaRPr lang="en-US"/>
+        </a:p>
+      </dgm:t>
+    </dgm:pt>
+    <dgm:pt modelId="{4B3FD853-74BD-4BF1-A9B7-46C612211FE9}">
+      <dgm:prSet/>
+      <dgm:spPr/>
+      <dgm:t>
+        <a:bodyPr/>
+        <a:lstStyle/>
+        <a:p>
+          <a:r>
+            <a:rPr lang="en-US"/>
+            <a:t>Pedestrian Counting System API (City of Melbourne’s Open Data API)</a:t>
+          </a:r>
+        </a:p>
+      </dgm:t>
+    </dgm:pt>
+    <dgm:pt modelId="{F1B54803-0829-447C-9869-4BF9B2A0625D}" type="parTrans" cxnId="{0F3CC938-04FD-43BC-BC1B-29718A8942A3}">
+      <dgm:prSet/>
+      <dgm:spPr/>
+      <dgm:t>
+        <a:bodyPr/>
+        <a:lstStyle/>
+        <a:p>
+          <a:endParaRPr lang="en-US"/>
+        </a:p>
+      </dgm:t>
+    </dgm:pt>
+    <dgm:pt modelId="{5A6973B5-45ED-416E-B3BD-10B3DFD891CB}" type="sibTrans" cxnId="{0F3CC938-04FD-43BC-BC1B-29718A8942A3}">
+      <dgm:prSet/>
+      <dgm:spPr/>
+      <dgm:t>
+        <a:bodyPr/>
+        <a:lstStyle/>
+        <a:p>
+          <a:endParaRPr lang="en-US"/>
+        </a:p>
+      </dgm:t>
+    </dgm:pt>
+    <dgm:pt modelId="{1F059936-DC6E-4F41-BB43-5BAC3629B4A6}">
+      <dgm:prSet/>
+      <dgm:spPr/>
+      <dgm:t>
+        <a:bodyPr/>
+        <a:lstStyle/>
+        <a:p>
+          <a:r>
+            <a:rPr lang="en-US"/>
+            <a:t>Victorian Coronavirus Data</a:t>
+          </a:r>
+        </a:p>
+      </dgm:t>
+    </dgm:pt>
+    <dgm:pt modelId="{98E573BB-B8F1-4598-B0A3-B51FADFB8EB9}" type="parTrans" cxnId="{76C1BC03-0224-44C2-B703-B3689642575F}">
+      <dgm:prSet/>
+      <dgm:spPr/>
+      <dgm:t>
+        <a:bodyPr/>
+        <a:lstStyle/>
+        <a:p>
+          <a:endParaRPr lang="en-US"/>
+        </a:p>
+      </dgm:t>
+    </dgm:pt>
+    <dgm:pt modelId="{E3AFBFCF-074F-4BB0-90C7-CA145353A573}" type="sibTrans" cxnId="{76C1BC03-0224-44C2-B703-B3689642575F}">
+      <dgm:prSet/>
+      <dgm:spPr/>
+      <dgm:t>
+        <a:bodyPr/>
+        <a:lstStyle/>
+        <a:p>
+          <a:endParaRPr lang="en-US"/>
+        </a:p>
+      </dgm:t>
+    </dgm:pt>
+    <dgm:pt modelId="{69C044E5-1FEA-4132-B774-5AD4B4F0296B}" type="pres">
+      <dgm:prSet presAssocID="{5D5D9EEC-A66F-43DB-9F14-93EC571B2E37}" presName="linear" presStyleCnt="0">
+        <dgm:presLayoutVars>
+          <dgm:animLvl val="lvl"/>
+          <dgm:resizeHandles val="exact"/>
+        </dgm:presLayoutVars>
+      </dgm:prSet>
+      <dgm:spPr/>
+    </dgm:pt>
+    <dgm:pt modelId="{075198FF-FE1C-4EE6-B24A-344BE2F2A6DF}" type="pres">
+      <dgm:prSet presAssocID="{F590AB9E-79FC-4CDE-9055-7B2DD188000D}" presName="parentText" presStyleLbl="node1" presStyleIdx="0" presStyleCnt="3">
+        <dgm:presLayoutVars>
+          <dgm:chMax val="0"/>
+          <dgm:bulletEnabled val="1"/>
+        </dgm:presLayoutVars>
+      </dgm:prSet>
+      <dgm:spPr/>
+    </dgm:pt>
+    <dgm:pt modelId="{78C750C5-B5EB-455B-812A-D84E7DAFEA39}" type="pres">
+      <dgm:prSet presAssocID="{3061E3D0-46B0-471B-9F13-FD61C8461C42}" presName="spacer" presStyleCnt="0"/>
+      <dgm:spPr/>
+    </dgm:pt>
+    <dgm:pt modelId="{462C9E02-B5E5-46D3-BCB9-EC10289BE414}" type="pres">
+      <dgm:prSet presAssocID="{4B3FD853-74BD-4BF1-A9B7-46C612211FE9}" presName="parentText" presStyleLbl="node1" presStyleIdx="1" presStyleCnt="3">
+        <dgm:presLayoutVars>
+          <dgm:chMax val="0"/>
+          <dgm:bulletEnabled val="1"/>
+        </dgm:presLayoutVars>
+      </dgm:prSet>
+      <dgm:spPr/>
+    </dgm:pt>
+    <dgm:pt modelId="{2A0390B5-93A1-4FD4-9145-CC750D7A32A0}" type="pres">
+      <dgm:prSet presAssocID="{5A6973B5-45ED-416E-B3BD-10B3DFD891CB}" presName="spacer" presStyleCnt="0"/>
+      <dgm:spPr/>
+    </dgm:pt>
+    <dgm:pt modelId="{306BC289-AA08-4BDA-B55F-55E27C91803E}" type="pres">
+      <dgm:prSet presAssocID="{1F059936-DC6E-4F41-BB43-5BAC3629B4A6}" presName="parentText" presStyleLbl="node1" presStyleIdx="2" presStyleCnt="3">
+        <dgm:presLayoutVars>
+          <dgm:chMax val="0"/>
+          <dgm:bulletEnabled val="1"/>
+        </dgm:presLayoutVars>
+      </dgm:prSet>
+      <dgm:spPr/>
+    </dgm:pt>
+  </dgm:ptLst>
+  <dgm:cxnLst>
+    <dgm:cxn modelId="{76C1BC03-0224-44C2-B703-B3689642575F}" srcId="{5D5D9EEC-A66F-43DB-9F14-93EC571B2E37}" destId="{1F059936-DC6E-4F41-BB43-5BAC3629B4A6}" srcOrd="2" destOrd="0" parTransId="{98E573BB-B8F1-4598-B0A3-B51FADFB8EB9}" sibTransId="{E3AFBFCF-074F-4BB0-90C7-CA145353A573}"/>
+    <dgm:cxn modelId="{2E12840B-3BC1-44BC-9719-33578747C497}" srcId="{5D5D9EEC-A66F-43DB-9F14-93EC571B2E37}" destId="{F590AB9E-79FC-4CDE-9055-7B2DD188000D}" srcOrd="0" destOrd="0" parTransId="{49E8F8EC-DA79-4661-88F9-3CB3E27EA085}" sibTransId="{3061E3D0-46B0-471B-9F13-FD61C8461C42}"/>
+    <dgm:cxn modelId="{D3D0AB17-6951-4075-8947-C89652656D1A}" type="presOf" srcId="{5D5D9EEC-A66F-43DB-9F14-93EC571B2E37}" destId="{69C044E5-1FEA-4132-B774-5AD4B4F0296B}" srcOrd="0" destOrd="0" presId="urn:microsoft.com/office/officeart/2005/8/layout/vList2"/>
+    <dgm:cxn modelId="{0F3CC938-04FD-43BC-BC1B-29718A8942A3}" srcId="{5D5D9EEC-A66F-43DB-9F14-93EC571B2E37}" destId="{4B3FD853-74BD-4BF1-A9B7-46C612211FE9}" srcOrd="1" destOrd="0" parTransId="{F1B54803-0829-447C-9869-4BF9B2A0625D}" sibTransId="{5A6973B5-45ED-416E-B3BD-10B3DFD891CB}"/>
+    <dgm:cxn modelId="{1A16FC42-2925-42F5-8472-2BB9356D50C8}" type="presOf" srcId="{F590AB9E-79FC-4CDE-9055-7B2DD188000D}" destId="{075198FF-FE1C-4EE6-B24A-344BE2F2A6DF}" srcOrd="0" destOrd="0" presId="urn:microsoft.com/office/officeart/2005/8/layout/vList2"/>
+    <dgm:cxn modelId="{E5B24285-186B-4CEB-9650-0BFF01E16608}" type="presOf" srcId="{1F059936-DC6E-4F41-BB43-5BAC3629B4A6}" destId="{306BC289-AA08-4BDA-B55F-55E27C91803E}" srcOrd="0" destOrd="0" presId="urn:microsoft.com/office/officeart/2005/8/layout/vList2"/>
+    <dgm:cxn modelId="{372265F7-B4DE-4EA3-989B-F89B28E8F391}" type="presOf" srcId="{4B3FD853-74BD-4BF1-A9B7-46C612211FE9}" destId="{462C9E02-B5E5-46D3-BCB9-EC10289BE414}" srcOrd="0" destOrd="0" presId="urn:microsoft.com/office/officeart/2005/8/layout/vList2"/>
+    <dgm:cxn modelId="{6AAA0833-D0DF-4EFE-BB6A-F8414D98BA69}" type="presParOf" srcId="{69C044E5-1FEA-4132-B774-5AD4B4F0296B}" destId="{075198FF-FE1C-4EE6-B24A-344BE2F2A6DF}" srcOrd="0" destOrd="0" presId="urn:microsoft.com/office/officeart/2005/8/layout/vList2"/>
+    <dgm:cxn modelId="{982257F3-3392-497D-9D87-8D77837954CD}" type="presParOf" srcId="{69C044E5-1FEA-4132-B774-5AD4B4F0296B}" destId="{78C750C5-B5EB-455B-812A-D84E7DAFEA39}" srcOrd="1" destOrd="0" presId="urn:microsoft.com/office/officeart/2005/8/layout/vList2"/>
+    <dgm:cxn modelId="{FC0EA987-0B21-4CB5-A118-353E8CDBD822}" type="presParOf" srcId="{69C044E5-1FEA-4132-B774-5AD4B4F0296B}" destId="{462C9E02-B5E5-46D3-BCB9-EC10289BE414}" srcOrd="2" destOrd="0" presId="urn:microsoft.com/office/officeart/2005/8/layout/vList2"/>
+    <dgm:cxn modelId="{FE9980D8-5F66-47FD-B8F4-F5842C022881}" type="presParOf" srcId="{69C044E5-1FEA-4132-B774-5AD4B4F0296B}" destId="{2A0390B5-93A1-4FD4-9145-CC750D7A32A0}" srcOrd="3" destOrd="0" presId="urn:microsoft.com/office/officeart/2005/8/layout/vList2"/>
+    <dgm:cxn modelId="{718765AA-51D6-435D-8127-B315F7E2C1DB}" type="presParOf" srcId="{69C044E5-1FEA-4132-B774-5AD4B4F0296B}" destId="{306BC289-AA08-4BDA-B55F-55E27C91803E}" srcOrd="4" destOrd="0" presId="urn:microsoft.com/office/officeart/2005/8/layout/vList2"/>
+  </dgm:cxnLst>
+  <dgm:bg/>
+  <dgm:whole/>
+  <dgm:extLst>
+    <a:ext uri="http://schemas.microsoft.com/office/drawing/2008/diagram">
+      <dsp:dataModelExt xmlns:dsp="http://schemas.microsoft.com/office/drawing/2008/diagram" relId="rId7" minVer="http://schemas.openxmlformats.org/drawingml/2006/diagram"/>
+    </a:ext>
+  </dgm:extLst>
+</dgm:dataModel>
+</file>
+
+<file path=ppt/diagrams/drawing1.xml><?xml version="1.0" encoding="utf-8"?>
+<dsp:drawing xmlns:dgm="http://schemas.openxmlformats.org/drawingml/2006/diagram" xmlns:dsp="http://schemas.microsoft.com/office/drawing/2008/diagram" xmlns:a="http://schemas.openxmlformats.org/drawingml/2006/main">
+  <dsp:spTree>
+    <dsp:nvGrpSpPr>
+      <dsp:cNvPr id="0" name=""/>
+      <dsp:cNvGrpSpPr/>
+    </dsp:nvGrpSpPr>
+    <dsp:grpSpPr/>
+    <dsp:sp modelId="{075198FF-FE1C-4EE6-B24A-344BE2F2A6DF}">
+      <dsp:nvSpPr>
+        <dsp:cNvPr id="0" name=""/>
+        <dsp:cNvSpPr/>
+      </dsp:nvSpPr>
+      <dsp:spPr>
+        <a:xfrm>
+          <a:off x="0" y="26767"/>
+          <a:ext cx="6403994" cy="1622278"/>
+        </a:xfrm>
+        <a:prstGeom prst="roundRect">
+          <a:avLst/>
+        </a:prstGeom>
+        <a:gradFill rotWithShape="0">
+          <a:gsLst>
+            <a:gs pos="0">
+              <a:schemeClr val="accent5">
+                <a:hueOff val="0"/>
+                <a:satOff val="0"/>
+                <a:lumOff val="0"/>
+                <a:alphaOff val="0"/>
+                <a:tint val="96000"/>
+                <a:satMod val="100000"/>
+                <a:lumMod val="104000"/>
+              </a:schemeClr>
+            </a:gs>
+            <a:gs pos="78000">
+              <a:schemeClr val="accent5">
+                <a:hueOff val="0"/>
+                <a:satOff val="0"/>
+                <a:lumOff val="0"/>
+                <a:alphaOff val="0"/>
+                <a:shade val="100000"/>
+                <a:satMod val="110000"/>
+                <a:lumMod val="100000"/>
+              </a:schemeClr>
+            </a:gs>
+          </a:gsLst>
+          <a:lin ang="5400000" scaled="0"/>
+        </a:gradFill>
+        <a:ln>
+          <a:noFill/>
+        </a:ln>
+        <a:effectLst/>
+        <a:scene3d>
+          <a:camera prst="orthographicFront">
+            <a:rot lat="0" lon="0" rev="0"/>
+          </a:camera>
+          <a:lightRig rig="threePt" dir="t"/>
+        </a:scene3d>
+        <a:sp3d>
+          <a:bevelT w="25400" h="12700"/>
+        </a:sp3d>
+      </dsp:spPr>
+      <dsp:style>
+        <a:lnRef idx="0">
+          <a:scrgbClr r="0" g="0" b="0"/>
+        </a:lnRef>
+        <a:fillRef idx="3">
+          <a:scrgbClr r="0" g="0" b="0"/>
+        </a:fillRef>
+        <a:effectRef idx="2">
+          <a:scrgbClr r="0" g="0" b="0"/>
+        </a:effectRef>
+        <a:fontRef idx="minor">
+          <a:schemeClr val="lt1"/>
+        </a:fontRef>
+      </dsp:style>
+      <dsp:txBody>
+        <a:bodyPr spcFirstLastPara="0" vert="horz" wrap="square" lIns="110490" tIns="110490" rIns="110490" bIns="110490" numCol="1" spcCol="1270" anchor="ctr" anchorCtr="0">
+          <a:noAutofit/>
+        </a:bodyPr>
+        <a:lstStyle/>
+        <a:p>
+          <a:pPr marL="0" lvl="0" indent="0" algn="l" defTabSz="1289050">
+            <a:lnSpc>
+              <a:spcPct val="90000"/>
+            </a:lnSpc>
+            <a:spcBef>
+              <a:spcPct val="0"/>
+            </a:spcBef>
+            <a:spcAft>
+              <a:spcPct val="35000"/>
+            </a:spcAft>
+            <a:buNone/>
+          </a:pPr>
+          <a:r>
+            <a:rPr lang="en-US" sz="2900" kern="1200"/>
+            <a:t>PTV CSV’s from the discover.data.vic.gov.au website</a:t>
+          </a:r>
+        </a:p>
+      </dsp:txBody>
+      <dsp:txXfrm>
+        <a:off x="79193" y="105960"/>
+        <a:ext cx="6245608" cy="1463892"/>
+      </dsp:txXfrm>
+    </dsp:sp>
+    <dsp:sp modelId="{462C9E02-B5E5-46D3-BCB9-EC10289BE414}">
+      <dsp:nvSpPr>
+        <dsp:cNvPr id="0" name=""/>
+        <dsp:cNvSpPr/>
+      </dsp:nvSpPr>
+      <dsp:spPr>
+        <a:xfrm>
+          <a:off x="0" y="1732565"/>
+          <a:ext cx="6403994" cy="1622278"/>
+        </a:xfrm>
+        <a:prstGeom prst="roundRect">
+          <a:avLst/>
+        </a:prstGeom>
+        <a:gradFill rotWithShape="0">
+          <a:gsLst>
+            <a:gs pos="0">
+              <a:schemeClr val="accent5">
+                <a:hueOff val="1163773"/>
+                <a:satOff val="3877"/>
+                <a:lumOff val="4412"/>
+                <a:alphaOff val="0"/>
+                <a:tint val="96000"/>
+                <a:satMod val="100000"/>
+                <a:lumMod val="104000"/>
+              </a:schemeClr>
+            </a:gs>
+            <a:gs pos="78000">
+              <a:schemeClr val="accent5">
+                <a:hueOff val="1163773"/>
+                <a:satOff val="3877"/>
+                <a:lumOff val="4412"/>
+                <a:alphaOff val="0"/>
+                <a:shade val="100000"/>
+                <a:satMod val="110000"/>
+                <a:lumMod val="100000"/>
+              </a:schemeClr>
+            </a:gs>
+          </a:gsLst>
+          <a:lin ang="5400000" scaled="0"/>
+        </a:gradFill>
+        <a:ln>
+          <a:noFill/>
+        </a:ln>
+        <a:effectLst/>
+        <a:scene3d>
+          <a:camera prst="orthographicFront">
+            <a:rot lat="0" lon="0" rev="0"/>
+          </a:camera>
+          <a:lightRig rig="threePt" dir="t"/>
+        </a:scene3d>
+        <a:sp3d>
+          <a:bevelT w="25400" h="12700"/>
+        </a:sp3d>
+      </dsp:spPr>
+      <dsp:style>
+        <a:lnRef idx="0">
+          <a:scrgbClr r="0" g="0" b="0"/>
+        </a:lnRef>
+        <a:fillRef idx="3">
+          <a:scrgbClr r="0" g="0" b="0"/>
+        </a:fillRef>
+        <a:effectRef idx="2">
+          <a:scrgbClr r="0" g="0" b="0"/>
+        </a:effectRef>
+        <a:fontRef idx="minor">
+          <a:schemeClr val="lt1"/>
+        </a:fontRef>
+      </dsp:style>
+      <dsp:txBody>
+        <a:bodyPr spcFirstLastPara="0" vert="horz" wrap="square" lIns="110490" tIns="110490" rIns="110490" bIns="110490" numCol="1" spcCol="1270" anchor="ctr" anchorCtr="0">
+          <a:noAutofit/>
+        </a:bodyPr>
+        <a:lstStyle/>
+        <a:p>
+          <a:pPr marL="0" lvl="0" indent="0" algn="l" defTabSz="1289050">
+            <a:lnSpc>
+              <a:spcPct val="90000"/>
+            </a:lnSpc>
+            <a:spcBef>
+              <a:spcPct val="0"/>
+            </a:spcBef>
+            <a:spcAft>
+              <a:spcPct val="35000"/>
+            </a:spcAft>
+            <a:buNone/>
+          </a:pPr>
+          <a:r>
+            <a:rPr lang="en-US" sz="2900" kern="1200"/>
+            <a:t>Pedestrian Counting System API (City of Melbourne’s Open Data API)</a:t>
+          </a:r>
+        </a:p>
+      </dsp:txBody>
+      <dsp:txXfrm>
+        <a:off x="79193" y="1811758"/>
+        <a:ext cx="6245608" cy="1463892"/>
+      </dsp:txXfrm>
+    </dsp:sp>
+    <dsp:sp modelId="{306BC289-AA08-4BDA-B55F-55E27C91803E}">
+      <dsp:nvSpPr>
+        <dsp:cNvPr id="0" name=""/>
+        <dsp:cNvSpPr/>
+      </dsp:nvSpPr>
+      <dsp:spPr>
+        <a:xfrm>
+          <a:off x="0" y="3438363"/>
+          <a:ext cx="6403994" cy="1622278"/>
+        </a:xfrm>
+        <a:prstGeom prst="roundRect">
+          <a:avLst/>
+        </a:prstGeom>
+        <a:gradFill rotWithShape="0">
+          <a:gsLst>
+            <a:gs pos="0">
+              <a:schemeClr val="accent5">
+                <a:hueOff val="2327545"/>
+                <a:satOff val="7755"/>
+                <a:lumOff val="8823"/>
+                <a:alphaOff val="0"/>
+                <a:tint val="96000"/>
+                <a:satMod val="100000"/>
+                <a:lumMod val="104000"/>
+              </a:schemeClr>
+            </a:gs>
+            <a:gs pos="78000">
+              <a:schemeClr val="accent5">
+                <a:hueOff val="2327545"/>
+                <a:satOff val="7755"/>
+                <a:lumOff val="8823"/>
+                <a:alphaOff val="0"/>
+                <a:shade val="100000"/>
+                <a:satMod val="110000"/>
+                <a:lumMod val="100000"/>
+              </a:schemeClr>
+            </a:gs>
+          </a:gsLst>
+          <a:lin ang="5400000" scaled="0"/>
+        </a:gradFill>
+        <a:ln>
+          <a:noFill/>
+        </a:ln>
+        <a:effectLst/>
+        <a:scene3d>
+          <a:camera prst="orthographicFront">
+            <a:rot lat="0" lon="0" rev="0"/>
+          </a:camera>
+          <a:lightRig rig="threePt" dir="t"/>
+        </a:scene3d>
+        <a:sp3d>
+          <a:bevelT w="25400" h="12700"/>
+        </a:sp3d>
+      </dsp:spPr>
+      <dsp:style>
+        <a:lnRef idx="0">
+          <a:scrgbClr r="0" g="0" b="0"/>
+        </a:lnRef>
+        <a:fillRef idx="3">
+          <a:scrgbClr r="0" g="0" b="0"/>
+        </a:fillRef>
+        <a:effectRef idx="2">
+          <a:scrgbClr r="0" g="0" b="0"/>
+        </a:effectRef>
+        <a:fontRef idx="minor">
+          <a:schemeClr val="lt1"/>
+        </a:fontRef>
+      </dsp:style>
+      <dsp:txBody>
+        <a:bodyPr spcFirstLastPara="0" vert="horz" wrap="square" lIns="110490" tIns="110490" rIns="110490" bIns="110490" numCol="1" spcCol="1270" anchor="ctr" anchorCtr="0">
+          <a:noAutofit/>
+        </a:bodyPr>
+        <a:lstStyle/>
+        <a:p>
+          <a:pPr marL="0" lvl="0" indent="0" algn="l" defTabSz="1289050">
+            <a:lnSpc>
+              <a:spcPct val="90000"/>
+            </a:lnSpc>
+            <a:spcBef>
+              <a:spcPct val="0"/>
+            </a:spcBef>
+            <a:spcAft>
+              <a:spcPct val="35000"/>
+            </a:spcAft>
+            <a:buNone/>
+          </a:pPr>
+          <a:r>
+            <a:rPr lang="en-US" sz="2900" kern="1200"/>
+            <a:t>Victorian Coronavirus Data</a:t>
+          </a:r>
+        </a:p>
+      </dsp:txBody>
+      <dsp:txXfrm>
+        <a:off x="79193" y="3517556"/>
+        <a:ext cx="6245608" cy="1463892"/>
+      </dsp:txXfrm>
+    </dsp:sp>
+  </dsp:spTree>
+</dsp:drawing>
+</file>
+
+<file path=ppt/diagrams/layout1.xml><?xml version="1.0" encoding="utf-8"?>
+<dgm:layoutDef xmlns:dgm="http://schemas.openxmlformats.org/drawingml/2006/diagram" xmlns:a="http://schemas.openxmlformats.org/drawingml/2006/main" uniqueId="urn:microsoft.com/office/officeart/2005/8/layout/vList2">
+  <dgm:title val=""/>
+  <dgm:desc val=""/>
+  <dgm:catLst>
+    <dgm:cat type="list" pri="3000"/>
+    <dgm:cat type="convert" pri="1000"/>
+  </dgm:catLst>
+  <dgm:sampData>
+    <dgm:dataModel>
+      <dgm:ptLst>
+        <dgm:pt modelId="0" type="doc"/>
+        <dgm:pt modelId="1">
+          <dgm:prSet phldr="1"/>
+        </dgm:pt>
+        <dgm:pt modelId="11">
+          <dgm:prSet phldr="1"/>
+        </dgm:pt>
+        <dgm:pt modelId="2">
+          <dgm:prSet phldr="1"/>
+        </dgm:pt>
+        <dgm:pt modelId="21">
+          <dgm:prSet phldr="1"/>
+        </dgm:pt>
+      </dgm:ptLst>
+      <dgm:cxnLst>
+        <dgm:cxn modelId="4" srcId="0" destId="1" srcOrd="0" destOrd="0"/>
+        <dgm:cxn modelId="5" srcId="0" destId="2" srcOrd="1" destOrd="0"/>
+        <dgm:cxn modelId="12" srcId="1" destId="11" srcOrd="0" destOrd="0"/>
+        <dgm:cxn modelId="23" srcId="2" destId="21" srcOrd="0" destOrd="0"/>
+      </dgm:cxnLst>
+      <dgm:bg/>
+      <dgm:whole/>
+    </dgm:dataModel>
+  </dgm:sampData>
+  <dgm:styleData>
+    <dgm:dataModel>
+      <dgm:ptLst>
+        <dgm:pt modelId="0" type="doc"/>
+        <dgm:pt modelId="1"/>
+        <dgm:pt modelId="2"/>
+      </dgm:ptLst>
+      <dgm:cxnLst>
+        <dgm:cxn modelId="3" srcId="0" destId="1" srcOrd="0" destOrd="0"/>
+        <dgm:cxn modelId="4" srcId="0" destId="2" srcOrd="1" destOrd="0"/>
+      </dgm:cxnLst>
+      <dgm:bg/>
+      <dgm:whole/>
+    </dgm:dataModel>
+  </dgm:styleData>
+  <dgm:clrData>
+    <dgm:dataModel>
+      <dgm:ptLst>
+        <dgm:pt modelId="0" type="doc"/>
+        <dgm:pt modelId="1"/>
+        <dgm:pt modelId="2"/>
+        <dgm:pt modelId="3"/>
+        <dgm:pt modelId="4"/>
+      </dgm:ptLst>
+      <dgm:cxnLst>
+        <dgm:cxn modelId="5" srcId="0" destId="1" srcOrd="0" destOrd="0"/>
+        <dgm:cxn modelId="6" srcId="0" destId="2" srcOrd="1" destOrd="0"/>
+        <dgm:cxn modelId="7" srcId="0" destId="3" srcOrd="2" destOrd="0"/>
+        <dgm:cxn modelId="8" srcId="0" destId="4" srcOrd="3" destOrd="0"/>
+      </dgm:cxnLst>
+      <dgm:bg/>
+      <dgm:whole/>
+    </dgm:dataModel>
+  </dgm:clrData>
+  <dgm:layoutNode name="linear">
+    <dgm:varLst>
+      <dgm:animLvl val="lvl"/>
+      <dgm:resizeHandles val="exact"/>
+    </dgm:varLst>
+    <dgm:alg type="lin">
+      <dgm:param type="linDir" val="fromT"/>
+      <dgm:param type="vertAlign" val="mid"/>
+    </dgm:alg>
+    <dgm:shape xmlns:r="http://schemas.openxmlformats.org/officeDocument/2006/relationships" r:blip="">
+      <dgm:adjLst/>
+    </dgm:shape>
+    <dgm:presOf/>
+    <dgm:constrLst>
+      <dgm:constr type="w" for="ch" forName="parentText" refType="w"/>
+      <dgm:constr type="h" for="ch" forName="parentText" refType="primFontSz" refFor="ch" refForName="parentText" fact="0.52"/>
+      <dgm:constr type="w" for="ch" forName="childText" refType="w"/>
+      <dgm:constr type="h" for="ch" forName="childText" refType="primFontSz" refFor="ch" refForName="parentText" fact="0.46"/>
+      <dgm:constr type="h" for="ch" forName="parentText" op="equ"/>
+      <dgm:constr type="primFontSz" for="ch" forName="parentText" op="equ" val="65"/>
+      <dgm:constr type="primFontSz" for="ch" forName="childText" refType="primFontSz" refFor="ch" refForName="parentText" op="equ"/>
+      <dgm:constr type="h" for="ch" forName="spacer" refType="primFontSz" refFor="ch" refForName="parentText" fact="0.08"/>
+    </dgm:constrLst>
+    <dgm:ruleLst>
+      <dgm:rule type="primFontSz" for="ch" forName="parentText" val="5" fact="NaN" max="NaN"/>
+    </dgm:ruleLst>
+    <dgm:forEach name="Name0" axis="ch" ptType="node">
+      <dgm:layoutNode name="parentText" styleLbl="node1">
+        <dgm:varLst>
+          <dgm:chMax val="0"/>
+          <dgm:bulletEnabled val="1"/>
+        </dgm:varLst>
+        <dgm:alg type="tx">
+          <dgm:param type="parTxLTRAlign" val="l"/>
+          <dgm:param type="parTxRTLAlign" val="r"/>
+        </dgm:alg>
+        <dgm:shape xmlns:r="http://schemas.openxmlformats.org/officeDocument/2006/relationships" type="roundRect" r:blip="">
+          <dgm:adjLst/>
+        </dgm:shape>
+        <dgm:presOf axis="self"/>
+        <dgm:constrLst>
+          <dgm:constr type="tMarg" refType="primFontSz" fact="0.3"/>
+          <dgm:constr type="bMarg" refType="primFontSz" fact="0.3"/>
+          <dgm:constr type="lMarg" refType="primFontSz" fact="0.3"/>
+          <dgm:constr type="rMarg" refType="primFontSz" fact="0.3"/>
+        </dgm:constrLst>
+        <dgm:ruleLst>
+          <dgm:rule type="h" val="INF" fact="NaN" max="NaN"/>
+        </dgm:ruleLst>
+      </dgm:layoutNode>
+      <dgm:choose name="Name1">
+        <dgm:if name="Name2" axis="ch" ptType="node" func="cnt" op="gte" val="1">
+          <dgm:layoutNode name="childText" styleLbl="revTx">
+            <dgm:varLst>
+              <dgm:bulletEnabled val="1"/>
+            </dgm:varLst>
+            <dgm:alg type="tx">
+              <dgm:param type="stBulletLvl" val="1"/>
+              <dgm:param type="lnSpAfChP" val="20"/>
+            </dgm:alg>
+            <dgm:shape xmlns:r="http://schemas.openxmlformats.org/officeDocument/2006/relationships" type="rect" r:blip="">
+              <dgm:adjLst/>
+            </dgm:shape>
+            <dgm:presOf axis="des" ptType="node"/>
+            <dgm:constrLst>
+              <dgm:constr type="tMarg" refType="primFontSz" fact="0.1"/>
+              <dgm:constr type="bMarg" refType="primFontSz" fact="0.1"/>
+              <dgm:constr type="lMarg" refType="w" fact="0.09"/>
+            </dgm:constrLst>
+            <dgm:ruleLst>
+              <dgm:rule type="h" val="INF" fact="NaN" max="NaN"/>
+            </dgm:ruleLst>
+          </dgm:layoutNode>
+        </dgm:if>
+        <dgm:else name="Name3">
+          <dgm:choose name="Name4">
+            <dgm:if name="Name5" axis="par ch" ptType="doc node" func="cnt" op="gte" val="2">
+              <dgm:forEach name="Name6" axis="followSib" ptType="sibTrans" cnt="1">
+                <dgm:layoutNode name="spacer">
+                  <dgm:alg type="sp"/>
+                  <dgm:shape xmlns:r="http://schemas.openxmlformats.org/officeDocument/2006/relationships" r:blip="">
+                    <dgm:adjLst/>
+                  </dgm:shape>
+                  <dgm:presOf/>
+                  <dgm:constrLst/>
+                  <dgm:ruleLst/>
+                </dgm:layoutNode>
+              </dgm:forEach>
+            </dgm:if>
+            <dgm:else name="Name7"/>
+          </dgm:choose>
+        </dgm:else>
+      </dgm:choose>
+    </dgm:forEach>
+  </dgm:layoutNode>
+</dgm:layoutDef>
+</file>
+
+<file path=ppt/diagrams/quickStyle1.xml><?xml version="1.0" encoding="utf-8"?>
+<dgm:styleDef xmlns:dgm="http://schemas.openxmlformats.org/drawingml/2006/diagram" xmlns:a="http://schemas.openxmlformats.org/drawingml/2006/main" uniqueId="urn:microsoft.com/office/officeart/2005/8/quickstyle/simple4">
+  <dgm:title val=""/>
+  <dgm:desc val=""/>
+  <dgm:catLst>
+    <dgm:cat type="simple" pri="10400"/>
+  </dgm:catLst>
+  <dgm:scene3d>
+    <a:camera prst="orthographicFront"/>
+    <a:lightRig rig="threePt" dir="t"/>
+  </dgm:scene3d>
+  <dgm:styleLbl name="node0">
+    <dgm:scene3d>
+      <a:camera prst="orthographicFront"/>
+      <a:lightRig rig="threePt" dir="t"/>
+    </dgm:scene3d>
+    <dgm:sp3d/>
+    <dgm:txPr/>
+    <dgm:style>
+      <a:lnRef idx="0">
+        <a:scrgbClr r="0" g="0" b="0"/>
+      </a:lnRef>
+      <a:fillRef idx="3">
+        <a:scrgbClr r="0" g="0" b="0"/>
+      </a:fillRef>
+      <a:effectRef idx="2">
+        <a:scrgbClr r="0" g="0" b="0"/>
+      </a:effectRef>
+      <a:fontRef idx="minor">
+        <a:schemeClr val="lt1"/>
+      </a:fontRef>
+    </dgm:style>
+  </dgm:styleLbl>
+  <dgm:styleLbl name="lnNode1">
+    <dgm:scene3d>
+      <a:camera prst="orthographicFront"/>
+      <a:lightRig rig="threePt" dir="t"/>
+    </dgm:scene3d>
+    <dgm:sp3d/>
+    <dgm:txPr/>
+    <dgm:style>
+      <a:lnRef idx="1">
+        <a:scrgbClr r="0" g="0" b="0"/>
+      </a:lnRef>
+      <a:fillRef idx="3">
+        <a:scrgbClr r="0" g="0" b="0"/>
+      </a:fillRef>
+      <a:effectRef idx="2">
+        <a:scrgbClr r="0" g="0" b="0"/>
+      </a:effectRef>
+      <a:fontRef idx="minor">
+        <a:schemeClr val="lt1"/>
+      </a:fontRef>
+    </dgm:style>
+  </dgm:styleLbl>
+  <dgm:styleLbl name="vennNode1">
+    <dgm:scene3d>
+      <a:camera prst="orthographicFront"/>
+      <a:lightRig rig="threePt" dir="t"/>
+    </dgm:scene3d>
+    <dgm:sp3d/>
+    <dgm:txPr/>
+    <dgm:style>
+      <a:lnRef idx="0">
+        <a:scrgbClr r="0" g="0" b="0"/>
+      </a:lnRef>
+      <a:fillRef idx="3">
+        <a:scrgbClr r="0" g="0" b="0"/>
+      </a:fillRef>
+      <a:effectRef idx="0">
+        <a:scrgbClr r="0" g="0" b="0"/>
+      </a:effectRef>
+      <a:fontRef idx="minor">
+        <a:schemeClr val="tx1"/>
+      </a:fontRef>
+    </dgm:style>
+  </dgm:styleLbl>
+  <dgm:styleLbl name="alignNode1">
+    <dgm:scene3d>
+      <a:camera prst="orthographicFront"/>
+      <a:lightRig rig="threePt" dir="t"/>
+    </dgm:scene3d>
+    <dgm:sp3d/>
+    <dgm:txPr/>
+    <dgm:style>
+      <a:lnRef idx="1">
+        <a:scrgbClr r="0" g="0" b="0"/>
+      </a:lnRef>
+      <a:fillRef idx="3">
+        <a:scrgbClr r="0" g="0" b="0"/>
+      </a:fillRef>
+      <a:effectRef idx="2">
+        <a:scrgbClr r="0" g="0" b="0"/>
+      </a:effectRef>
+      <a:fontRef idx="minor">
+        <a:schemeClr val="lt1"/>
+      </a:fontRef>
+    </dgm:style>
+  </dgm:styleLbl>
+  <dgm:styleLbl name="node1">
+    <dgm:scene3d>
+      <a:camera prst="orthographicFront"/>
+      <a:lightRig rig="threePt" dir="t"/>
+    </dgm:scene3d>
+    <dgm:sp3d/>
+    <dgm:txPr/>
+    <dgm:style>
+      <a:lnRef idx="0">
+        <a:scrgbClr r="0" g="0" b="0"/>
+      </a:lnRef>
+      <a:fillRef idx="3">
+        <a:scrgbClr r="0" g="0" b="0"/>
+      </a:fillRef>
+      <a:effectRef idx="2">
+        <a:scrgbClr r="0" g="0" b="0"/>
+      </a:effectRef>
+      <a:fontRef idx="minor">
+        <a:schemeClr val="lt1"/>
+      </a:fontRef>
+    </dgm:style>
+  </dgm:styleLbl>
+  <dgm:styleLbl name="node2">
+    <dgm:scene3d>
+      <a:camera prst="orthographicFront"/>
+      <a:lightRig rig="threePt" dir="t"/>
+    </dgm:scene3d>
+    <dgm:sp3d/>
+    <dgm:txPr/>
+    <dgm:style>
+      <a:lnRef idx="0">
+        <a:scrgbClr r="0" g="0" b="0"/>
+      </a:lnRef>
+      <a:fillRef idx="3">
+        <a:scrgbClr r="0" g="0" b="0"/>
+      </a:fillRef>
+      <a:effectRef idx="2">
+        <a:scrgbClr r="0" g="0" b="0"/>
+      </a:effectRef>
+      <a:fontRef idx="minor">
+        <a:schemeClr val="lt1"/>
+      </a:fontRef>
+    </dgm:style>
+  </dgm:styleLbl>
+  <dgm:styleLbl name="node3">
+    <dgm:scene3d>
+      <a:camera prst="orthographicFront"/>
+      <a:lightRig rig="threePt" dir="t"/>
+    </dgm:scene3d>
+    <dgm:sp3d/>
+    <dgm:txPr/>
+    <dgm:style>
+      <a:lnRef idx="0">
+        <a:scrgbClr r="0" g="0" b="0"/>
+      </a:lnRef>
+      <a:fillRef idx="3">
+        <a:scrgbClr r="0" g="0" b="0"/>
+      </a:fillRef>
+      <a:effectRef idx="2">
+        <a:scrgbClr r="0" g="0" b="0"/>
+      </a:effectRef>
+      <a:fontRef idx="minor">
+        <a:schemeClr val="lt1"/>
+      </a:fontRef>
+    </dgm:style>
+  </dgm:styleLbl>
+  <dgm:styleLbl name="node4">
+    <dgm:scene3d>
+      <a:camera prst="orthographicFront"/>
+      <a:lightRig rig="threePt" dir="t"/>
+    </dgm:scene3d>
+    <dgm:sp3d/>
+    <dgm:txPr/>
+    <dgm:style>
+      <a:lnRef idx="0">
+        <a:scrgbClr r="0" g="0" b="0"/>
+      </a:lnRef>
+      <a:fillRef idx="3">
+        <a:scrgbClr r="0" g="0" b="0"/>
+      </a:fillRef>
+      <a:effectRef idx="2">
+        <a:scrgbClr r="0" g="0" b="0"/>
+      </a:effectRef>
+      <a:fontRef idx="minor">
+        <a:schemeClr val="lt1"/>
+      </a:fontRef>
+    </dgm:style>
+  </dgm:styleLbl>
+  <dgm:styleLbl name="fgImgPlace1">
+    <dgm:scene3d>
+      <a:camera prst="orthographicFront"/>
+      <a:lightRig rig="threePt" dir="t"/>
+    </dgm:scene3d>
+    <dgm:sp3d/>
+    <dgm:txPr/>
+    <dgm:style>
+      <a:lnRef idx="0">
+        <a:scrgbClr r="0" g="0" b="0"/>
+      </a:lnRef>
+      <a:fillRef idx="1">
+        <a:scrgbClr r="0" g="0" b="0"/>
+      </a:fillRef>
+      <a:effectRef idx="2">
+        <a:scrgbClr r="0" g="0" b="0"/>
+      </a:effectRef>
+      <a:fontRef idx="minor"/>
+    </dgm:style>
+  </dgm:styleLbl>
+  <dgm:styleLbl name="alignImgPlace1">
+    <dgm:scene3d>
+      <a:camera prst="orthographicFront"/>
+      <a:lightRig rig="threePt" dir="t"/>
+    </dgm:scene3d>
+    <dgm:sp3d/>
+    <dgm:txPr/>
+    <dgm:style>
+      <a:lnRef idx="0">
+        <a:scrgbClr r="0" g="0" b="0"/>
+      </a:lnRef>
+      <a:fillRef idx="1">
+        <a:scrgbClr r="0" g="0" b="0"/>
+      </a:fillRef>
+      <a:effectRef idx="2">
+        <a:scrgbClr r="0" g="0" b="0"/>
+      </a:effectRef>
+      <a:fontRef idx="minor"/>
+    </dgm:style>
+  </dgm:styleLbl>
+  <dgm:styleLbl name="bgImgPlace1">
+    <dgm:scene3d>
+      <a:camera prst="orthographicFront"/>
+      <a:lightRig rig="threePt" dir="t"/>
+    </dgm:scene3d>
+    <dgm:sp3d/>
+    <dgm:txPr/>
+    <dgm:style>
+      <a:lnRef idx="0">
+        <a:scrgbClr r="0" g="0" b="0"/>
+      </a:lnRef>
+      <a:fillRef idx="1">
+        <a:scrgbClr r="0" g="0" b="0"/>
+      </a:fillRef>
+      <a:effectRef idx="2">
+        <a:scrgbClr r="0" g="0" b="0"/>
+      </a:effectRef>
+      <a:fontRef idx="minor"/>
+    </dgm:style>
+  </dgm:styleLbl>
+  <dgm:styleLbl name="sibTrans2D1">
+    <dgm:scene3d>
+      <a:camera prst="orthographicFront"/>
+      <a:lightRig rig="threePt" dir="t"/>
+    </dgm:scene3d>
+    <dgm:sp3d/>
+    <dgm:txPr/>
+    <dgm:style>
+      <a:lnRef idx="0">
+        <a:scrgbClr r="0" g="0" b="0"/>
+      </a:lnRef>
+      <a:fillRef idx="3">
+        <a:scrgbClr r="0" g="0" b="0"/>
+      </a:fillRef>
+      <a:effectRef idx="2">
+        <a:scrgbClr r="0" g="0" b="0"/>
+      </a:effectRef>
+      <a:fontRef idx="minor">
+        <a:schemeClr val="lt1"/>
+      </a:fontRef>
+    </dgm:style>
+  </dgm:styleLbl>
+  <dgm:styleLbl name="fgSibTrans2D1">
+    <dgm:scene3d>
+      <a:camera prst="orthographicFront"/>
+      <a:lightRig rig="threePt" dir="t"/>
+    </dgm:scene3d>
+    <dgm:sp3d/>
+    <dgm:txPr/>
+    <dgm:style>
+      <a:lnRef idx="0">
+        <a:scrgbClr r="0" g="0" b="0"/>
+      </a:lnRef>
+      <a:fillRef idx="3">
+        <a:scrgbClr r="0" g="0" b="0"/>
+      </a:fillRef>
+      <a:effectRef idx="2">
+        <a:scrgbClr r="0" g="0" b="0"/>
+      </a:effectRef>
+      <a:fontRef idx="minor">
+        <a:schemeClr val="lt1"/>
+      </a:fontRef>
+    </dgm:style>
+  </dgm:styleLbl>
+  <dgm:styleLbl name="bgSibTrans2D1">
+    <dgm:scene3d>
+      <a:camera prst="orthographicFront"/>
+      <a:lightRig rig="threePt" dir="t"/>
+    </dgm:scene3d>
+    <dgm:sp3d/>
+    <dgm:txPr/>
+    <dgm:style>
+      <a:lnRef idx="0">
+        <a:scrgbClr r="0" g="0" b="0"/>
+      </a:lnRef>
+      <a:fillRef idx="3">
+        <a:scrgbClr r="0" g="0" b="0"/>
+      </a:fillRef>
+      <a:effectRef idx="2">
+        <a:scrgbClr r="0" g="0" b="0"/>
+      </a:effectRef>
+      <a:fontRef idx="minor">
+        <a:schemeClr val="lt1"/>
+      </a:fontRef>
+    </dgm:style>
+  </dgm:styleLbl>
+  <dgm:styleLbl name="sibTrans1D1">
+    <dgm:scene3d>
+      <a:camera prst="orthographicFront"/>
+      <a:lightRig rig="threePt" dir="t"/>
+    </dgm:scene3d>
+    <dgm:sp3d/>
+    <dgm:txPr/>
+    <dgm:style>
+      <a:lnRef idx="1">
+        <a:scrgbClr r="0" g="0" b="0"/>
+      </a:lnRef>
+      <a:fillRef idx="0">
+        <a:scrgbClr r="0" g="0" b="0"/>
+      </a:fillRef>
+      <a:effectRef idx="0">
+        <a:scrgbClr r="0" g="0" b="0"/>
+      </a:effectRef>
+      <a:fontRef idx="minor"/>
+    </dgm:style>
+  </dgm:styleLbl>
+  <dgm:styleLbl name="callout">
+    <dgm:scene3d>
+      <a:camera prst="orthographicFront"/>
+      <a:lightRig rig="threePt" dir="t"/>
+    </dgm:scene3d>
+    <dgm:sp3d/>
+    <dgm:txPr/>
+    <dgm:style>
+      <a:lnRef idx="2">
+        <a:scrgbClr r="0" g="0" b="0"/>
+      </a:lnRef>
+      <a:fillRef idx="1">
+        <a:scrgbClr r="0" g="0" b="0"/>
+      </a:fillRef>
+      <a:effectRef idx="1">
+        <a:scrgbClr r="0" g="0" b="0"/>
+      </a:effectRef>
+      <a:fontRef idx="minor"/>
+    </dgm:style>
+  </dgm:styleLbl>
+  <dgm:styleLbl name="asst0">
+    <dgm:scene3d>
+      <a:camera prst="orthographicFront"/>
+      <a:lightRig rig="threePt" dir="t"/>
+    </dgm:scene3d>
+    <dgm:sp3d/>
+    <dgm:txPr/>
+    <dgm:style>
+      <a:lnRef idx="0">
+        <a:scrgbClr r="0" g="0" b="0"/>
+      </a:lnRef>
+      <a:fillRef idx="3">
+        <a:scrgbClr r="0" g="0" b="0"/>
+      </a:fillRef>
+      <a:effectRef idx="2">
+        <a:scrgbClr r="0" g="0" b="0"/>
+      </a:effectRef>
+      <a:fontRef idx="minor">
+        <a:schemeClr val="lt1"/>
+      </a:fontRef>
+    </dgm:style>
+  </dgm:styleLbl>
+  <dgm:styleLbl name="asst1">
+    <dgm:scene3d>
+      <a:camera prst="orthographicFront"/>
+      <a:lightRig rig="threePt" dir="t"/>
+    </dgm:scene3d>
+    <dgm:sp3d/>
+    <dgm:txPr/>
+    <dgm:style>
+      <a:lnRef idx="0">
+        <a:scrgbClr r="0" g="0" b="0"/>
+      </a:lnRef>
+      <a:fillRef idx="3">
+        <a:scrgbClr r="0" g="0" b="0"/>
+      </a:fillRef>
+      <a:effectRef idx="2">
+        <a:scrgbClr r="0" g="0" b="0"/>
+      </a:effectRef>
+      <a:fontRef idx="minor">
+        <a:schemeClr val="lt1"/>
+      </a:fontRef>
+    </dgm:style>
+  </dgm:styleLbl>
+  <dgm:styleLbl name="asst2">
+    <dgm:scene3d>
+      <a:camera prst="orthographicFront"/>
+      <a:lightRig rig="threePt" dir="t"/>
+    </dgm:scene3d>
+    <dgm:sp3d/>
+    <dgm:txPr/>
+    <dgm:style>
+      <a:lnRef idx="0">
+        <a:scrgbClr r="0" g="0" b="0"/>
+      </a:lnRef>
+      <a:fillRef idx="3">
+        <a:scrgbClr r="0" g="0" b="0"/>
+      </a:fillRef>
+      <a:effectRef idx="2">
+        <a:scrgbClr r="0" g="0" b="0"/>
+      </a:effectRef>
+      <a:fontRef idx="minor">
+        <a:schemeClr val="lt1"/>
+      </a:fontRef>
+    </dgm:style>
+  </dgm:styleLbl>
+  <dgm:styleLbl name="asst3">
+    <dgm:scene3d>
+      <a:camera prst="orthographicFront"/>
+      <a:lightRig rig="threePt" dir="t"/>
+    </dgm:scene3d>
+    <dgm:sp3d/>
+    <dgm:txPr/>
+    <dgm:style>
+      <a:lnRef idx="0">
+        <a:scrgbClr r="0" g="0" b="0"/>
+      </a:lnRef>
+      <a:fillRef idx="3">
+        <a:scrgbClr r="0" g="0" b="0"/>
+      </a:fillRef>
+      <a:effectRef idx="2">
+        <a:scrgbClr r="0" g="0" b="0"/>
+      </a:effectRef>
+      <a:fontRef idx="minor">
+        <a:schemeClr val="lt1"/>
+      </a:fontRef>
+    </dgm:style>
+  </dgm:styleLbl>
+  <dgm:styleLbl name="asst4">
+    <dgm:scene3d>
+      <a:camera prst="orthographicFront"/>
+      <a:lightRig rig="threePt" dir="t"/>
+    </dgm:scene3d>
+    <dgm:sp3d/>
+    <dgm:txPr/>
+    <dgm:style>
+      <a:lnRef idx="0">
+        <a:scrgbClr r="0" g="0" b="0"/>
+      </a:lnRef>
+      <a:fillRef idx="3">
+        <a:scrgbClr r="0" g="0" b="0"/>
+      </a:fillRef>
+      <a:effectRef idx="2">
+        <a:scrgbClr r="0" g="0" b="0"/>
+      </a:effectRef>
+      <a:fontRef idx="minor">
+        <a:schemeClr val="lt1"/>
+      </a:fontRef>
+    </dgm:style>
+  </dgm:styleLbl>
+  <dgm:styleLbl name="parChTrans2D1">
+    <dgm:scene3d>
+      <a:camera prst="orthographicFront"/>
+      <a:lightRig rig="threePt" dir="t"/>
+    </dgm:scene3d>
+    <dgm:sp3d/>
+    <dgm:txPr/>
+    <dgm:style>
+      <a:lnRef idx="0">
+        <a:scrgbClr r="0" g="0" b="0"/>
+      </a:lnRef>
+      <a:fillRef idx="3">
+        <a:scrgbClr r="0" g="0" b="0"/>
+      </a:fillRef>
+      <a:effectRef idx="2">
+        <a:scrgbClr r="0" g="0" b="0"/>
+      </a:effectRef>
+      <a:fontRef idx="minor">
+        <a:schemeClr val="lt1"/>
+      </a:fontRef>
+    </dgm:style>
+  </dgm:styleLbl>
+  <dgm:styleLbl name="parChTrans2D2">
+    <dgm:scene3d>
+      <a:camera prst="orthographicFront"/>
+      <a:lightRig rig="threePt" dir="t"/>
+    </dgm:scene3d>
+    <dgm:sp3d/>
+    <dgm:txPr/>
+    <dgm:style>
+      <a:lnRef idx="0">
+        <a:scrgbClr r="0" g="0" b="0"/>
+      </a:lnRef>
+      <a:fillRef idx="3">
+        <a:scrgbClr r="0" g="0" b="0"/>
+      </a:fillRef>
+      <a:effectRef idx="2">
+        <a:scrgbClr r="0" g="0" b="0"/>
+      </a:effectRef>
+      <a:fontRef idx="minor">
+        <a:schemeClr val="lt1"/>
+      </a:fontRef>
+    </dgm:style>
+  </dgm:styleLbl>
+  <dgm:styleLbl name="parChTrans2D3">
+    <dgm:scene3d>
+      <a:camera prst="orthographicFront"/>
+      <a:lightRig rig="threePt" dir="t"/>
+    </dgm:scene3d>
+    <dgm:sp3d/>
+    <dgm:txPr/>
+    <dgm:style>
+      <a:lnRef idx="1">
+        <a:scrgbClr r="0" g="0" b="0"/>
+      </a:lnRef>
+      <a:fillRef idx="3">
+        <a:scrgbClr r="0" g="0" b="0"/>
+      </a:fillRef>
+      <a:effectRef idx="2">
+        <a:scrgbClr r="0" g="0" b="0"/>
+      </a:effectRef>
+      <a:fontRef idx="minor">
+        <a:schemeClr val="lt1"/>
+      </a:fontRef>
+    </dgm:style>
+  </dgm:styleLbl>
+  <dgm:styleLbl name="parChTrans2D4">
+    <dgm:scene3d>
+      <a:camera prst="orthographicFront"/>
+      <a:lightRig rig="threePt" dir="t"/>
+    </dgm:scene3d>
+    <dgm:sp3d/>
+    <dgm:txPr/>
+    <dgm:style>
+      <a:lnRef idx="1">
+        <a:scrgbClr r="0" g="0" b="0"/>
+      </a:lnRef>
+      <a:fillRef idx="3">
+        <a:scrgbClr r="0" g="0" b="0"/>
+      </a:fillRef>
+      <a:effectRef idx="2">
+        <a:scrgbClr r="0" g="0" b="0"/>
+      </a:effectRef>
+      <a:fontRef idx="minor">
+        <a:schemeClr val="lt1"/>
+      </a:fontRef>
+    </dgm:style>
+  </dgm:styleLbl>
+  <dgm:styleLbl name="parChTrans1D1">
+    <dgm:scene3d>
+      <a:camera prst="orthographicFront"/>
+      <a:lightRig rig="threePt" dir="t"/>
+    </dgm:scene3d>
+    <dgm:sp3d/>
+    <dgm:txPr/>
+    <dgm:style>
+      <a:lnRef idx="1">
+        <a:scrgbClr r="0" g="0" b="0"/>
+      </a:lnRef>
+      <a:fillRef idx="0">
+        <a:scrgbClr r="0" g="0" b="0"/>
+      </a:fillRef>
+      <a:effectRef idx="0">
+        <a:scrgbClr r="0" g="0" b="0"/>
+      </a:effectRef>
+      <a:fontRef idx="minor"/>
+    </dgm:style>
+  </dgm:styleLbl>
+  <dgm:styleLbl name="parChTrans1D2">
+    <dgm:scene3d>
+      <a:camera prst="orthographicFront"/>
+      <a:lightRig rig="threePt" dir="t"/>
+    </dgm:scene3d>
+    <dgm:sp3d/>
+    <dgm:txPr/>
+    <dgm:style>
+      <a:lnRef idx="1">
+        <a:scrgbClr r="0" g="0" b="0"/>
+      </a:lnRef>
+      <a:fillRef idx="0">
+        <a:scrgbClr r="0" g="0" b="0"/>
+      </a:fillRef>
+      <a:effectRef idx="0">
+        <a:scrgbClr r="0" g="0" b="0"/>
+      </a:effectRef>
+      <a:fontRef idx="minor"/>
+    </dgm:style>
+  </dgm:styleLbl>
+  <dgm:styleLbl name="parChTrans1D3">
+    <dgm:scene3d>
+      <a:camera prst="orthographicFront"/>
+      <a:lightRig rig="threePt" dir="t"/>
+    </dgm:scene3d>
+    <dgm:sp3d/>
+    <dgm:txPr/>
+    <dgm:style>
+      <a:lnRef idx="1">
+        <a:scrgbClr r="0" g="0" b="0"/>
+      </a:lnRef>
+      <a:fillRef idx="0">
+        <a:scrgbClr r="0" g="0" b="0"/>
+      </a:fillRef>
+      <a:effectRef idx="0">
+        <a:scrgbClr r="0" g="0" b="0"/>
+      </a:effectRef>
+      <a:fontRef idx="minor"/>
+    </dgm:style>
+  </dgm:styleLbl>
+  <dgm:styleLbl name="parChTrans1D4">
+    <dgm:scene3d>
+      <a:camera prst="orthographicFront"/>
+      <a:lightRig rig="threePt" dir="t"/>
+    </dgm:scene3d>
+    <dgm:sp3d/>
+    <dgm:txPr/>
+    <dgm:style>
+      <a:lnRef idx="1">
+        <a:scrgbClr r="0" g="0" b="0"/>
+      </a:lnRef>
+      <a:fillRef idx="0">
+        <a:scrgbClr r="0" g="0" b="0"/>
+      </a:fillRef>
+      <a:effectRef idx="0">
+        <a:scrgbClr r="0" g="0" b="0"/>
+      </a:effectRef>
+      <a:fontRef idx="minor"/>
+    </dgm:style>
+  </dgm:styleLbl>
+  <dgm:styleLbl name="fgAcc1">
+    <dgm:scene3d>
+      <a:camera prst="orthographicFront"/>
+      <a:lightRig rig="threePt" dir="t"/>
+    </dgm:scene3d>
+    <dgm:sp3d/>
+    <dgm:txPr/>
+    <dgm:style>
+      <a:lnRef idx="1">
+        <a:scrgbClr r="0" g="0" b="0"/>
+      </a:lnRef>
+      <a:fillRef idx="1">
+        <a:scrgbClr r="0" g="0" b="0"/>
+      </a:fillRef>
+      <a:effectRef idx="0">
+        <a:scrgbClr r="0" g="0" b="0"/>
+      </a:effectRef>
+      <a:fontRef idx="minor"/>
+    </dgm:style>
+  </dgm:styleLbl>
+  <dgm:styleLbl name="conFgAcc1">
+    <dgm:scene3d>
+      <a:camera prst="orthographicFront"/>
+      <a:lightRig rig="threePt" dir="t"/>
+    </dgm:scene3d>
+    <dgm:sp3d/>
+    <dgm:txPr/>
+    <dgm:style>
+      <a:lnRef idx="1">
+        <a:scrgbClr r="0" g="0" b="0"/>
+      </a:lnRef>
+      <a:fillRef idx="1">
+        <a:scrgbClr r="0" g="0" b="0"/>
+      </a:fillRef>
+      <a:effectRef idx="0">
+        <a:scrgbClr r="0" g="0" b="0"/>
+      </a:effectRef>
+      <a:fontRef idx="minor"/>
+    </dgm:style>
+  </dgm:styleLbl>
+  <dgm:styleLbl name="alignAcc1">
+    <dgm:scene3d>
+      <a:camera prst="orthographicFront"/>
+      <a:lightRig rig="threePt" dir="t"/>
+    </dgm:scene3d>
+    <dgm:sp3d/>
+    <dgm:txPr/>
+    <dgm:style>
+      <a:lnRef idx="1">
+        <a:scrgbClr r="0" g="0" b="0"/>
+      </a:lnRef>
+      <a:fillRef idx="1">
+        <a:scrgbClr r="0" g="0" b="0"/>
+      </a:fillRef>
+      <a:effectRef idx="0">
+        <a:scrgbClr r="0" g="0" b="0"/>
+      </a:effectRef>
+      <a:fontRef idx="minor"/>
+    </dgm:style>
+  </dgm:styleLbl>
+  <dgm:styleLbl name="trAlignAcc1">
+    <dgm:scene3d>
+      <a:camera prst="orthographicFront"/>
+      <a:lightRig rig="threePt" dir="t"/>
+    </dgm:scene3d>
+    <dgm:sp3d/>
+    <dgm:txPr/>
+    <dgm:style>
+      <a:lnRef idx="1">
+        <a:scrgbClr r="0" g="0" b="0"/>
+      </a:lnRef>
+      <a:fillRef idx="1">
+        <a:scrgbClr r="0" g="0" b="0"/>
+      </a:fillRef>
+      <a:effectRef idx="0">
+        <a:scrgbClr r="0" g="0" b="0"/>
+      </a:effectRef>
+      <a:fontRef idx="minor"/>
+    </dgm:style>
+  </dgm:styleLbl>
+  <dgm:styleLbl name="bgAcc1">
+    <dgm:scene3d>
+      <a:camera prst="orthographicFront"/>
+      <a:lightRig rig="threePt" dir="t"/>
+    </dgm:scene3d>
+    <dgm:sp3d/>
+    <dgm:txPr/>
+    <dgm:style>
+      <a:lnRef idx="1">
+        <a:scrgbClr r="0" g="0" b="0"/>
+      </a:lnRef>
+      <a:fillRef idx="1">
+        <a:scrgbClr r="0" g="0" b="0"/>
+      </a:fillRef>
+      <a:effectRef idx="0">
+        <a:scrgbClr r="0" g="0" b="0"/>
+      </a:effectRef>
+      <a:fontRef idx="minor"/>
+    </dgm:style>
+  </dgm:styleLbl>
+  <dgm:styleLbl name="solidFgAcc1">
+    <dgm:scene3d>
+      <a:camera prst="orthographicFront"/>
+      <a:lightRig rig="threePt" dir="t"/>
+    </dgm:scene3d>
+    <dgm:sp3d/>
+    <dgm:txPr/>
+    <dgm:style>
+      <a:lnRef idx="1">
+        <a:scrgbClr r="0" g="0" b="0"/>
+      </a:lnRef>
+      <a:fillRef idx="1">
+        <a:scrgbClr r="0" g="0" b="0"/>
+      </a:fillRef>
+      <a:effectRef idx="0">
+        <a:scrgbClr r="0" g="0" b="0"/>
+      </a:effectRef>
+      <a:fontRef idx="minor"/>
+    </dgm:style>
+  </dgm:styleLbl>
+  <dgm:styleLbl name="solidAlignAcc1">
+    <dgm:scene3d>
+      <a:camera prst="orthographicFront"/>
+      <a:lightRig rig="threePt" dir="t"/>
+    </dgm:scene3d>
+    <dgm:sp3d/>
+    <dgm:txPr/>
+    <dgm:style>
+      <a:lnRef idx="1">
+        <a:scrgbClr r="0" g="0" b="0"/>
+      </a:lnRef>
+      <a:fillRef idx="1">
+        <a:scrgbClr r="0" g="0" b="0"/>
+      </a:fillRef>
+      <a:effectRef idx="0">
+        <a:scrgbClr r="0" g="0" b="0"/>
+      </a:effectRef>
+      <a:fontRef idx="minor"/>
+    </dgm:style>
+  </dgm:styleLbl>
+  <dgm:styleLbl name="solidBgAcc1">
+    <dgm:scene3d>
+      <a:camera prst="orthographicFront"/>
+      <a:lightRig rig="threePt" dir="t"/>
+    </dgm:scene3d>
+    <dgm:sp3d/>
+    <dgm:txPr/>
+    <dgm:style>
+      <a:lnRef idx="1">
+        <a:scrgbClr r="0" g="0" b="0"/>
+      </a:lnRef>
+      <a:fillRef idx="1">
+        <a:scrgbClr r="0" g="0" b="0"/>
+      </a:fillRef>
+      <a:effectRef idx="0">
+        <a:scrgbClr r="0" g="0" b="0"/>
+      </a:effectRef>
+      <a:fontRef idx="minor"/>
+    </dgm:style>
+  </dgm:styleLbl>
+  <dgm:styleLbl name="fgAccFollowNode1">
+    <dgm:scene3d>
+      <a:camera prst="orthographicFront"/>
+      <a:lightRig rig="threePt" dir="t"/>
+    </dgm:scene3d>
+    <dgm:sp3d/>
+    <dgm:txPr/>
+    <dgm:style>
+      <a:lnRef idx="1">
+        <a:scrgbClr r="0" g="0" b="0"/>
+      </a:lnRef>
+      <a:fillRef idx="1">
+        <a:scrgbClr r="0" g="0" b="0"/>
+      </a:fillRef>
+      <a:effectRef idx="0">
+        <a:scrgbClr r="0" g="0" b="0"/>
+      </a:effectRef>
+      <a:fontRef idx="minor"/>
+    </dgm:style>
+  </dgm:styleLbl>
+  <dgm:styleLbl name="alignAccFollowNode1">
+    <dgm:scene3d>
+      <a:camera prst="orthographicFront"/>
+      <a:lightRig rig="threePt" dir="t"/>
+    </dgm:scene3d>
+    <dgm:sp3d/>
+    <dgm:txPr/>
+    <dgm:style>
+      <a:lnRef idx="1">
+        <a:scrgbClr r="0" g="0" b="0"/>
+      </a:lnRef>
+      <a:fillRef idx="1">
+        <a:scrgbClr r="0" g="0" b="0"/>
+      </a:fillRef>
+      <a:effectRef idx="0">
+        <a:scrgbClr r="0" g="0" b="0"/>
+      </a:effectRef>
+      <a:fontRef idx="minor"/>
+    </dgm:style>
+  </dgm:styleLbl>
+  <dgm:styleLbl name="bgAccFollowNode1">
+    <dgm:scene3d>
+      <a:camera prst="orthographicFront"/>
+      <a:lightRig rig="threePt" dir="t"/>
+    </dgm:scene3d>
+    <dgm:sp3d/>
+    <dgm:txPr/>
+    <dgm:style>
+      <a:lnRef idx="1">
+        <a:scrgbClr r="0" g="0" b="0"/>
+      </a:lnRef>
+      <a:fillRef idx="1">
+        <a:scrgbClr r="0" g="0" b="0"/>
+      </a:fillRef>
+      <a:effectRef idx="0">
+        <a:scrgbClr r="0" g="0" b="0"/>
+      </a:effectRef>
+      <a:fontRef idx="minor"/>
+    </dgm:style>
+  </dgm:styleLbl>
+  <dgm:styleLbl name="fgAcc0">
+    <dgm:scene3d>
+      <a:camera prst="orthographicFront"/>
+      <a:lightRig rig="threePt" dir="t"/>
+    </dgm:scene3d>
+    <dgm:sp3d/>
+    <dgm:txPr/>
+    <dgm:style>
+      <a:lnRef idx="1">
+        <a:scrgbClr r="0" g="0" b="0"/>
+      </a:lnRef>
+      <a:fillRef idx="1">
+        <a:scrgbClr r="0" g="0" b="0"/>
+      </a:fillRef>
+      <a:effectRef idx="0">
+        <a:scrgbClr r="0" g="0" b="0"/>
+      </a:effectRef>
+      <a:fontRef idx="minor"/>
+    </dgm:style>
+  </dgm:styleLbl>
+  <dgm:styleLbl name="fgAcc2">
+    <dgm:scene3d>
+      <a:camera prst="orthographicFront"/>
+      <a:lightRig rig="threePt" dir="t"/>
+    </dgm:scene3d>
+    <dgm:sp3d/>
+    <dgm:txPr/>
+    <dgm:style>
+      <a:lnRef idx="1">
+        <a:scrgbClr r="0" g="0" b="0"/>
+      </a:lnRef>
+      <a:fillRef idx="1">
+        <a:scrgbClr r="0" g="0" b="0"/>
+      </a:fillRef>
+      <a:effectRef idx="0">
+        <a:scrgbClr r="0" g="0" b="0"/>
+      </a:effectRef>
+      <a:fontRef idx="minor"/>
+    </dgm:style>
+  </dgm:styleLbl>
+  <dgm:styleLbl name="fgAcc3">
+    <dgm:scene3d>
+      <a:camera prst="orthographicFront"/>
+      <a:lightRig rig="threePt" dir="t"/>
+    </dgm:scene3d>
+    <dgm:sp3d/>
+    <dgm:txPr/>
+    <dgm:style>
+      <a:lnRef idx="1">
+        <a:scrgbClr r="0" g="0" b="0"/>
+      </a:lnRef>
+      <a:fillRef idx="1">
+        <a:scrgbClr r="0" g="0" b="0"/>
+      </a:fillRef>
+      <a:effectRef idx="0">
+        <a:scrgbClr r="0" g="0" b="0"/>
+      </a:effectRef>
+      <a:fontRef idx="minor"/>
+    </dgm:style>
+  </dgm:styleLbl>
+  <dgm:styleLbl name="fgAcc4">
+    <dgm:scene3d>
+      <a:camera prst="orthographicFront"/>
+      <a:lightRig rig="threePt" dir="t"/>
+    </dgm:scene3d>
+    <dgm:sp3d/>
+    <dgm:txPr/>
+    <dgm:style>
+      <a:lnRef idx="1">
+        <a:scrgbClr r="0" g="0" b="0"/>
+      </a:lnRef>
+      <a:fillRef idx="1">
+        <a:scrgbClr r="0" g="0" b="0"/>
+      </a:fillRef>
+      <a:effectRef idx="0">
+        <a:scrgbClr r="0" g="0" b="0"/>
+      </a:effectRef>
+      <a:fontRef idx="minor"/>
+    </dgm:style>
+  </dgm:styleLbl>
+  <dgm:styleLbl name="bgShp">
+    <dgm:scene3d>
+      <a:camera prst="orthographicFront"/>
+      <a:lightRig rig="threePt" dir="t"/>
+    </dgm:scene3d>
+    <dgm:sp3d/>
+    <dgm:txPr/>
+    <dgm:style>
+      <a:lnRef idx="0">
+        <a:scrgbClr r="0" g="0" b="0"/>
+      </a:lnRef>
+      <a:fillRef idx="1">
+        <a:scrgbClr r="0" g="0" b="0"/>
+      </a:fillRef>
+      <a:effectRef idx="2">
+        <a:scrgbClr r="0" g="0" b="0"/>
+      </a:effectRef>
+      <a:fontRef idx="minor"/>
+    </dgm:style>
+  </dgm:styleLbl>
+  <dgm:styleLbl name="dkBgShp">
+    <dgm:scene3d>
+      <a:camera prst="orthographicFront"/>
+      <a:lightRig rig="threePt" dir="t"/>
+    </dgm:scene3d>
+    <dgm:sp3d/>
+    <dgm:txPr/>
+    <dgm:style>
+      <a:lnRef idx="0">
+        <a:scrgbClr r="0" g="0" b="0"/>
+      </a:lnRef>
+      <a:fillRef idx="1">
+        <a:scrgbClr r="0" g="0" b="0"/>
+      </a:fillRef>
+      <a:effectRef idx="2">
+        <a:scrgbClr r="0" g="0" b="0"/>
+      </a:effectRef>
+      <a:fontRef idx="minor"/>
+    </dgm:style>
+  </dgm:styleLbl>
+  <dgm:styleLbl name="trBgShp">
+    <dgm:scene3d>
+      <a:camera prst="orthographicFront"/>
+      <a:lightRig rig="threePt" dir="t"/>
+    </dgm:scene3d>
+    <dgm:sp3d/>
+    <dgm:txPr/>
+    <dgm:style>
+      <a:lnRef idx="0">
+        <a:scrgbClr r="0" g="0" b="0"/>
+      </a:lnRef>
+      <a:fillRef idx="1">
+        <a:scrgbClr r="0" g="0" b="0"/>
+      </a:fillRef>
+      <a:effectRef idx="0">
+        <a:scrgbClr r="0" g="0" b="0"/>
+      </a:effectRef>
+      <a:fontRef idx="minor"/>
+    </dgm:style>
+  </dgm:styleLbl>
+  <dgm:styleLbl name="fgShp">
+    <dgm:scene3d>
+      <a:camera prst="orthographicFront"/>
+      <a:lightRig rig="threePt" dir="t"/>
+    </dgm:scene3d>
+    <dgm:sp3d/>
+    <dgm:txPr/>
+    <dgm:style>
+      <a:lnRef idx="0">
+        <a:scrgbClr r="0" g="0" b="0"/>
+      </a:lnRef>
+      <a:fillRef idx="3">
+        <a:scrgbClr r="0" g="0" b="0"/>
+      </a:fillRef>
+      <a:effectRef idx="2">
+        <a:scrgbClr r="0" g="0" b="0"/>
+      </a:effectRef>
+      <a:fontRef idx="minor"/>
+    </dgm:style>
+  </dgm:styleLbl>
+  <dgm:styleLbl name="revTx">
+    <dgm:scene3d>
+      <a:camera prst="orthographicFront"/>
+      <a:lightRig rig="threePt" dir="t"/>
+    </dgm:scene3d>
+    <dgm:sp3d/>
+    <dgm:txPr/>
+    <dgm:style>
+      <a:lnRef idx="0">
+        <a:scrgbClr r="0" g="0" b="0"/>
+      </a:lnRef>
+      <a:fillRef idx="0">
+        <a:scrgbClr r="0" g="0" b="0"/>
+      </a:fillRef>
+      <a:effectRef idx="0">
+        <a:scrgbClr r="0" g="0" b="0"/>
+      </a:effectRef>
+      <a:fontRef idx="minor"/>
+    </dgm:style>
+  </dgm:styleLbl>
+</dgm:styleDef>
 </file>
 
 <file path=ppt/slideLayouts/slideLayout1.xml><?xml version="1.0" encoding="utf-8"?>
@@ -305,7 +2798,7 @@
           <a:p>
             <a:fld id="{7AF2E071-2083-4A65-86FD-82E849B0DBEA}" type="datetimeFigureOut">
               <a:rPr lang="en-AU" smtClean="0"/>
-              <a:t>11/04/2023</a:t>
+              <a:t>16/04/2023</a:t>
             </a:fld>
             <a:endParaRPr lang="en-AU"/>
           </a:p>
@@ -572,7 +3065,7 @@
           <a:p>
             <a:fld id="{7AF2E071-2083-4A65-86FD-82E849B0DBEA}" type="datetimeFigureOut">
               <a:rPr lang="en-AU" smtClean="0"/>
-              <a:t>11/04/2023</a:t>
+              <a:t>16/04/2023</a:t>
             </a:fld>
             <a:endParaRPr lang="en-AU"/>
           </a:p>
@@ -803,7 +3296,7 @@
           <a:p>
             <a:fld id="{7AF2E071-2083-4A65-86FD-82E849B0DBEA}" type="datetimeFigureOut">
               <a:rPr lang="en-AU" smtClean="0"/>
-              <a:t>11/04/2023</a:t>
+              <a:t>16/04/2023</a:t>
             </a:fld>
             <a:endParaRPr lang="en-AU"/>
           </a:p>
@@ -1113,7 +3606,7 @@
           <a:p>
             <a:fld id="{7AF2E071-2083-4A65-86FD-82E849B0DBEA}" type="datetimeFigureOut">
               <a:rPr lang="en-AU" smtClean="0"/>
-              <a:t>11/04/2023</a:t>
+              <a:t>16/04/2023</a:t>
             </a:fld>
             <a:endParaRPr lang="en-AU"/>
           </a:p>
@@ -1586,7 +4079,7 @@
           <a:p>
             <a:fld id="{7AF2E071-2083-4A65-86FD-82E849B0DBEA}" type="datetimeFigureOut">
               <a:rPr lang="en-AU" smtClean="0"/>
-              <a:t>11/04/2023</a:t>
+              <a:t>16/04/2023</a:t>
             </a:fld>
             <a:endParaRPr lang="en-AU"/>
           </a:p>
@@ -2133,7 +4626,7 @@
           <a:p>
             <a:fld id="{7AF2E071-2083-4A65-86FD-82E849B0DBEA}" type="datetimeFigureOut">
               <a:rPr lang="en-AU" smtClean="0"/>
-              <a:t>11/04/2023</a:t>
+              <a:t>16/04/2023</a:t>
             </a:fld>
             <a:endParaRPr lang="en-AU"/>
           </a:p>
@@ -2907,7 +5400,7 @@
           <a:p>
             <a:fld id="{7AF2E071-2083-4A65-86FD-82E849B0DBEA}" type="datetimeFigureOut">
               <a:rPr lang="en-AU" smtClean="0"/>
-              <a:t>11/04/2023</a:t>
+              <a:t>16/04/2023</a:t>
             </a:fld>
             <a:endParaRPr lang="en-AU"/>
           </a:p>
@@ -3082,7 +5575,7 @@
           <a:p>
             <a:fld id="{7AF2E071-2083-4A65-86FD-82E849B0DBEA}" type="datetimeFigureOut">
               <a:rPr lang="en-AU" smtClean="0"/>
-              <a:t>11/04/2023</a:t>
+              <a:t>16/04/2023</a:t>
             </a:fld>
             <a:endParaRPr lang="en-AU"/>
           </a:p>
@@ -3305,7 +5798,7 @@
           <a:p>
             <a:fld id="{7AF2E071-2083-4A65-86FD-82E849B0DBEA}" type="datetimeFigureOut">
               <a:rPr lang="en-AU" smtClean="0"/>
-              <a:t>11/04/2023</a:t>
+              <a:t>16/04/2023</a:t>
             </a:fld>
             <a:endParaRPr lang="en-AU"/>
           </a:p>
@@ -3485,7 +5978,7 @@
           <a:p>
             <a:fld id="{7AF2E071-2083-4A65-86FD-82E849B0DBEA}" type="datetimeFigureOut">
               <a:rPr lang="en-AU" smtClean="0"/>
-              <a:t>11/04/2023</a:t>
+              <a:t>16/04/2023</a:t>
             </a:fld>
             <a:endParaRPr lang="en-AU"/>
           </a:p>
@@ -3774,7 +6267,7 @@
           <a:p>
             <a:fld id="{7AF2E071-2083-4A65-86FD-82E849B0DBEA}" type="datetimeFigureOut">
               <a:rPr lang="en-AU" smtClean="0"/>
-              <a:t>11/04/2023</a:t>
+              <a:t>16/04/2023</a:t>
             </a:fld>
             <a:endParaRPr lang="en-AU"/>
           </a:p>
@@ -4016,7 +6509,7 @@
           <a:p>
             <a:fld id="{7AF2E071-2083-4A65-86FD-82E849B0DBEA}" type="datetimeFigureOut">
               <a:rPr lang="en-AU" smtClean="0"/>
-              <a:t>11/04/2023</a:t>
+              <a:t>16/04/2023</a:t>
             </a:fld>
             <a:endParaRPr lang="en-AU"/>
           </a:p>
@@ -4395,7 +6888,7 @@
           <a:p>
             <a:fld id="{7AF2E071-2083-4A65-86FD-82E849B0DBEA}" type="datetimeFigureOut">
               <a:rPr lang="en-AU" smtClean="0"/>
-              <a:t>11/04/2023</a:t>
+              <a:t>16/04/2023</a:t>
             </a:fld>
             <a:endParaRPr lang="en-AU"/>
           </a:p>
@@ -4513,7 +7006,7 @@
           <a:p>
             <a:fld id="{7AF2E071-2083-4A65-86FD-82E849B0DBEA}" type="datetimeFigureOut">
               <a:rPr lang="en-AU" smtClean="0"/>
-              <a:t>11/04/2023</a:t>
+              <a:t>16/04/2023</a:t>
             </a:fld>
             <a:endParaRPr lang="en-AU"/>
           </a:p>
@@ -4608,7 +7101,7 @@
           <a:p>
             <a:fld id="{7AF2E071-2083-4A65-86FD-82E849B0DBEA}" type="datetimeFigureOut">
               <a:rPr lang="en-AU" smtClean="0"/>
-              <a:t>11/04/2023</a:t>
+              <a:t>16/04/2023</a:t>
             </a:fld>
             <a:endParaRPr lang="en-AU"/>
           </a:p>
@@ -4857,7 +7350,7 @@
           <a:p>
             <a:fld id="{7AF2E071-2083-4A65-86FD-82E849B0DBEA}" type="datetimeFigureOut">
               <a:rPr lang="en-AU" smtClean="0"/>
-              <a:t>11/04/2023</a:t>
+              <a:t>16/04/2023</a:t>
             </a:fld>
             <a:endParaRPr lang="en-AU"/>
           </a:p>
@@ -5114,7 +7607,7 @@
           <a:p>
             <a:fld id="{7AF2E071-2083-4A65-86FD-82E849B0DBEA}" type="datetimeFigureOut">
               <a:rPr lang="en-AU" smtClean="0"/>
-              <a:t>11/04/2023</a:t>
+              <a:t>16/04/2023</a:t>
             </a:fld>
             <a:endParaRPr lang="en-AU"/>
           </a:p>
@@ -5357,7 +7850,7 @@
           <a:p>
             <a:fld id="{7AF2E071-2083-4A65-86FD-82E849B0DBEA}" type="datetimeFigureOut">
               <a:rPr lang="en-AU" smtClean="0"/>
-              <a:t>11/04/2023</a:t>
+              <a:t>16/04/2023</a:t>
             </a:fld>
             <a:endParaRPr lang="en-AU"/>
           </a:p>
@@ -5754,6 +8247,14 @@
 <file path=ppt/slides/slide1.xml><?xml version="1.0" encoding="utf-8"?>
 <p:sld xmlns:a="http://schemas.openxmlformats.org/drawingml/2006/main" xmlns:r="http://schemas.openxmlformats.org/officeDocument/2006/relationships" xmlns:p="http://schemas.openxmlformats.org/presentationml/2006/main">
   <p:cSld>
+    <p:bg>
+      <p:bgPr>
+        <a:solidFill>
+          <a:schemeClr val="bg1"/>
+        </a:solidFill>
+        <a:effectLst/>
+      </p:bgPr>
+    </p:bg>
     <p:spTree>
       <p:nvGrpSpPr>
         <p:cNvPr id="1" name=""/>
@@ -5768,6 +8269,111 @@
           <a:chExt cx="0" cy="0"/>
         </a:xfrm>
       </p:grpSpPr>
+      <p:sp useBgFill="1">
+        <p:nvSpPr>
+          <p:cNvPr id="8" name="Rectangle 7">
+            <a:extLst>
+              <a:ext uri="{FF2B5EF4-FFF2-40B4-BE49-F238E27FC236}">
+                <a16:creationId xmlns:a16="http://schemas.microsoft.com/office/drawing/2014/main" id="{E770CA6A-B3B0-4826-A91F-B2B1F8922026}"/>
+              </a:ext>
+              <a:ext uri="{C183D7F6-B498-43B3-948B-1728B52AA6E4}">
+                <adec:decorative xmlns:adec="http://schemas.microsoft.com/office/drawing/2017/decorative" val="1"/>
+              </a:ext>
+            </a:extLst>
+          </p:cNvPr>
+          <p:cNvSpPr>
+            <a:spLocks noGrp="1" noRot="1" noChangeAspect="1" noMove="1" noResize="1" noEditPoints="1" noAdjustHandles="1" noChangeArrowheads="1" noChangeShapeType="1" noTextEdit="1"/>
+          </p:cNvSpPr>
+          <p:nvPr>
+            <p:extLst>
+              <p:ext uri="{386F3935-93C4-4BCD-93E2-E3B085C9AB24}">
+                <p16:designElem xmlns:p16="http://schemas.microsoft.com/office/powerpoint/2015/main" val="1"/>
+              </p:ext>
+            </p:extLst>
+          </p:nvPr>
+        </p:nvSpPr>
+        <p:spPr>
+          <a:xfrm>
+            <a:off x="0" y="0"/>
+            <a:ext cx="12192000" cy="6858000"/>
+          </a:xfrm>
+          <a:prstGeom prst="rect">
+            <a:avLst/>
+          </a:prstGeom>
+          <a:ln>
+            <a:noFill/>
+          </a:ln>
+        </p:spPr>
+        <p:style>
+          <a:lnRef idx="2">
+            <a:schemeClr val="accent1">
+              <a:shade val="50000"/>
+            </a:schemeClr>
+          </a:lnRef>
+          <a:fillRef idx="1">
+            <a:schemeClr val="accent1"/>
+          </a:fillRef>
+          <a:effectRef idx="0">
+            <a:schemeClr val="accent1"/>
+          </a:effectRef>
+          <a:fontRef idx="minor">
+            <a:schemeClr val="lt1"/>
+          </a:fontRef>
+        </p:style>
+        <p:txBody>
+          <a:bodyPr rtlCol="0" anchor="ctr"/>
+          <a:lstStyle/>
+          <a:p>
+            <a:pPr algn="ctr"/>
+            <a:endParaRPr lang="en-US"/>
+          </a:p>
+        </p:txBody>
+      </p:sp>
+      <p:pic>
+        <p:nvPicPr>
+          <p:cNvPr id="10" name="Picture 9">
+            <a:extLst>
+              <a:ext uri="{FF2B5EF4-FFF2-40B4-BE49-F238E27FC236}">
+                <a16:creationId xmlns:a16="http://schemas.microsoft.com/office/drawing/2014/main" id="{3C51B9DA-B0CC-480A-8EA5-4D5C3E0515B9}"/>
+              </a:ext>
+              <a:ext uri="{C183D7F6-B498-43B3-948B-1728B52AA6E4}">
+                <adec:decorative xmlns:adec="http://schemas.microsoft.com/office/drawing/2017/decorative" val="1"/>
+              </a:ext>
+            </a:extLst>
+          </p:cNvPr>
+          <p:cNvPicPr>
+            <a:picLocks noGrp="1" noRot="1" noChangeAspect="1" noMove="1" noResize="1" noEditPoints="1" noAdjustHandles="1" noChangeArrowheads="1" noChangeShapeType="1" noCrop="1"/>
+          </p:cNvPicPr>
+          <p:nvPr>
+            <p:extLst>
+              <p:ext uri="{386F3935-93C4-4BCD-93E2-E3B085C9AB24}">
+                <p16:designElem xmlns:p16="http://schemas.microsoft.com/office/powerpoint/2015/main" val="1"/>
+              </p:ext>
+            </p:extLst>
+          </p:nvPr>
+        </p:nvPicPr>
+        <p:blipFill>
+          <a:blip r:embed="rId2">
+            <a:extLst>
+              <a:ext uri="{28A0092B-C50C-407E-A947-70E740481C1C}">
+                <a14:useLocalDpi xmlns:a14="http://schemas.microsoft.com/office/drawing/2010/main" val="0"/>
+              </a:ext>
+            </a:extLst>
+          </a:blip>
+          <a:stretch>
+            <a:fillRect/>
+          </a:stretch>
+        </p:blipFill>
+        <p:spPr>
+          <a:xfrm>
+            <a:off x="0" y="4375150"/>
+            <a:ext cx="12192000" cy="2482850"/>
+          </a:xfrm>
+          <a:prstGeom prst="rect">
+            <a:avLst/>
+          </a:prstGeom>
+        </p:spPr>
+      </p:pic>
       <p:sp>
         <p:nvSpPr>
           <p:cNvPr id="2" name="Title 1">
@@ -5784,18 +8390,23 @@
             <p:ph type="ctrTitle"/>
           </p:nvPr>
         </p:nvSpPr>
-        <p:spPr/>
-        <p:txBody>
-          <a:bodyPr>
-            <a:normAutofit fontScale="90000"/>
+        <p:spPr>
+          <a:xfrm>
+            <a:off x="4976028" y="965200"/>
+            <a:ext cx="6170943" cy="4329641"/>
+          </a:xfrm>
+        </p:spPr>
+        <p:txBody>
+          <a:bodyPr anchor="ctr">
+            <a:normAutofit/>
           </a:bodyPr>
           <a:lstStyle/>
           <a:p>
             <a:r>
-              <a:rPr lang="en-US" dirty="0"/>
+              <a:rPr lang="en-US" sz="5000"/>
               <a:t>Exploring Mobility Patterns in Metropolitan Melbourne (June 2018-June 2022)</a:t>
             </a:r>
-            <a:endParaRPr lang="en-AU" dirty="0"/>
+            <a:endParaRPr lang="en-AU" sz="5000"/>
           </a:p>
         </p:txBody>
       </p:sp>
@@ -5815,27 +8426,79 @@
             <p:ph type="subTitle" idx="1"/>
           </p:nvPr>
         </p:nvSpPr>
-        <p:spPr/>
-        <p:txBody>
-          <a:bodyPr/>
+        <p:spPr>
+          <a:xfrm>
+            <a:off x="965200" y="965200"/>
+            <a:ext cx="3367361" cy="4329641"/>
+          </a:xfrm>
+        </p:spPr>
+        <p:txBody>
+          <a:bodyPr anchor="ctr">
+            <a:normAutofit/>
+          </a:bodyPr>
           <a:lstStyle/>
           <a:p>
-            <a:r>
-              <a:rPr lang="en-US" dirty="0"/>
-              <a:t>Tao Ma, Henry Leighton, Owen Johannes, Jai Gupta, </a:t>
-            </a:r>
-            <a:r>
-              <a:rPr lang="en-US" dirty="0" err="1"/>
-              <a:t>Tattwamasi</a:t>
-            </a:r>
-            <a:r>
-              <a:rPr lang="en-US" dirty="0"/>
-              <a:t> Ray</a:t>
-            </a:r>
-            <a:endParaRPr lang="en-AU" dirty="0"/>
-          </a:p>
-        </p:txBody>
-      </p:sp>
+            <a:pPr algn="r"/>
+            <a:r>
+              <a:rPr lang="en-US"/>
+              <a:t>Tao Ma, Henry Leighton, Owen Johannes, Jai Gupta, Tattwamasi Ray</a:t>
+            </a:r>
+            <a:endParaRPr lang="en-AU"/>
+          </a:p>
+        </p:txBody>
+      </p:sp>
+      <p:cxnSp>
+        <p:nvCxnSpPr>
+          <p:cNvPr id="12" name="Straight Connector 11">
+            <a:extLst>
+              <a:ext uri="{FF2B5EF4-FFF2-40B4-BE49-F238E27FC236}">
+                <a16:creationId xmlns:a16="http://schemas.microsoft.com/office/drawing/2014/main" id="{6FE641DB-A503-41DE-ACA6-36B41C6C2BE9}"/>
+              </a:ext>
+              <a:ext uri="{C183D7F6-B498-43B3-948B-1728B52AA6E4}">
+                <adec:decorative xmlns:adec="http://schemas.microsoft.com/office/drawing/2017/decorative" val="1"/>
+              </a:ext>
+            </a:extLst>
+          </p:cNvPr>
+          <p:cNvCxnSpPr>
+            <a:cxnSpLocks noGrp="1" noRot="1" noChangeAspect="1" noMove="1" noResize="1" noEditPoints="1" noAdjustHandles="1" noChangeArrowheads="1" noChangeShapeType="1"/>
+          </p:cNvCxnSpPr>
+          <p:nvPr>
+            <p:extLst>
+              <p:ext uri="{386F3935-93C4-4BCD-93E2-E3B085C9AB24}">
+                <p16:designElem xmlns:p16="http://schemas.microsoft.com/office/powerpoint/2015/main" val="1"/>
+              </p:ext>
+            </p:extLst>
+          </p:nvPr>
+        </p:nvCxnSpPr>
+        <p:spPr>
+          <a:xfrm>
+            <a:off x="4654295" y="1621260"/>
+            <a:ext cx="0" cy="3017520"/>
+          </a:xfrm>
+          <a:prstGeom prst="line">
+            <a:avLst/>
+          </a:prstGeom>
+          <a:ln w="15875">
+            <a:solidFill>
+              <a:schemeClr val="tx1"/>
+            </a:solidFill>
+          </a:ln>
+        </p:spPr>
+        <p:style>
+          <a:lnRef idx="1">
+            <a:schemeClr val="accent1"/>
+          </a:lnRef>
+          <a:fillRef idx="0">
+            <a:schemeClr val="accent1"/>
+          </a:fillRef>
+          <a:effectRef idx="0">
+            <a:schemeClr val="accent1"/>
+          </a:effectRef>
+          <a:fontRef idx="minor">
+            <a:schemeClr val="tx1"/>
+          </a:fontRef>
+        </p:style>
+      </p:cxnSp>
     </p:spTree>
     <p:extLst>
       <p:ext uri="{BB962C8B-B14F-4D97-AF65-F5344CB8AC3E}">
@@ -5885,59 +8548,50 @@
         <p:spPr/>
         <p:txBody>
           <a:bodyPr>
-            <a:normAutofit fontScale="90000"/>
+            <a:noAutofit/>
           </a:bodyPr>
           <a:lstStyle/>
           <a:p>
             <a:r>
-              <a:rPr lang="en-US" dirty="0"/>
-              <a:t>Which stations saw the greatest change in public transport usage/pedestrian traffic?</a:t>
-            </a:r>
-            <a:endParaRPr lang="en-AU" dirty="0"/>
-          </a:p>
-        </p:txBody>
-      </p:sp>
-      <p:sp>
-        <p:nvSpPr>
-          <p:cNvPr id="3" name="Content Placeholder 2">
+              <a:rPr lang="en-US" sz="3200" dirty="0"/>
+              <a:t>How has each of the different modes of public transport increased or decreased in usage in light of the pandemic?</a:t>
+            </a:r>
+          </a:p>
+        </p:txBody>
+      </p:sp>
+      <p:pic>
+        <p:nvPicPr>
+          <p:cNvPr id="7" name="Content Placeholder 6">
             <a:extLst>
               <a:ext uri="{FF2B5EF4-FFF2-40B4-BE49-F238E27FC236}">
-                <a16:creationId xmlns:a16="http://schemas.microsoft.com/office/drawing/2014/main" id="{1F40318B-36E3-B372-8198-BC86DBA79DF0}"/>
+                <a16:creationId xmlns:a16="http://schemas.microsoft.com/office/drawing/2014/main" id="{D49478F0-172B-2412-8F38-C2F6C86C7E2B}"/>
               </a:ext>
             </a:extLst>
           </p:cNvPr>
-          <p:cNvSpPr>
-            <a:spLocks noGrp="1"/>
-          </p:cNvSpPr>
+          <p:cNvPicPr>
+            <a:picLocks noGrp="1" noChangeAspect="1"/>
+          </p:cNvPicPr>
           <p:nvPr>
             <p:ph idx="1"/>
           </p:nvPr>
-        </p:nvSpPr>
-        <p:spPr/>
-        <p:txBody>
-          <a:bodyPr/>
-          <a:lstStyle/>
-          <a:p>
-            <a:r>
-              <a:rPr lang="en-US" dirty="0"/>
-              <a:t>Statistical Analysis for </a:t>
-            </a:r>
-            <a:r>
-              <a:rPr lang="en-US" dirty="0" err="1"/>
-              <a:t>Visualisation</a:t>
-            </a:r>
-            <a:r>
-              <a:rPr lang="en-US" dirty="0"/>
-              <a:t> 2</a:t>
-            </a:r>
-            <a:endParaRPr lang="en-AU" dirty="0"/>
-          </a:p>
-        </p:txBody>
-      </p:sp>
+        </p:nvPicPr>
+        <p:blipFill>
+          <a:blip r:embed="rId2"/>
+          <a:stretch>
+            <a:fillRect/>
+          </a:stretch>
+        </p:blipFill>
+        <p:spPr>
+          <a:xfrm>
+            <a:off x="671805" y="2572315"/>
+            <a:ext cx="10804516" cy="4032589"/>
+          </a:xfrm>
+        </p:spPr>
+      </p:pic>
     </p:spTree>
     <p:extLst>
       <p:ext uri="{BB962C8B-B14F-4D97-AF65-F5344CB8AC3E}">
-        <p14:creationId xmlns:p14="http://schemas.microsoft.com/office/powerpoint/2010/main" val="2885880585"/>
+        <p14:creationId xmlns:p14="http://schemas.microsoft.com/office/powerpoint/2010/main" val="1131672212"/>
       </p:ext>
     </p:extLst>
   </p:cSld>
@@ -5969,7 +8623,7 @@
           <p:cNvPr id="2" name="Title 1">
             <a:extLst>
               <a:ext uri="{FF2B5EF4-FFF2-40B4-BE49-F238E27FC236}">
-                <a16:creationId xmlns:a16="http://schemas.microsoft.com/office/drawing/2014/main" id="{B4624994-688C-F748-D0F3-7FECD289757C}"/>
+                <a16:creationId xmlns:a16="http://schemas.microsoft.com/office/drawing/2014/main" id="{0B711F40-35E0-EF3D-847D-ECAB633B3C16}"/>
               </a:ext>
             </a:extLst>
           </p:cNvPr>
@@ -5983,51 +8637,110 @@
         <p:spPr/>
         <p:txBody>
           <a:bodyPr>
-            <a:normAutofit fontScale="90000"/>
+            <a:noAutofit/>
           </a:bodyPr>
           <a:lstStyle/>
           <a:p>
             <a:r>
-              <a:rPr lang="en-US" dirty="0"/>
-              <a:t>How has each of the different modes of public transport increased or decreased in usage?</a:t>
-            </a:r>
-            <a:endParaRPr lang="en-AU" dirty="0"/>
-          </a:p>
-        </p:txBody>
-      </p:sp>
-      <p:sp>
-        <p:nvSpPr>
-          <p:cNvPr id="3" name="Content Placeholder 2">
+              <a:rPr lang="en-US" sz="3200" dirty="0"/>
+              <a:t>How has each of the different modes of public transport increased or decreased in usage in light of the pandemic?</a:t>
+            </a:r>
+          </a:p>
+        </p:txBody>
+      </p:sp>
+      <p:pic>
+        <p:nvPicPr>
+          <p:cNvPr id="6" name="Content Placeholder 5">
             <a:extLst>
               <a:ext uri="{FF2B5EF4-FFF2-40B4-BE49-F238E27FC236}">
-                <a16:creationId xmlns:a16="http://schemas.microsoft.com/office/drawing/2014/main" id="{80325387-37E3-91B3-D7AE-36CA75F1CD43}"/>
+                <a16:creationId xmlns:a16="http://schemas.microsoft.com/office/drawing/2014/main" id="{76CE03EE-0D8B-CAA0-4766-E7D43ADFC2AF}"/>
               </a:ext>
             </a:extLst>
           </p:cNvPr>
-          <p:cNvSpPr>
-            <a:spLocks noGrp="1"/>
-          </p:cNvSpPr>
+          <p:cNvPicPr>
+            <a:picLocks noGrp="1" noChangeAspect="1"/>
+          </p:cNvPicPr>
           <p:nvPr>
             <p:ph idx="1"/>
           </p:nvPr>
-        </p:nvSpPr>
-        <p:spPr/>
-        <p:txBody>
-          <a:bodyPr/>
-          <a:lstStyle/>
-          <a:p>
-            <a:r>
-              <a:rPr lang="en-US" dirty="0"/>
-              <a:t>Screenshots of code</a:t>
-            </a:r>
-            <a:endParaRPr lang="en-AU" dirty="0"/>
-          </a:p>
-        </p:txBody>
-      </p:sp>
+        </p:nvPicPr>
+        <p:blipFill>
+          <a:blip r:embed="rId2"/>
+          <a:stretch>
+            <a:fillRect/>
+          </a:stretch>
+        </p:blipFill>
+        <p:spPr>
+          <a:xfrm>
+            <a:off x="2661758" y="2381851"/>
+            <a:ext cx="6868484" cy="1371791"/>
+          </a:xfrm>
+        </p:spPr>
+      </p:pic>
+      <p:pic>
+        <p:nvPicPr>
+          <p:cNvPr id="9" name="Picture 8">
+            <a:extLst>
+              <a:ext uri="{FF2B5EF4-FFF2-40B4-BE49-F238E27FC236}">
+                <a16:creationId xmlns:a16="http://schemas.microsoft.com/office/drawing/2014/main" id="{8B7808B4-5F93-6033-1C00-E2D9A0AD1585}"/>
+              </a:ext>
+            </a:extLst>
+          </p:cNvPr>
+          <p:cNvPicPr>
+            <a:picLocks noChangeAspect="1"/>
+          </p:cNvPicPr>
+          <p:nvPr/>
+        </p:nvPicPr>
+        <p:blipFill>
+          <a:blip r:embed="rId3"/>
+          <a:stretch>
+            <a:fillRect/>
+          </a:stretch>
+        </p:blipFill>
+        <p:spPr>
+          <a:xfrm>
+            <a:off x="2661758" y="3773650"/>
+            <a:ext cx="6868484" cy="1437365"/>
+          </a:xfrm>
+          <a:prstGeom prst="rect">
+            <a:avLst/>
+          </a:prstGeom>
+        </p:spPr>
+      </p:pic>
+      <p:pic>
+        <p:nvPicPr>
+          <p:cNvPr id="11" name="Picture 10">
+            <a:extLst>
+              <a:ext uri="{FF2B5EF4-FFF2-40B4-BE49-F238E27FC236}">
+                <a16:creationId xmlns:a16="http://schemas.microsoft.com/office/drawing/2014/main" id="{E5883AE9-0EFD-B4A7-7328-901CCFE9DC67}"/>
+              </a:ext>
+            </a:extLst>
+          </p:cNvPr>
+          <p:cNvPicPr>
+            <a:picLocks noChangeAspect="1"/>
+          </p:cNvPicPr>
+          <p:nvPr/>
+        </p:nvPicPr>
+        <p:blipFill>
+          <a:blip r:embed="rId4"/>
+          <a:stretch>
+            <a:fillRect/>
+          </a:stretch>
+        </p:blipFill>
+        <p:spPr>
+          <a:xfrm>
+            <a:off x="2661759" y="5230299"/>
+            <a:ext cx="6868484" cy="1390610"/>
+          </a:xfrm>
+          <a:prstGeom prst="rect">
+            <a:avLst/>
+          </a:prstGeom>
+        </p:spPr>
+      </p:pic>
     </p:spTree>
     <p:extLst>
       <p:ext uri="{BB962C8B-B14F-4D97-AF65-F5344CB8AC3E}">
-        <p14:creationId xmlns:p14="http://schemas.microsoft.com/office/powerpoint/2010/main" val="1772732470"/>
+        <p14:creationId xmlns:p14="http://schemas.microsoft.com/office/powerpoint/2010/main" val="1145059190"/>
       </p:ext>
     </p:extLst>
   </p:cSld>
@@ -6073,51 +8786,128 @@
         <p:spPr/>
         <p:txBody>
           <a:bodyPr>
-            <a:normAutofit fontScale="90000"/>
+            <a:noAutofit/>
           </a:bodyPr>
           <a:lstStyle/>
           <a:p>
             <a:r>
-              <a:rPr lang="en-US" dirty="0"/>
-              <a:t>How has each of the different modes of public transport increased or decreased in usage?</a:t>
-            </a:r>
-            <a:endParaRPr lang="en-AU" dirty="0"/>
-          </a:p>
-        </p:txBody>
-      </p:sp>
-      <p:sp>
-        <p:nvSpPr>
-          <p:cNvPr id="3" name="Content Placeholder 2">
+              <a:rPr lang="en-US" sz="3200" dirty="0"/>
+              <a:t>How has each of the different modes of public transport increased or decreased in usage in light of the pandemic?</a:t>
+            </a:r>
+          </a:p>
+        </p:txBody>
+      </p:sp>
+      <p:pic>
+        <p:nvPicPr>
+          <p:cNvPr id="6" name="Content Placeholder 5" descr="Chart, pie chart&#10;&#10;Description automatically generated">
             <a:extLst>
               <a:ext uri="{FF2B5EF4-FFF2-40B4-BE49-F238E27FC236}">
-                <a16:creationId xmlns:a16="http://schemas.microsoft.com/office/drawing/2014/main" id="{1F40318B-36E3-B372-8198-BC86DBA79DF0}"/>
+                <a16:creationId xmlns:a16="http://schemas.microsoft.com/office/drawing/2014/main" id="{A1D5DC29-FDA5-1872-F739-7CBD0CB03D05}"/>
               </a:ext>
             </a:extLst>
           </p:cNvPr>
-          <p:cNvSpPr>
-            <a:spLocks noGrp="1"/>
-          </p:cNvSpPr>
+          <p:cNvPicPr>
+            <a:picLocks noGrp="1" noChangeAspect="1"/>
+          </p:cNvPicPr>
           <p:nvPr>
             <p:ph idx="1"/>
           </p:nvPr>
-        </p:nvSpPr>
-        <p:spPr/>
-        <p:txBody>
-          <a:bodyPr/>
-          <a:lstStyle/>
-          <a:p>
-            <a:r>
-              <a:rPr lang="en-US" dirty="0"/>
-              <a:t>More code</a:t>
-            </a:r>
-            <a:endParaRPr lang="en-AU" dirty="0"/>
-          </a:p>
-        </p:txBody>
-      </p:sp>
+        </p:nvPicPr>
+        <p:blipFill>
+          <a:blip r:embed="rId2">
+            <a:extLst>
+              <a:ext uri="{28A0092B-C50C-407E-A947-70E740481C1C}">
+                <a14:useLocalDpi xmlns:a14="http://schemas.microsoft.com/office/drawing/2010/main" val="0"/>
+              </a:ext>
+            </a:extLst>
+          </a:blip>
+          <a:stretch>
+            <a:fillRect/>
+          </a:stretch>
+        </p:blipFill>
+        <p:spPr>
+          <a:xfrm>
+            <a:off x="248963" y="2687215"/>
+            <a:ext cx="3754958" cy="3754958"/>
+          </a:xfrm>
+        </p:spPr>
+      </p:pic>
+      <p:pic>
+        <p:nvPicPr>
+          <p:cNvPr id="9" name="Picture 8" descr="Chart, pie chart&#10;&#10;Description automatically generated">
+            <a:extLst>
+              <a:ext uri="{FF2B5EF4-FFF2-40B4-BE49-F238E27FC236}">
+                <a16:creationId xmlns:a16="http://schemas.microsoft.com/office/drawing/2014/main" id="{516A1C10-4CBC-E824-628A-FB3340A999E5}"/>
+              </a:ext>
+            </a:extLst>
+          </p:cNvPr>
+          <p:cNvPicPr>
+            <a:picLocks noChangeAspect="1"/>
+          </p:cNvPicPr>
+          <p:nvPr/>
+        </p:nvPicPr>
+        <p:blipFill>
+          <a:blip r:embed="rId3">
+            <a:extLst>
+              <a:ext uri="{28A0092B-C50C-407E-A947-70E740481C1C}">
+                <a14:useLocalDpi xmlns:a14="http://schemas.microsoft.com/office/drawing/2010/main" val="0"/>
+              </a:ext>
+            </a:extLst>
+          </a:blip>
+          <a:stretch>
+            <a:fillRect/>
+          </a:stretch>
+        </p:blipFill>
+        <p:spPr>
+          <a:xfrm>
+            <a:off x="4218521" y="2687215"/>
+            <a:ext cx="3754958" cy="3754958"/>
+          </a:xfrm>
+          <a:prstGeom prst="rect">
+            <a:avLst/>
+          </a:prstGeom>
+        </p:spPr>
+      </p:pic>
+      <p:pic>
+        <p:nvPicPr>
+          <p:cNvPr id="11" name="Picture 10" descr="Chart, pie chart&#10;&#10;Description automatically generated">
+            <a:extLst>
+              <a:ext uri="{FF2B5EF4-FFF2-40B4-BE49-F238E27FC236}">
+                <a16:creationId xmlns:a16="http://schemas.microsoft.com/office/drawing/2014/main" id="{D1364EE3-B33A-102C-614D-767E8BCFFE6C}"/>
+              </a:ext>
+            </a:extLst>
+          </p:cNvPr>
+          <p:cNvPicPr>
+            <a:picLocks noChangeAspect="1"/>
+          </p:cNvPicPr>
+          <p:nvPr/>
+        </p:nvPicPr>
+        <p:blipFill>
+          <a:blip r:embed="rId4">
+            <a:extLst>
+              <a:ext uri="{28A0092B-C50C-407E-A947-70E740481C1C}">
+                <a14:useLocalDpi xmlns:a14="http://schemas.microsoft.com/office/drawing/2010/main" val="0"/>
+              </a:ext>
+            </a:extLst>
+          </a:blip>
+          <a:stretch>
+            <a:fillRect/>
+          </a:stretch>
+        </p:blipFill>
+        <p:spPr>
+          <a:xfrm>
+            <a:off x="8188080" y="2687216"/>
+            <a:ext cx="3754957" cy="3754957"/>
+          </a:xfrm>
+          <a:prstGeom prst="rect">
+            <a:avLst/>
+          </a:prstGeom>
+        </p:spPr>
+      </p:pic>
     </p:spTree>
     <p:extLst>
       <p:ext uri="{BB962C8B-B14F-4D97-AF65-F5344CB8AC3E}">
-        <p14:creationId xmlns:p14="http://schemas.microsoft.com/office/powerpoint/2010/main" val="1209788986"/>
+        <p14:creationId xmlns:p14="http://schemas.microsoft.com/office/powerpoint/2010/main" val="761767207"/>
       </p:ext>
     </p:extLst>
   </p:cSld>
@@ -6149,7 +8939,7 @@
           <p:cNvPr id="2" name="Title 1">
             <a:extLst>
               <a:ext uri="{FF2B5EF4-FFF2-40B4-BE49-F238E27FC236}">
-                <a16:creationId xmlns:a16="http://schemas.microsoft.com/office/drawing/2014/main" id="{B4624994-688C-F748-D0F3-7FECD289757C}"/>
+                <a16:creationId xmlns:a16="http://schemas.microsoft.com/office/drawing/2014/main" id="{0B711F40-35E0-EF3D-847D-ECAB633B3C16}"/>
               </a:ext>
             </a:extLst>
           </p:cNvPr>
@@ -6163,55 +8953,51 @@
         <p:spPr/>
         <p:txBody>
           <a:bodyPr>
-            <a:normAutofit fontScale="90000"/>
+            <a:noAutofit/>
           </a:bodyPr>
           <a:lstStyle/>
           <a:p>
             <a:r>
-              <a:rPr lang="en-US" dirty="0"/>
-              <a:t>How has each of the different modes of public transport increased or decreased in usage?</a:t>
-            </a:r>
-            <a:endParaRPr lang="en-AU" dirty="0"/>
-          </a:p>
-        </p:txBody>
-      </p:sp>
-      <p:sp>
-        <p:nvSpPr>
-          <p:cNvPr id="3" name="Content Placeholder 2">
+              <a:rPr lang="en-US" sz="3200" dirty="0"/>
+              <a:t>How has each of the different modes of public transport increased or decreased in usage in light of the pandemic?</a:t>
+            </a:r>
+          </a:p>
+        </p:txBody>
+      </p:sp>
+      <p:pic>
+        <p:nvPicPr>
+          <p:cNvPr id="4" name="Picture 3">
             <a:extLst>
               <a:ext uri="{FF2B5EF4-FFF2-40B4-BE49-F238E27FC236}">
-                <a16:creationId xmlns:a16="http://schemas.microsoft.com/office/drawing/2014/main" id="{80325387-37E3-91B3-D7AE-36CA75F1CD43}"/>
+                <a16:creationId xmlns:a16="http://schemas.microsoft.com/office/drawing/2014/main" id="{A08D1EBF-734C-BC62-AAB5-3F3336215A8B}"/>
               </a:ext>
             </a:extLst>
           </p:cNvPr>
-          <p:cNvSpPr>
-            <a:spLocks noGrp="1"/>
-          </p:cNvSpPr>
-          <p:nvPr>
-            <p:ph idx="1"/>
-          </p:nvPr>
-        </p:nvSpPr>
-        <p:spPr/>
-        <p:txBody>
-          <a:bodyPr/>
-          <a:lstStyle/>
-          <a:p>
-            <a:r>
-              <a:rPr lang="en-US" dirty="0" err="1"/>
-              <a:t>Visualisation</a:t>
-            </a:r>
-            <a:r>
-              <a:rPr lang="en-US" dirty="0"/>
-              <a:t> 1</a:t>
-            </a:r>
-            <a:endParaRPr lang="en-AU" dirty="0"/>
-          </a:p>
-        </p:txBody>
-      </p:sp>
+          <p:cNvPicPr>
+            <a:picLocks noChangeAspect="1"/>
+          </p:cNvPicPr>
+          <p:nvPr/>
+        </p:nvPicPr>
+        <p:blipFill>
+          <a:blip r:embed="rId2"/>
+          <a:stretch>
+            <a:fillRect/>
+          </a:stretch>
+        </p:blipFill>
+        <p:spPr>
+          <a:xfrm>
+            <a:off x="318471" y="3194835"/>
+            <a:ext cx="11555057" cy="2601957"/>
+          </a:xfrm>
+          <a:prstGeom prst="rect">
+            <a:avLst/>
+          </a:prstGeom>
+        </p:spPr>
+      </p:pic>
     </p:spTree>
     <p:extLst>
       <p:ext uri="{BB962C8B-B14F-4D97-AF65-F5344CB8AC3E}">
-        <p14:creationId xmlns:p14="http://schemas.microsoft.com/office/powerpoint/2010/main" val="2986210101"/>
+        <p14:creationId xmlns:p14="http://schemas.microsoft.com/office/powerpoint/2010/main" val="2193005904"/>
       </p:ext>
     </p:extLst>
   </p:cSld>
@@ -6257,55 +9043,80 @@
         <p:spPr/>
         <p:txBody>
           <a:bodyPr>
-            <a:normAutofit fontScale="90000"/>
+            <a:noAutofit/>
           </a:bodyPr>
           <a:lstStyle/>
           <a:p>
             <a:r>
-              <a:rPr lang="en-US" dirty="0"/>
-              <a:t>How has each of the different modes of public transport increased or decreased in usage?</a:t>
-            </a:r>
-            <a:endParaRPr lang="en-AU" dirty="0"/>
-          </a:p>
-        </p:txBody>
-      </p:sp>
-      <p:sp>
-        <p:nvSpPr>
-          <p:cNvPr id="3" name="Content Placeholder 2">
+              <a:rPr lang="en-US" sz="3200" dirty="0"/>
+              <a:t>How has each of the different modes of public transport increased or decreased in usage in light of the pandemic?</a:t>
+            </a:r>
+          </a:p>
+        </p:txBody>
+      </p:sp>
+      <p:pic>
+        <p:nvPicPr>
+          <p:cNvPr id="7" name="Content Placeholder 6">
             <a:extLst>
               <a:ext uri="{FF2B5EF4-FFF2-40B4-BE49-F238E27FC236}">
-                <a16:creationId xmlns:a16="http://schemas.microsoft.com/office/drawing/2014/main" id="{1F40318B-36E3-B372-8198-BC86DBA79DF0}"/>
+                <a16:creationId xmlns:a16="http://schemas.microsoft.com/office/drawing/2014/main" id="{A51DB98C-5017-6AF3-512B-8313D5E21B7C}"/>
               </a:ext>
             </a:extLst>
           </p:cNvPr>
-          <p:cNvSpPr>
-            <a:spLocks noGrp="1"/>
-          </p:cNvSpPr>
+          <p:cNvPicPr>
+            <a:picLocks noGrp="1" noChangeAspect="1"/>
+          </p:cNvPicPr>
           <p:nvPr>
             <p:ph idx="1"/>
           </p:nvPr>
-        </p:nvSpPr>
-        <p:spPr/>
-        <p:txBody>
-          <a:bodyPr/>
-          <a:lstStyle/>
-          <a:p>
-            <a:r>
-              <a:rPr lang="en-US" dirty="0" err="1"/>
-              <a:t>Visualisation</a:t>
-            </a:r>
-            <a:r>
-              <a:rPr lang="en-US" dirty="0"/>
-              <a:t> 2</a:t>
-            </a:r>
-            <a:endParaRPr lang="en-AU" dirty="0"/>
-          </a:p>
-        </p:txBody>
-      </p:sp>
+        </p:nvPicPr>
+        <p:blipFill>
+          <a:blip r:embed="rId2"/>
+          <a:stretch>
+            <a:fillRect/>
+          </a:stretch>
+        </p:blipFill>
+        <p:spPr>
+          <a:xfrm>
+            <a:off x="266351" y="2567143"/>
+            <a:ext cx="5763364" cy="3800766"/>
+          </a:xfrm>
+        </p:spPr>
+      </p:pic>
+      <p:pic>
+        <p:nvPicPr>
+          <p:cNvPr id="10" name="Picture 9">
+            <a:extLst>
+              <a:ext uri="{FF2B5EF4-FFF2-40B4-BE49-F238E27FC236}">
+                <a16:creationId xmlns:a16="http://schemas.microsoft.com/office/drawing/2014/main" id="{E0EB94DD-539E-D39E-2F5F-98DDBE7E65B6}"/>
+              </a:ext>
+            </a:extLst>
+          </p:cNvPr>
+          <p:cNvPicPr>
+            <a:picLocks noChangeAspect="1"/>
+          </p:cNvPicPr>
+          <p:nvPr/>
+        </p:nvPicPr>
+        <p:blipFill>
+          <a:blip r:embed="rId3"/>
+          <a:stretch>
+            <a:fillRect/>
+          </a:stretch>
+        </p:blipFill>
+        <p:spPr>
+          <a:xfrm>
+            <a:off x="6339033" y="2567143"/>
+            <a:ext cx="5586616" cy="3797993"/>
+          </a:xfrm>
+          <a:prstGeom prst="rect">
+            <a:avLst/>
+          </a:prstGeom>
+        </p:spPr>
+      </p:pic>
     </p:spTree>
     <p:extLst>
       <p:ext uri="{BB962C8B-B14F-4D97-AF65-F5344CB8AC3E}">
-        <p14:creationId xmlns:p14="http://schemas.microsoft.com/office/powerpoint/2010/main" val="2402680501"/>
+        <p14:creationId xmlns:p14="http://schemas.microsoft.com/office/powerpoint/2010/main" val="75852393"/>
       </p:ext>
     </p:extLst>
   </p:cSld>
@@ -6337,7 +9148,7 @@
           <p:cNvPr id="2" name="Title 1">
             <a:extLst>
               <a:ext uri="{FF2B5EF4-FFF2-40B4-BE49-F238E27FC236}">
-                <a16:creationId xmlns:a16="http://schemas.microsoft.com/office/drawing/2014/main" id="{B4624994-688C-F748-D0F3-7FECD289757C}"/>
+                <a16:creationId xmlns:a16="http://schemas.microsoft.com/office/drawing/2014/main" id="{0B711F40-35E0-EF3D-847D-ECAB633B3C16}"/>
               </a:ext>
             </a:extLst>
           </p:cNvPr>
@@ -6351,59 +9162,80 @@
         <p:spPr/>
         <p:txBody>
           <a:bodyPr>
-            <a:normAutofit fontScale="90000"/>
+            <a:noAutofit/>
           </a:bodyPr>
           <a:lstStyle/>
           <a:p>
             <a:r>
-              <a:rPr lang="en-US" dirty="0"/>
-              <a:t>How has each of the different modes of public transport increased or decreased in usage?</a:t>
-            </a:r>
-            <a:endParaRPr lang="en-AU" dirty="0"/>
-          </a:p>
-        </p:txBody>
-      </p:sp>
-      <p:sp>
-        <p:nvSpPr>
-          <p:cNvPr id="3" name="Content Placeholder 2">
+              <a:rPr lang="en-US" sz="3200" dirty="0"/>
+              <a:t>How has each of the different modes of public transport increased or decreased in usage in light of the pandemic?</a:t>
+            </a:r>
+          </a:p>
+        </p:txBody>
+      </p:sp>
+      <p:pic>
+        <p:nvPicPr>
+          <p:cNvPr id="7" name="Content Placeholder 6">
             <a:extLst>
               <a:ext uri="{FF2B5EF4-FFF2-40B4-BE49-F238E27FC236}">
-                <a16:creationId xmlns:a16="http://schemas.microsoft.com/office/drawing/2014/main" id="{80325387-37E3-91B3-D7AE-36CA75F1CD43}"/>
+                <a16:creationId xmlns:a16="http://schemas.microsoft.com/office/drawing/2014/main" id="{F62814B3-1DF8-E49C-59A7-EFEF75A65395}"/>
               </a:ext>
             </a:extLst>
           </p:cNvPr>
-          <p:cNvSpPr>
-            <a:spLocks noGrp="1"/>
-          </p:cNvSpPr>
+          <p:cNvPicPr>
+            <a:picLocks noGrp="1" noChangeAspect="1"/>
+          </p:cNvPicPr>
           <p:nvPr>
             <p:ph idx="1"/>
           </p:nvPr>
-        </p:nvSpPr>
-        <p:spPr/>
-        <p:txBody>
-          <a:bodyPr/>
-          <a:lstStyle/>
-          <a:p>
-            <a:r>
-              <a:rPr lang="en-US" dirty="0"/>
-              <a:t>Statistical Analysis for </a:t>
-            </a:r>
-            <a:r>
-              <a:rPr lang="en-US" dirty="0" err="1"/>
-              <a:t>Visualisation</a:t>
-            </a:r>
-            <a:r>
-              <a:rPr lang="en-US" dirty="0"/>
-              <a:t> 1</a:t>
-            </a:r>
-            <a:endParaRPr lang="en-AU" dirty="0"/>
-          </a:p>
-        </p:txBody>
-      </p:sp>
+        </p:nvPicPr>
+        <p:blipFill>
+          <a:blip r:embed="rId2"/>
+          <a:stretch>
+            <a:fillRect/>
+          </a:stretch>
+        </p:blipFill>
+        <p:spPr>
+          <a:xfrm>
+            <a:off x="443122" y="2604986"/>
+            <a:ext cx="5756341" cy="3874686"/>
+          </a:xfrm>
+        </p:spPr>
+      </p:pic>
+      <p:pic>
+        <p:nvPicPr>
+          <p:cNvPr id="10" name="Picture 9">
+            <a:extLst>
+              <a:ext uri="{FF2B5EF4-FFF2-40B4-BE49-F238E27FC236}">
+                <a16:creationId xmlns:a16="http://schemas.microsoft.com/office/drawing/2014/main" id="{5A7CDCE0-3FA5-52E6-3BE2-9FCA676C3A66}"/>
+              </a:ext>
+            </a:extLst>
+          </p:cNvPr>
+          <p:cNvPicPr>
+            <a:picLocks noChangeAspect="1"/>
+          </p:cNvPicPr>
+          <p:nvPr/>
+        </p:nvPicPr>
+        <p:blipFill>
+          <a:blip r:embed="rId3"/>
+          <a:stretch>
+            <a:fillRect/>
+          </a:stretch>
+        </p:blipFill>
+        <p:spPr>
+          <a:xfrm>
+            <a:off x="6430093" y="2604986"/>
+            <a:ext cx="5213942" cy="3874686"/>
+          </a:xfrm>
+          <a:prstGeom prst="rect">
+            <a:avLst/>
+          </a:prstGeom>
+        </p:spPr>
+      </p:pic>
     </p:spTree>
     <p:extLst>
       <p:ext uri="{BB962C8B-B14F-4D97-AF65-F5344CB8AC3E}">
-        <p14:creationId xmlns:p14="http://schemas.microsoft.com/office/powerpoint/2010/main" val="2895511663"/>
+        <p14:creationId xmlns:p14="http://schemas.microsoft.com/office/powerpoint/2010/main" val="1959001776"/>
       </p:ext>
     </p:extLst>
   </p:cSld>
@@ -6449,59 +9281,146 @@
         <p:spPr/>
         <p:txBody>
           <a:bodyPr>
-            <a:normAutofit fontScale="90000"/>
+            <a:noAutofit/>
           </a:bodyPr>
           <a:lstStyle/>
           <a:p>
             <a:r>
-              <a:rPr lang="en-US" dirty="0"/>
-              <a:t>How has each of the different modes of public transport increased or decreased in usage?</a:t>
-            </a:r>
-            <a:endParaRPr lang="en-AU" dirty="0"/>
-          </a:p>
-        </p:txBody>
-      </p:sp>
-      <p:sp>
-        <p:nvSpPr>
-          <p:cNvPr id="3" name="Content Placeholder 2">
+              <a:rPr lang="en-US" sz="3200" dirty="0"/>
+              <a:t>How has each of the different modes of public transport increased or decreased in usage in light of the pandemic?</a:t>
+            </a:r>
+          </a:p>
+        </p:txBody>
+      </p:sp>
+      <p:pic>
+        <p:nvPicPr>
+          <p:cNvPr id="6" name="Content Placeholder 5">
             <a:extLst>
               <a:ext uri="{FF2B5EF4-FFF2-40B4-BE49-F238E27FC236}">
-                <a16:creationId xmlns:a16="http://schemas.microsoft.com/office/drawing/2014/main" id="{1F40318B-36E3-B372-8198-BC86DBA79DF0}"/>
+                <a16:creationId xmlns:a16="http://schemas.microsoft.com/office/drawing/2014/main" id="{372AB3CF-905B-80AD-E67D-0E0334475FED}"/>
               </a:ext>
             </a:extLst>
           </p:cNvPr>
-          <p:cNvSpPr>
-            <a:spLocks noGrp="1"/>
-          </p:cNvSpPr>
+          <p:cNvPicPr>
+            <a:picLocks noGrp="1" noChangeAspect="1"/>
+          </p:cNvPicPr>
           <p:nvPr>
             <p:ph idx="1"/>
           </p:nvPr>
-        </p:nvSpPr>
-        <p:spPr/>
-        <p:txBody>
-          <a:bodyPr/>
+        </p:nvPicPr>
+        <p:blipFill>
+          <a:blip r:embed="rId2"/>
+          <a:stretch>
+            <a:fillRect/>
+          </a:stretch>
+        </p:blipFill>
+        <p:spPr>
+          <a:xfrm>
+            <a:off x="213553" y="2384399"/>
+            <a:ext cx="7155570" cy="4295468"/>
+          </a:xfrm>
+        </p:spPr>
+      </p:pic>
+      <p:sp>
+        <p:nvSpPr>
+          <p:cNvPr id="8" name="TextBox 7">
+            <a:extLst>
+              <a:ext uri="{FF2B5EF4-FFF2-40B4-BE49-F238E27FC236}">
+                <a16:creationId xmlns:a16="http://schemas.microsoft.com/office/drawing/2014/main" id="{DC1621AB-5122-A641-5ED8-DCEA2BCA08AF}"/>
+              </a:ext>
+            </a:extLst>
+          </p:cNvPr>
+          <p:cNvSpPr txBox="1"/>
+          <p:nvPr/>
+        </p:nvSpPr>
+        <p:spPr>
+          <a:xfrm>
+            <a:off x="7603691" y="3042090"/>
+            <a:ext cx="4450256" cy="2862322"/>
+          </a:xfrm>
+          <a:prstGeom prst="rect">
+            <a:avLst/>
+          </a:prstGeom>
+          <a:noFill/>
+        </p:spPr>
+        <p:txBody>
+          <a:bodyPr wrap="none" rtlCol="0">
+            <a:spAutoFit/>
+          </a:bodyPr>
           <a:lstStyle/>
           <a:p>
+            <a:pPr algn="ctr"/>
             <a:r>
               <a:rPr lang="en-US" dirty="0"/>
-              <a:t>Statistical Analysis for </a:t>
-            </a:r>
-            <a:r>
-              <a:rPr lang="en-US" dirty="0" err="1"/>
-              <a:t>Visualisation</a:t>
-            </a:r>
+              <a:t>We will accept the null hypothesis.</a:t>
+            </a:r>
+          </a:p>
+          <a:p>
+            <a:pPr algn="ctr"/>
+            <a:endParaRPr lang="en-US" dirty="0"/>
+          </a:p>
+          <a:p>
+            <a:pPr algn="ctr"/>
             <a:r>
               <a:rPr lang="en-US" dirty="0"/>
-              <a:t> 2</a:t>
-            </a:r>
-            <a:endParaRPr lang="en-AU" dirty="0"/>
+              <a:t>With the data assessed, we can not</a:t>
+            </a:r>
+          </a:p>
+          <a:p>
+            <a:pPr algn="ctr"/>
+            <a:r>
+              <a:rPr lang="en-US" dirty="0"/>
+              <a:t>with confidence state that there was</a:t>
+            </a:r>
+          </a:p>
+          <a:p>
+            <a:pPr algn="ctr"/>
+            <a:r>
+              <a:rPr lang="en-US" dirty="0"/>
+              <a:t>significant evidence that</a:t>
+            </a:r>
+          </a:p>
+          <a:p>
+            <a:pPr algn="ctr"/>
+            <a:r>
+              <a:rPr lang="en-US" dirty="0"/>
+              <a:t>the rise in Victorian COVID cases had</a:t>
+            </a:r>
+          </a:p>
+          <a:p>
+            <a:pPr algn="ctr"/>
+            <a:r>
+              <a:rPr lang="en-US" dirty="0"/>
+              <a:t>an impact on public transport usage</a:t>
+            </a:r>
+          </a:p>
+          <a:p>
+            <a:pPr algn="ctr"/>
+            <a:r>
+              <a:rPr lang="en-US" dirty="0"/>
+              <a:t>across the 3 modes of public transport</a:t>
+            </a:r>
+          </a:p>
+          <a:p>
+            <a:pPr algn="ctr"/>
+            <a:r>
+              <a:rPr lang="en-US" dirty="0"/>
+              <a:t>(Train, Tram and Bus) across </a:t>
+            </a:r>
+          </a:p>
+          <a:p>
+            <a:pPr algn="ctr"/>
+            <a:r>
+              <a:rPr lang="en-US" dirty="0"/>
+              <a:t>Metropolitan Victoria.</a:t>
+            </a:r>
           </a:p>
         </p:txBody>
       </p:sp>
     </p:spTree>
     <p:extLst>
       <p:ext uri="{BB962C8B-B14F-4D97-AF65-F5344CB8AC3E}">
-        <p14:creationId xmlns:p14="http://schemas.microsoft.com/office/powerpoint/2010/main" val="1131672212"/>
+        <p14:creationId xmlns:p14="http://schemas.microsoft.com/office/powerpoint/2010/main" val="3050972634"/>
       </p:ext>
     </p:extLst>
   </p:cSld>
@@ -6552,46 +9471,68 @@
           <a:lstStyle/>
           <a:p>
             <a:r>
-              <a:rPr lang="en-US" dirty="0"/>
-              <a:t>How has the volume of pedestrian traffic in Melbourne’s CBD evolved over the time frame?</a:t>
-            </a:r>
+              <a:rPr lang="en-US" sz="3600" dirty="0"/>
+              <a:t>Which municipality saw the greatest change in public transport usage, and which station saw the greatest change in the City of Melbourne?</a:t>
+            </a:r>
+            <a:br>
+              <a:rPr lang="en-US" sz="3600" dirty="0"/>
+            </a:br>
             <a:endParaRPr lang="en-AU" dirty="0"/>
           </a:p>
         </p:txBody>
       </p:sp>
-      <p:sp>
-        <p:nvSpPr>
-          <p:cNvPr id="3" name="Content Placeholder 2">
+      <p:pic>
+        <p:nvPicPr>
+          <p:cNvPr id="13" name="Content Placeholder 12" descr="Graphical user interface, text, application&#10;&#10;Description automatically generated">
             <a:extLst>
               <a:ext uri="{FF2B5EF4-FFF2-40B4-BE49-F238E27FC236}">
-                <a16:creationId xmlns:a16="http://schemas.microsoft.com/office/drawing/2014/main" id="{80325387-37E3-91B3-D7AE-36CA75F1CD43}"/>
+                <a16:creationId xmlns:a16="http://schemas.microsoft.com/office/drawing/2014/main" id="{35BB4937-BB69-D3CB-CCE2-A456DBA72EEF}"/>
               </a:ext>
             </a:extLst>
           </p:cNvPr>
-          <p:cNvSpPr>
-            <a:spLocks noGrp="1"/>
-          </p:cNvSpPr>
+          <p:cNvPicPr>
+            <a:picLocks noGrp="1" noChangeAspect="1"/>
+          </p:cNvPicPr>
           <p:nvPr>
             <p:ph idx="1"/>
           </p:nvPr>
-        </p:nvSpPr>
-        <p:spPr/>
-        <p:txBody>
-          <a:bodyPr/>
-          <a:lstStyle/>
-          <a:p>
-            <a:r>
-              <a:rPr lang="en-US" dirty="0"/>
-              <a:t>Screenshots of code</a:t>
-            </a:r>
-            <a:endParaRPr lang="en-AU" dirty="0"/>
-          </a:p>
-        </p:txBody>
-      </p:sp>
+        </p:nvPicPr>
+        <p:blipFill>
+          <a:blip r:embed="rId2">
+            <a:extLst>
+              <a:ext uri="{28A0092B-C50C-407E-A947-70E740481C1C}">
+                <a14:useLocalDpi xmlns:a14="http://schemas.microsoft.com/office/drawing/2010/main" val="0"/>
+              </a:ext>
+            </a:extLst>
+          </a:blip>
+          <a:stretch>
+            <a:fillRect/>
+          </a:stretch>
+        </p:blipFill>
+        <p:spPr bwMode="auto">
+          <a:xfrm>
+            <a:off x="2478752" y="2571429"/>
+            <a:ext cx="7234496" cy="4024313"/>
+          </a:xfrm>
+          <a:prstGeom prst="rect">
+            <a:avLst/>
+          </a:prstGeom>
+          <a:noFill/>
+          <a:extLst>
+            <a:ext uri="{909E8E84-426E-40DD-AFC4-6F175D3DCCD1}">
+              <a14:hiddenFill xmlns:a14="http://schemas.microsoft.com/office/drawing/2010/main">
+                <a:solidFill>
+                  <a:srgbClr val="FFFFFF"/>
+                </a:solidFill>
+              </a14:hiddenFill>
+            </a:ext>
+          </a:extLst>
+        </p:spPr>
+      </p:pic>
     </p:spTree>
     <p:extLst>
       <p:ext uri="{BB962C8B-B14F-4D97-AF65-F5344CB8AC3E}">
-        <p14:creationId xmlns:p14="http://schemas.microsoft.com/office/powerpoint/2010/main" val="303612069"/>
+        <p14:creationId xmlns:p14="http://schemas.microsoft.com/office/powerpoint/2010/main" val="1473049576"/>
       </p:ext>
     </p:extLst>
   </p:cSld>
@@ -6642,46 +9583,55 @@
           <a:lstStyle/>
           <a:p>
             <a:r>
-              <a:rPr lang="en-US" dirty="0"/>
-              <a:t>How has the volume of pedestrian traffic in Melbourne’s CBD evolved over the time frame?</a:t>
-            </a:r>
+              <a:rPr lang="en-US" sz="3600" dirty="0"/>
+              <a:t>Which municipality saw the greatest change in public transport usage, and which station saw the greatest change in the City of Melbourne?</a:t>
+            </a:r>
+            <a:br>
+              <a:rPr lang="en-US" sz="3600" dirty="0"/>
+            </a:br>
             <a:endParaRPr lang="en-AU" dirty="0"/>
           </a:p>
         </p:txBody>
       </p:sp>
-      <p:sp>
-        <p:nvSpPr>
-          <p:cNvPr id="3" name="Content Placeholder 2">
+      <p:pic>
+        <p:nvPicPr>
+          <p:cNvPr id="5" name="Content Placeholder 4" descr="A picture containing graphical user interface&#10;&#10;Description automatically generated">
             <a:extLst>
               <a:ext uri="{FF2B5EF4-FFF2-40B4-BE49-F238E27FC236}">
-                <a16:creationId xmlns:a16="http://schemas.microsoft.com/office/drawing/2014/main" id="{1F40318B-36E3-B372-8198-BC86DBA79DF0}"/>
+                <a16:creationId xmlns:a16="http://schemas.microsoft.com/office/drawing/2014/main" id="{10A056B2-2CE9-3D29-A8C5-6C7B77955F5A}"/>
               </a:ext>
             </a:extLst>
           </p:cNvPr>
-          <p:cNvSpPr>
-            <a:spLocks noGrp="1"/>
-          </p:cNvSpPr>
+          <p:cNvPicPr>
+            <a:picLocks noGrp="1" noChangeAspect="1"/>
+          </p:cNvPicPr>
           <p:nvPr>
             <p:ph idx="1"/>
           </p:nvPr>
-        </p:nvSpPr>
-        <p:spPr/>
-        <p:txBody>
-          <a:bodyPr/>
-          <a:lstStyle/>
-          <a:p>
-            <a:r>
-              <a:rPr lang="en-US" dirty="0"/>
-              <a:t>More code</a:t>
-            </a:r>
-            <a:endParaRPr lang="en-AU" dirty="0"/>
-          </a:p>
-        </p:txBody>
-      </p:sp>
+        </p:nvPicPr>
+        <p:blipFill>
+          <a:blip r:embed="rId2">
+            <a:extLst>
+              <a:ext uri="{28A0092B-C50C-407E-A947-70E740481C1C}">
+                <a14:useLocalDpi xmlns:a14="http://schemas.microsoft.com/office/drawing/2010/main" val="0"/>
+              </a:ext>
+            </a:extLst>
+          </a:blip>
+          <a:stretch>
+            <a:fillRect/>
+          </a:stretch>
+        </p:blipFill>
+        <p:spPr>
+          <a:xfrm>
+            <a:off x="1279806" y="2437206"/>
+            <a:ext cx="9632387" cy="4024313"/>
+          </a:xfrm>
+        </p:spPr>
+      </p:pic>
     </p:spTree>
     <p:extLst>
       <p:ext uri="{BB962C8B-B14F-4D97-AF65-F5344CB8AC3E}">
-        <p14:creationId xmlns:p14="http://schemas.microsoft.com/office/powerpoint/2010/main" val="1947525697"/>
+        <p14:creationId xmlns:p14="http://schemas.microsoft.com/office/powerpoint/2010/main" val="1392235612"/>
       </p:ext>
     </p:extLst>
   </p:cSld>
@@ -6727,55 +9677,60 @@
         <p:spPr/>
         <p:txBody>
           <a:bodyPr>
-            <a:normAutofit fontScale="90000"/>
+            <a:noAutofit/>
           </a:bodyPr>
           <a:lstStyle/>
           <a:p>
             <a:r>
-              <a:rPr lang="en-US" dirty="0"/>
-              <a:t>How has the volume of pedestrian traffic in Melbourne’s CBD evolved over the time frame?</a:t>
-            </a:r>
-            <a:endParaRPr lang="en-AU" dirty="0"/>
-          </a:p>
-        </p:txBody>
-      </p:sp>
-      <p:sp>
-        <p:nvSpPr>
-          <p:cNvPr id="3" name="Content Placeholder 2">
+              <a:rPr lang="en-US" sz="3200" dirty="0"/>
+              <a:t>Which municipality saw the greatest change in public transport usage, and which station saw the greatest change in the City of Melbourne?</a:t>
+            </a:r>
+            <a:br>
+              <a:rPr lang="en-US" sz="3200" dirty="0"/>
+            </a:br>
+            <a:endParaRPr lang="en-AU" sz="3200" dirty="0"/>
+          </a:p>
+        </p:txBody>
+      </p:sp>
+      <p:pic>
+        <p:nvPicPr>
+          <p:cNvPr id="5" name="Content Placeholder 4" descr="Text&#10;&#10;Description automatically generated">
             <a:extLst>
               <a:ext uri="{FF2B5EF4-FFF2-40B4-BE49-F238E27FC236}">
-                <a16:creationId xmlns:a16="http://schemas.microsoft.com/office/drawing/2014/main" id="{80325387-37E3-91B3-D7AE-36CA75F1CD43}"/>
+                <a16:creationId xmlns:a16="http://schemas.microsoft.com/office/drawing/2014/main" id="{D7BFF6FF-55B7-EDA8-E1DC-C15EE482F742}"/>
               </a:ext>
             </a:extLst>
           </p:cNvPr>
-          <p:cNvSpPr>
-            <a:spLocks noGrp="1"/>
-          </p:cNvSpPr>
+          <p:cNvPicPr>
+            <a:picLocks noGrp="1" noChangeAspect="1"/>
+          </p:cNvPicPr>
           <p:nvPr>
             <p:ph idx="1"/>
           </p:nvPr>
-        </p:nvSpPr>
-        <p:spPr/>
-        <p:txBody>
-          <a:bodyPr/>
-          <a:lstStyle/>
-          <a:p>
-            <a:r>
-              <a:rPr lang="en-US" dirty="0" err="1"/>
-              <a:t>Visualisation</a:t>
-            </a:r>
-            <a:r>
-              <a:rPr lang="en-US" dirty="0"/>
-              <a:t> 1</a:t>
-            </a:r>
-            <a:endParaRPr lang="en-AU" dirty="0"/>
-          </a:p>
-        </p:txBody>
-      </p:sp>
+        </p:nvPicPr>
+        <p:blipFill>
+          <a:blip r:embed="rId2">
+            <a:extLst>
+              <a:ext uri="{28A0092B-C50C-407E-A947-70E740481C1C}">
+                <a14:useLocalDpi xmlns:a14="http://schemas.microsoft.com/office/drawing/2010/main" val="0"/>
+              </a:ext>
+            </a:extLst>
+          </a:blip>
+          <a:stretch>
+            <a:fillRect/>
+          </a:stretch>
+        </p:blipFill>
+        <p:spPr>
+          <a:xfrm>
+            <a:off x="2389906" y="2193925"/>
+            <a:ext cx="7412187" cy="4502121"/>
+          </a:xfrm>
+        </p:spPr>
+      </p:pic>
     </p:spTree>
     <p:extLst>
       <p:ext uri="{BB962C8B-B14F-4D97-AF65-F5344CB8AC3E}">
-        <p14:creationId xmlns:p14="http://schemas.microsoft.com/office/powerpoint/2010/main" val="3526385406"/>
+        <p14:creationId xmlns:p14="http://schemas.microsoft.com/office/powerpoint/2010/main" val="2918010212"/>
       </p:ext>
     </p:extLst>
   </p:cSld>
@@ -6788,6 +9743,14 @@
 <file path=ppt/slides/slide2.xml><?xml version="1.0" encoding="utf-8"?>
 <p:sld xmlns:a="http://schemas.openxmlformats.org/drawingml/2006/main" xmlns:r="http://schemas.openxmlformats.org/officeDocument/2006/relationships" xmlns:p="http://schemas.openxmlformats.org/presentationml/2006/main">
   <p:cSld>
+    <p:bg>
+      <p:bgPr>
+        <a:solidFill>
+          <a:schemeClr val="bg1"/>
+        </a:solidFill>
+        <a:effectLst/>
+      </p:bgPr>
+    </p:bg>
     <p:spTree>
       <p:nvGrpSpPr>
         <p:cNvPr id="1" name=""/>
@@ -6804,6 +9767,152 @@
       </p:grpSpPr>
       <p:sp>
         <p:nvSpPr>
+          <p:cNvPr id="9" name="Rectangle 8">
+            <a:extLst>
+              <a:ext uri="{FF2B5EF4-FFF2-40B4-BE49-F238E27FC236}">
+                <a16:creationId xmlns:a16="http://schemas.microsoft.com/office/drawing/2014/main" id="{1EA5387D-64D8-4D6C-B109-FF4E81DF609A}"/>
+              </a:ext>
+              <a:ext uri="{C183D7F6-B498-43B3-948B-1728B52AA6E4}">
+                <adec:decorative xmlns:adec="http://schemas.microsoft.com/office/drawing/2017/decorative" val="1"/>
+              </a:ext>
+            </a:extLst>
+          </p:cNvPr>
+          <p:cNvSpPr>
+            <a:spLocks noGrp="1" noRot="1" noChangeAspect="1" noMove="1" noResize="1" noEditPoints="1" noAdjustHandles="1" noChangeArrowheads="1" noChangeShapeType="1" noTextEdit="1"/>
+          </p:cNvSpPr>
+          <p:nvPr>
+            <p:extLst>
+              <p:ext uri="{386F3935-93C4-4BCD-93E2-E3B085C9AB24}">
+                <p16:designElem xmlns:p16="http://schemas.microsoft.com/office/powerpoint/2015/main" val="1"/>
+              </p:ext>
+            </p:extLst>
+          </p:nvPr>
+        </p:nvSpPr>
+        <p:spPr>
+          <a:xfrm>
+            <a:off x="0" y="0"/>
+            <a:ext cx="12192000" cy="6858000"/>
+          </a:xfrm>
+          <a:prstGeom prst="rect">
+            <a:avLst/>
+          </a:prstGeom>
+          <a:solidFill>
+            <a:schemeClr val="bg1"/>
+          </a:solidFill>
+          <a:ln>
+            <a:noFill/>
+          </a:ln>
+        </p:spPr>
+        <p:style>
+          <a:lnRef idx="2">
+            <a:schemeClr val="accent1">
+              <a:shade val="50000"/>
+            </a:schemeClr>
+          </a:lnRef>
+          <a:fillRef idx="1">
+            <a:schemeClr val="accent1"/>
+          </a:fillRef>
+          <a:effectRef idx="0">
+            <a:schemeClr val="accent1"/>
+          </a:effectRef>
+          <a:fontRef idx="minor">
+            <a:schemeClr val="lt1"/>
+          </a:fontRef>
+        </p:style>
+        <p:txBody>
+          <a:bodyPr rtlCol="0" anchor="ctr"/>
+          <a:lstStyle/>
+          <a:p>
+            <a:pPr algn="ctr"/>
+            <a:endParaRPr lang="en-US"/>
+          </a:p>
+        </p:txBody>
+      </p:sp>
+      <p:pic>
+        <p:nvPicPr>
+          <p:cNvPr id="5" name="Picture 4" descr="A closeup of door handles of glass building doors">
+            <a:extLst>
+              <a:ext uri="{FF2B5EF4-FFF2-40B4-BE49-F238E27FC236}">
+                <a16:creationId xmlns:a16="http://schemas.microsoft.com/office/drawing/2014/main" id="{35FF27FB-8F4E-2AA5-4CEB-E53C16BB93F3}"/>
+              </a:ext>
+            </a:extLst>
+          </p:cNvPr>
+          <p:cNvPicPr>
+            <a:picLocks noChangeAspect="1"/>
+          </p:cNvPicPr>
+          <p:nvPr/>
+        </p:nvPicPr>
+        <p:blipFill rotWithShape="1">
+          <a:blip r:embed="rId2">
+            <a:duotone>
+              <a:prstClr val="black"/>
+              <a:schemeClr val="tx2">
+                <a:tint val="45000"/>
+                <a:satMod val="400000"/>
+              </a:schemeClr>
+            </a:duotone>
+            <a:alphaModFix amt="30000"/>
+          </a:blip>
+          <a:srcRect t="8658" b="7072"/>
+          <a:stretch/>
+        </p:blipFill>
+        <p:spPr>
+          <a:xfrm>
+            <a:off x="20" y="10"/>
+            <a:ext cx="12191980" cy="6857990"/>
+          </a:xfrm>
+          <a:prstGeom prst="rect">
+            <a:avLst/>
+          </a:prstGeom>
+        </p:spPr>
+      </p:pic>
+      <p:pic>
+        <p:nvPicPr>
+          <p:cNvPr id="11" name="Picture 10">
+            <a:extLst>
+              <a:ext uri="{FF2B5EF4-FFF2-40B4-BE49-F238E27FC236}">
+                <a16:creationId xmlns:a16="http://schemas.microsoft.com/office/drawing/2014/main" id="{6319FFD2-07B5-4029-BFB3-26FCFCC2F1B8}"/>
+              </a:ext>
+              <a:ext uri="{C183D7F6-B498-43B3-948B-1728B52AA6E4}">
+                <adec:decorative xmlns:adec="http://schemas.microsoft.com/office/drawing/2017/decorative" val="1"/>
+              </a:ext>
+            </a:extLst>
+          </p:cNvPr>
+          <p:cNvPicPr>
+            <a:picLocks noGrp="1" noRot="1" noChangeAspect="1" noMove="1" noResize="1" noEditPoints="1" noAdjustHandles="1" noChangeArrowheads="1" noChangeShapeType="1" noCrop="1"/>
+          </p:cNvPicPr>
+          <p:nvPr>
+            <p:extLst>
+              <p:ext uri="{386F3935-93C4-4BCD-93E2-E3B085C9AB24}">
+                <p16:designElem xmlns:p16="http://schemas.microsoft.com/office/powerpoint/2015/main" val="1"/>
+              </p:ext>
+            </p:extLst>
+          </p:nvPr>
+        </p:nvPicPr>
+        <p:blipFill>
+          <a:blip r:embed="rId3">
+            <a:extLst>
+              <a:ext uri="{28A0092B-C50C-407E-A947-70E740481C1C}">
+                <a14:useLocalDpi xmlns:a14="http://schemas.microsoft.com/office/drawing/2010/main" val="0"/>
+              </a:ext>
+            </a:extLst>
+          </a:blip>
+          <a:stretch>
+            <a:fillRect/>
+          </a:stretch>
+        </p:blipFill>
+        <p:spPr>
+          <a:xfrm>
+            <a:off x="0" y="0"/>
+            <a:ext cx="12192000" cy="1441450"/>
+          </a:xfrm>
+          <a:prstGeom prst="rect">
+            <a:avLst/>
+          </a:prstGeom>
+        </p:spPr>
+      </p:pic>
+      <p:sp>
+        <p:nvSpPr>
           <p:cNvPr id="2" name="Title 1">
             <a:extLst>
               <a:ext uri="{FF2B5EF4-FFF2-40B4-BE49-F238E27FC236}">
@@ -6818,9 +9927,16 @@
             <p:ph type="title"/>
           </p:nvPr>
         </p:nvSpPr>
-        <p:spPr/>
-        <p:txBody>
-          <a:bodyPr/>
+        <p:spPr>
+          <a:xfrm>
+            <a:off x="2895600" y="764373"/>
+            <a:ext cx="8610600" cy="1293028"/>
+          </a:xfrm>
+        </p:spPr>
+        <p:txBody>
+          <a:bodyPr>
+            <a:normAutofit/>
+          </a:bodyPr>
           <a:lstStyle/>
           <a:p>
             <a:r>
@@ -6847,9 +9963,16 @@
             <p:ph idx="1"/>
           </p:nvPr>
         </p:nvSpPr>
-        <p:spPr/>
-        <p:txBody>
-          <a:bodyPr/>
+        <p:spPr>
+          <a:xfrm>
+            <a:off x="685800" y="2194560"/>
+            <a:ext cx="10820400" cy="4024125"/>
+          </a:xfrm>
+        </p:spPr>
+        <p:txBody>
+          <a:bodyPr>
+            <a:normAutofit/>
+          </a:bodyPr>
           <a:lstStyle/>
           <a:p>
             <a:r>
@@ -6909,55 +10032,60 @@
         <p:spPr/>
         <p:txBody>
           <a:bodyPr>
-            <a:normAutofit fontScale="90000"/>
+            <a:noAutofit/>
           </a:bodyPr>
           <a:lstStyle/>
           <a:p>
             <a:r>
-              <a:rPr lang="en-US" dirty="0"/>
-              <a:t>How has the volume of pedestrian traffic in Melbourne’s CBD evolved over the time frame?</a:t>
-            </a:r>
-            <a:endParaRPr lang="en-AU" dirty="0"/>
-          </a:p>
-        </p:txBody>
-      </p:sp>
-      <p:sp>
-        <p:nvSpPr>
-          <p:cNvPr id="3" name="Content Placeholder 2">
+              <a:rPr lang="en-US" sz="3200" dirty="0"/>
+              <a:t>Which municipality saw the greatest change in public transport usage, and which station saw the greatest change in the City of Melbourne?</a:t>
+            </a:r>
+            <a:br>
+              <a:rPr lang="en-US" sz="3200" dirty="0"/>
+            </a:br>
+            <a:endParaRPr lang="en-AU" sz="3200" dirty="0"/>
+          </a:p>
+        </p:txBody>
+      </p:sp>
+      <p:pic>
+        <p:nvPicPr>
+          <p:cNvPr id="5" name="Content Placeholder 4" descr="Graphical user interface, text&#10;&#10;Description automatically generated with medium confidence">
             <a:extLst>
               <a:ext uri="{FF2B5EF4-FFF2-40B4-BE49-F238E27FC236}">
-                <a16:creationId xmlns:a16="http://schemas.microsoft.com/office/drawing/2014/main" id="{1F40318B-36E3-B372-8198-BC86DBA79DF0}"/>
+                <a16:creationId xmlns:a16="http://schemas.microsoft.com/office/drawing/2014/main" id="{20ECD322-BEF8-ECC2-B628-60BC98DAECAB}"/>
               </a:ext>
             </a:extLst>
           </p:cNvPr>
-          <p:cNvSpPr>
-            <a:spLocks noGrp="1"/>
-          </p:cNvSpPr>
+          <p:cNvPicPr>
+            <a:picLocks noGrp="1" noChangeAspect="1"/>
+          </p:cNvPicPr>
           <p:nvPr>
             <p:ph idx="1"/>
           </p:nvPr>
-        </p:nvSpPr>
-        <p:spPr/>
-        <p:txBody>
-          <a:bodyPr/>
-          <a:lstStyle/>
-          <a:p>
-            <a:r>
-              <a:rPr lang="en-US" dirty="0" err="1"/>
-              <a:t>Visualisation</a:t>
-            </a:r>
-            <a:r>
-              <a:rPr lang="en-US" dirty="0"/>
-              <a:t> 2</a:t>
-            </a:r>
-            <a:endParaRPr lang="en-AU" dirty="0"/>
-          </a:p>
-        </p:txBody>
-      </p:sp>
+        </p:nvPicPr>
+        <p:blipFill>
+          <a:blip r:embed="rId2">
+            <a:extLst>
+              <a:ext uri="{28A0092B-C50C-407E-A947-70E740481C1C}">
+                <a14:useLocalDpi xmlns:a14="http://schemas.microsoft.com/office/drawing/2010/main" val="0"/>
+              </a:ext>
+            </a:extLst>
+          </a:blip>
+          <a:stretch>
+            <a:fillRect/>
+          </a:stretch>
+        </p:blipFill>
+        <p:spPr>
+          <a:xfrm>
+            <a:off x="2450983" y="2168758"/>
+            <a:ext cx="7290033" cy="4560432"/>
+          </a:xfrm>
+        </p:spPr>
+      </p:pic>
     </p:spTree>
     <p:extLst>
       <p:ext uri="{BB962C8B-B14F-4D97-AF65-F5344CB8AC3E}">
-        <p14:creationId xmlns:p14="http://schemas.microsoft.com/office/powerpoint/2010/main" val="4245925813"/>
+        <p14:creationId xmlns:p14="http://schemas.microsoft.com/office/powerpoint/2010/main" val="555875888"/>
       </p:ext>
     </p:extLst>
   </p:cSld>
@@ -7003,59 +10131,59 @@
         <p:spPr/>
         <p:txBody>
           <a:bodyPr>
-            <a:normAutofit fontScale="90000"/>
+            <a:noAutofit/>
           </a:bodyPr>
           <a:lstStyle/>
           <a:p>
             <a:r>
-              <a:rPr lang="en-US" dirty="0"/>
-              <a:t>How has the volume of pedestrian traffic in Melbourne’s CBD evolved over the time frame?</a:t>
-            </a:r>
-            <a:endParaRPr lang="en-AU" dirty="0"/>
-          </a:p>
-        </p:txBody>
-      </p:sp>
-      <p:sp>
-        <p:nvSpPr>
-          <p:cNvPr id="3" name="Content Placeholder 2">
+              <a:rPr lang="en-US" sz="3200" dirty="0"/>
+              <a:t>Which municipality saw the greatest change in public transport usage, and which station saw the greatest change in the City of Melbourne?</a:t>
+            </a:r>
+            <a:br>
+              <a:rPr lang="en-US" sz="3200" dirty="0"/>
+            </a:br>
+            <a:endParaRPr lang="en-AU" sz="3200" dirty="0"/>
+          </a:p>
+        </p:txBody>
+      </p:sp>
+      <p:pic>
+        <p:nvPicPr>
+          <p:cNvPr id="5" name="Content Placeholder 4" descr="Text&#10;&#10;Description automatically generated">
             <a:extLst>
               <a:ext uri="{FF2B5EF4-FFF2-40B4-BE49-F238E27FC236}">
-                <a16:creationId xmlns:a16="http://schemas.microsoft.com/office/drawing/2014/main" id="{80325387-37E3-91B3-D7AE-36CA75F1CD43}"/>
+                <a16:creationId xmlns:a16="http://schemas.microsoft.com/office/drawing/2014/main" id="{B4327402-A185-B641-BCCE-EC0D2318A17E}"/>
               </a:ext>
             </a:extLst>
           </p:cNvPr>
-          <p:cNvSpPr>
-            <a:spLocks noGrp="1"/>
-          </p:cNvSpPr>
+          <p:cNvPicPr>
+            <a:picLocks noGrp="1" noChangeAspect="1"/>
+          </p:cNvPicPr>
           <p:nvPr>
             <p:ph idx="1"/>
           </p:nvPr>
-        </p:nvSpPr>
-        <p:spPr/>
-        <p:txBody>
-          <a:bodyPr/>
-          <a:lstStyle/>
-          <a:p>
-            <a:r>
-              <a:rPr lang="en-US" dirty="0"/>
-              <a:t>Statistical Analysis for </a:t>
-            </a:r>
-            <a:r>
-              <a:rPr lang="en-US" dirty="0" err="1"/>
-              <a:t>Visualisation</a:t>
-            </a:r>
-            <a:r>
-              <a:rPr lang="en-US" dirty="0"/>
-              <a:t> 1</a:t>
-            </a:r>
-            <a:endParaRPr lang="en-AU" dirty="0"/>
-          </a:p>
-        </p:txBody>
-      </p:sp>
+        </p:nvPicPr>
+        <p:blipFill rotWithShape="1">
+          <a:blip r:embed="rId2">
+            <a:extLst>
+              <a:ext uri="{28A0092B-C50C-407E-A947-70E740481C1C}">
+                <a14:useLocalDpi xmlns:a14="http://schemas.microsoft.com/office/drawing/2010/main" val="0"/>
+              </a:ext>
+            </a:extLst>
+          </a:blip>
+          <a:srcRect t="6209"/>
+          <a:stretch/>
+        </p:blipFill>
+        <p:spPr>
+          <a:xfrm>
+            <a:off x="448484" y="2975727"/>
+            <a:ext cx="11295031" cy="2621902"/>
+          </a:xfrm>
+        </p:spPr>
+      </p:pic>
     </p:spTree>
     <p:extLst>
       <p:ext uri="{BB962C8B-B14F-4D97-AF65-F5344CB8AC3E}">
-        <p14:creationId xmlns:p14="http://schemas.microsoft.com/office/powerpoint/2010/main" val="1521932883"/>
+        <p14:creationId xmlns:p14="http://schemas.microsoft.com/office/powerpoint/2010/main" val="2196949015"/>
       </p:ext>
     </p:extLst>
   </p:cSld>
@@ -7087,7 +10215,7 @@
           <p:cNvPr id="2" name="Title 1">
             <a:extLst>
               <a:ext uri="{FF2B5EF4-FFF2-40B4-BE49-F238E27FC236}">
-                <a16:creationId xmlns:a16="http://schemas.microsoft.com/office/drawing/2014/main" id="{0B711F40-35E0-EF3D-847D-ECAB633B3C16}"/>
+                <a16:creationId xmlns:a16="http://schemas.microsoft.com/office/drawing/2014/main" id="{B4624994-688C-F748-D0F3-7FECD289757C}"/>
               </a:ext>
             </a:extLst>
           </p:cNvPr>
@@ -7101,59 +10229,63 @@
         <p:spPr/>
         <p:txBody>
           <a:bodyPr>
-            <a:normAutofit fontScale="90000"/>
+            <a:noAutofit/>
           </a:bodyPr>
           <a:lstStyle/>
           <a:p>
             <a:r>
-              <a:rPr lang="en-US" dirty="0"/>
-              <a:t>How has the volume of pedestrian traffic in Melbourne’s CBD evolved over the time frame?</a:t>
-            </a:r>
-            <a:endParaRPr lang="en-AU" dirty="0"/>
-          </a:p>
-        </p:txBody>
-      </p:sp>
-      <p:sp>
-        <p:nvSpPr>
-          <p:cNvPr id="3" name="Content Placeholder 2">
+              <a:rPr lang="en-US" sz="3200" dirty="0"/>
+              <a:t>Which municipality saw the greatest change in public transport usage, and which station saw the greatest change in the City of Melbourne?</a:t>
+            </a:r>
+            <a:br>
+              <a:rPr lang="en-US" sz="3200" dirty="0"/>
+            </a:br>
+            <a:endParaRPr lang="en-AU" sz="3200" dirty="0"/>
+          </a:p>
+        </p:txBody>
+      </p:sp>
+      <p:pic>
+        <p:nvPicPr>
+          <p:cNvPr id="7" name="Content Placeholder 6" descr="Chart&#10;&#10;Description automatically generated">
             <a:extLst>
               <a:ext uri="{FF2B5EF4-FFF2-40B4-BE49-F238E27FC236}">
-                <a16:creationId xmlns:a16="http://schemas.microsoft.com/office/drawing/2014/main" id="{1F40318B-36E3-B372-8198-BC86DBA79DF0}"/>
+                <a16:creationId xmlns:a16="http://schemas.microsoft.com/office/drawing/2014/main" id="{CF3EE23A-6A0B-FCB2-CBE5-157CB091C63D}"/>
               </a:ext>
             </a:extLst>
           </p:cNvPr>
-          <p:cNvSpPr>
-            <a:spLocks noGrp="1"/>
-          </p:cNvSpPr>
+          <p:cNvPicPr>
+            <a:picLocks noGrp="1" noChangeAspect="1"/>
+          </p:cNvPicPr>
           <p:nvPr>
             <p:ph idx="1"/>
           </p:nvPr>
-        </p:nvSpPr>
-        <p:spPr/>
-        <p:txBody>
-          <a:bodyPr/>
-          <a:lstStyle/>
-          <a:p>
-            <a:r>
-              <a:rPr lang="en-US" dirty="0"/>
-              <a:t>Statistical Analysis for </a:t>
-            </a:r>
-            <a:r>
-              <a:rPr lang="en-US" dirty="0" err="1"/>
-              <a:t>Visualisation</a:t>
-            </a:r>
-            <a:r>
-              <a:rPr lang="en-US" dirty="0"/>
-              <a:t> 2</a:t>
-            </a:r>
-            <a:endParaRPr lang="en-AU" dirty="0"/>
-          </a:p>
-        </p:txBody>
-      </p:sp>
+        </p:nvPicPr>
+        <p:blipFill>
+          <a:blip r:embed="rId2">
+            <a:extLst>
+              <a:ext uri="{28A0092B-C50C-407E-A947-70E740481C1C}">
+                <a14:useLocalDpi xmlns:a14="http://schemas.microsoft.com/office/drawing/2010/main" val="0"/>
+              </a:ext>
+            </a:extLst>
+          </a:blip>
+          <a:stretch>
+            <a:fillRect/>
+          </a:stretch>
+        </p:blipFill>
+        <p:spPr>
+          <a:xfrm>
+            <a:off x="3095268" y="2175264"/>
+            <a:ext cx="6001463" cy="4501098"/>
+          </a:xfrm>
+          <a:prstGeom prst="rect">
+            <a:avLst/>
+          </a:prstGeom>
+        </p:spPr>
+      </p:pic>
     </p:spTree>
     <p:extLst>
       <p:ext uri="{BB962C8B-B14F-4D97-AF65-F5344CB8AC3E}">
-        <p14:creationId xmlns:p14="http://schemas.microsoft.com/office/powerpoint/2010/main" val="4270566899"/>
+        <p14:creationId xmlns:p14="http://schemas.microsoft.com/office/powerpoint/2010/main" val="4212603854"/>
       </p:ext>
     </p:extLst>
   </p:cSld>
@@ -7185,7 +10317,7 @@
           <p:cNvPr id="2" name="Title 1">
             <a:extLst>
               <a:ext uri="{FF2B5EF4-FFF2-40B4-BE49-F238E27FC236}">
-                <a16:creationId xmlns:a16="http://schemas.microsoft.com/office/drawing/2014/main" id="{B4624994-688C-F748-D0F3-7FECD289757C}"/>
+                <a16:creationId xmlns:a16="http://schemas.microsoft.com/office/drawing/2014/main" id="{0B711F40-35E0-EF3D-847D-ECAB633B3C16}"/>
               </a:ext>
             </a:extLst>
           </p:cNvPr>
@@ -7199,51 +10331,63 @@
         <p:spPr/>
         <p:txBody>
           <a:bodyPr>
-            <a:normAutofit fontScale="90000"/>
+            <a:noAutofit/>
           </a:bodyPr>
           <a:lstStyle/>
           <a:p>
             <a:r>
-              <a:rPr lang="en-US" dirty="0"/>
-              <a:t>Did the pandemic affect the peak hours of transportation (primarily trains) in Melbourne?</a:t>
-            </a:r>
-            <a:endParaRPr lang="en-AU" dirty="0"/>
-          </a:p>
-        </p:txBody>
-      </p:sp>
-      <p:sp>
-        <p:nvSpPr>
-          <p:cNvPr id="3" name="Content Placeholder 2">
+              <a:rPr lang="en-US" sz="3200" dirty="0"/>
+              <a:t>Which municipality saw the greatest change in public transport usage, and which station saw the greatest change in the City of Melbourne?</a:t>
+            </a:r>
+            <a:br>
+              <a:rPr lang="en-US" sz="3200" dirty="0"/>
+            </a:br>
+            <a:endParaRPr lang="en-AU" sz="3200" dirty="0"/>
+          </a:p>
+        </p:txBody>
+      </p:sp>
+      <p:pic>
+        <p:nvPicPr>
+          <p:cNvPr id="5" name="Content Placeholder 4" descr="Text&#10;&#10;Description automatically generated">
             <a:extLst>
               <a:ext uri="{FF2B5EF4-FFF2-40B4-BE49-F238E27FC236}">
-                <a16:creationId xmlns:a16="http://schemas.microsoft.com/office/drawing/2014/main" id="{80325387-37E3-91B3-D7AE-36CA75F1CD43}"/>
+                <a16:creationId xmlns:a16="http://schemas.microsoft.com/office/drawing/2014/main" id="{BDACDE30-9546-681F-3B9D-480B1F320533}"/>
               </a:ext>
             </a:extLst>
           </p:cNvPr>
-          <p:cNvSpPr>
-            <a:spLocks noGrp="1"/>
-          </p:cNvSpPr>
+          <p:cNvPicPr>
+            <a:picLocks noGrp="1" noChangeAspect="1"/>
+          </p:cNvPicPr>
           <p:nvPr>
             <p:ph idx="1"/>
           </p:nvPr>
-        </p:nvSpPr>
-        <p:spPr/>
-        <p:txBody>
-          <a:bodyPr/>
-          <a:lstStyle/>
-          <a:p>
-            <a:r>
-              <a:rPr lang="en-US" dirty="0"/>
-              <a:t>Screenshots of code</a:t>
-            </a:r>
-            <a:endParaRPr lang="en-AU" dirty="0"/>
-          </a:p>
-        </p:txBody>
-      </p:sp>
+        </p:nvPicPr>
+        <p:blipFill>
+          <a:blip r:embed="rId2">
+            <a:extLst>
+              <a:ext uri="{28A0092B-C50C-407E-A947-70E740481C1C}">
+                <a14:useLocalDpi xmlns:a14="http://schemas.microsoft.com/office/drawing/2010/main" val="0"/>
+              </a:ext>
+            </a:extLst>
+          </a:blip>
+          <a:stretch>
+            <a:fillRect/>
+          </a:stretch>
+        </p:blipFill>
+        <p:spPr>
+          <a:xfrm>
+            <a:off x="250371" y="2870329"/>
+            <a:ext cx="11691257" cy="3162649"/>
+          </a:xfrm>
+          <a:prstGeom prst="rect">
+            <a:avLst/>
+          </a:prstGeom>
+        </p:spPr>
+      </p:pic>
     </p:spTree>
     <p:extLst>
       <p:ext uri="{BB962C8B-B14F-4D97-AF65-F5344CB8AC3E}">
-        <p14:creationId xmlns:p14="http://schemas.microsoft.com/office/powerpoint/2010/main" val="1694452637"/>
+        <p14:creationId xmlns:p14="http://schemas.microsoft.com/office/powerpoint/2010/main" val="2885880585"/>
       </p:ext>
     </p:extLst>
   </p:cSld>
@@ -7289,51 +10433,60 @@
         <p:spPr/>
         <p:txBody>
           <a:bodyPr>
-            <a:normAutofit fontScale="90000"/>
+            <a:noAutofit/>
           </a:bodyPr>
           <a:lstStyle/>
           <a:p>
             <a:r>
-              <a:rPr lang="en-US" dirty="0"/>
-              <a:t>Did the pandemic affect the peak hours of transportation (primarily trains) in Melbourne?</a:t>
-            </a:r>
-            <a:endParaRPr lang="en-AU" dirty="0"/>
-          </a:p>
-        </p:txBody>
-      </p:sp>
-      <p:sp>
-        <p:nvSpPr>
-          <p:cNvPr id="3" name="Content Placeholder 2">
+              <a:rPr lang="en-US" sz="3200" dirty="0"/>
+              <a:t>Which municipality saw the greatest change in public transport usage, and which station saw the greatest change in the City of Melbourne?</a:t>
+            </a:r>
+            <a:br>
+              <a:rPr lang="en-US" sz="3200" dirty="0"/>
+            </a:br>
+            <a:endParaRPr lang="en-AU" sz="3200" dirty="0"/>
+          </a:p>
+        </p:txBody>
+      </p:sp>
+      <p:pic>
+        <p:nvPicPr>
+          <p:cNvPr id="7" name="Content Placeholder 6" descr="Chart, bar chart, histogram&#10;&#10;Description automatically generated">
             <a:extLst>
               <a:ext uri="{FF2B5EF4-FFF2-40B4-BE49-F238E27FC236}">
-                <a16:creationId xmlns:a16="http://schemas.microsoft.com/office/drawing/2014/main" id="{1F40318B-36E3-B372-8198-BC86DBA79DF0}"/>
+                <a16:creationId xmlns:a16="http://schemas.microsoft.com/office/drawing/2014/main" id="{8D6A98ED-648C-4484-0386-78639FADDC51}"/>
               </a:ext>
             </a:extLst>
           </p:cNvPr>
-          <p:cNvSpPr>
-            <a:spLocks noGrp="1"/>
-          </p:cNvSpPr>
+          <p:cNvPicPr>
+            <a:picLocks noGrp="1" noChangeAspect="1"/>
+          </p:cNvPicPr>
           <p:nvPr>
             <p:ph idx="1"/>
           </p:nvPr>
-        </p:nvSpPr>
-        <p:spPr/>
-        <p:txBody>
-          <a:bodyPr/>
-          <a:lstStyle/>
-          <a:p>
-            <a:r>
-              <a:rPr lang="en-US" dirty="0"/>
-              <a:t>More code</a:t>
-            </a:r>
-            <a:endParaRPr lang="en-AU" dirty="0"/>
-          </a:p>
-        </p:txBody>
-      </p:sp>
+        </p:nvPicPr>
+        <p:blipFill>
+          <a:blip r:embed="rId2">
+            <a:extLst>
+              <a:ext uri="{28A0092B-C50C-407E-A947-70E740481C1C}">
+                <a14:useLocalDpi xmlns:a14="http://schemas.microsoft.com/office/drawing/2010/main" val="0"/>
+              </a:ext>
+            </a:extLst>
+          </a:blip>
+          <a:stretch>
+            <a:fillRect/>
+          </a:stretch>
+        </p:blipFill>
+        <p:spPr>
+          <a:xfrm>
+            <a:off x="3155917" y="2221916"/>
+            <a:ext cx="5880165" cy="4410124"/>
+          </a:xfrm>
+        </p:spPr>
+      </p:pic>
     </p:spTree>
     <p:extLst>
       <p:ext uri="{BB962C8B-B14F-4D97-AF65-F5344CB8AC3E}">
-        <p14:creationId xmlns:p14="http://schemas.microsoft.com/office/powerpoint/2010/main" val="4080132962"/>
+        <p14:creationId xmlns:p14="http://schemas.microsoft.com/office/powerpoint/2010/main" val="1242728056"/>
       </p:ext>
     </p:extLst>
   </p:cSld>
@@ -7365,7 +10518,7 @@
           <p:cNvPr id="2" name="Title 1">
             <a:extLst>
               <a:ext uri="{FF2B5EF4-FFF2-40B4-BE49-F238E27FC236}">
-                <a16:creationId xmlns:a16="http://schemas.microsoft.com/office/drawing/2014/main" id="{B4624994-688C-F748-D0F3-7FECD289757C}"/>
+                <a16:creationId xmlns:a16="http://schemas.microsoft.com/office/drawing/2014/main" id="{0B711F40-35E0-EF3D-847D-ECAB633B3C16}"/>
               </a:ext>
             </a:extLst>
           </p:cNvPr>
@@ -7379,55 +10532,60 @@
         <p:spPr/>
         <p:txBody>
           <a:bodyPr>
-            <a:normAutofit fontScale="90000"/>
+            <a:noAutofit/>
           </a:bodyPr>
           <a:lstStyle/>
           <a:p>
             <a:r>
-              <a:rPr lang="en-US" dirty="0"/>
-              <a:t>Did the pandemic affect the peak hours of transportation (primarily trains) in Melbourne?</a:t>
-            </a:r>
-            <a:endParaRPr lang="en-AU" dirty="0"/>
-          </a:p>
-        </p:txBody>
-      </p:sp>
-      <p:sp>
-        <p:nvSpPr>
-          <p:cNvPr id="3" name="Content Placeholder 2">
+              <a:rPr lang="en-US" sz="3200" dirty="0"/>
+              <a:t>Which municipality saw the greatest change in public transport usage, and which station saw the greatest change in the City of Melbourne?</a:t>
+            </a:r>
+            <a:br>
+              <a:rPr lang="en-US" sz="3200" dirty="0"/>
+            </a:br>
+            <a:endParaRPr lang="en-AU" sz="3200" dirty="0"/>
+          </a:p>
+        </p:txBody>
+      </p:sp>
+      <p:pic>
+        <p:nvPicPr>
+          <p:cNvPr id="6" name="Content Placeholder 5" descr="Text&#10;&#10;Description automatically generated">
             <a:extLst>
               <a:ext uri="{FF2B5EF4-FFF2-40B4-BE49-F238E27FC236}">
-                <a16:creationId xmlns:a16="http://schemas.microsoft.com/office/drawing/2014/main" id="{80325387-37E3-91B3-D7AE-36CA75F1CD43}"/>
+                <a16:creationId xmlns:a16="http://schemas.microsoft.com/office/drawing/2014/main" id="{766CBA1B-0CE1-94FA-6BFC-CF1A4203497B}"/>
               </a:ext>
             </a:extLst>
           </p:cNvPr>
-          <p:cNvSpPr>
-            <a:spLocks noGrp="1"/>
-          </p:cNvSpPr>
+          <p:cNvPicPr>
+            <a:picLocks noGrp="1" noChangeAspect="1"/>
+          </p:cNvPicPr>
           <p:nvPr>
             <p:ph idx="1"/>
           </p:nvPr>
-        </p:nvSpPr>
-        <p:spPr/>
-        <p:txBody>
-          <a:bodyPr/>
-          <a:lstStyle/>
-          <a:p>
-            <a:r>
-              <a:rPr lang="en-US" dirty="0" err="1"/>
-              <a:t>Visualisation</a:t>
-            </a:r>
-            <a:r>
-              <a:rPr lang="en-US" dirty="0"/>
-              <a:t> 1</a:t>
-            </a:r>
-            <a:endParaRPr lang="en-AU" dirty="0"/>
-          </a:p>
-        </p:txBody>
-      </p:sp>
+        </p:nvPicPr>
+        <p:blipFill>
+          <a:blip r:embed="rId2">
+            <a:extLst>
+              <a:ext uri="{28A0092B-C50C-407E-A947-70E740481C1C}">
+                <a14:useLocalDpi xmlns:a14="http://schemas.microsoft.com/office/drawing/2010/main" val="0"/>
+              </a:ext>
+            </a:extLst>
+          </a:blip>
+          <a:stretch>
+            <a:fillRect/>
+          </a:stretch>
+        </p:blipFill>
+        <p:spPr>
+          <a:xfrm>
+            <a:off x="177475" y="2910875"/>
+            <a:ext cx="11837050" cy="2874104"/>
+          </a:xfrm>
+        </p:spPr>
+      </p:pic>
     </p:spTree>
     <p:extLst>
       <p:ext uri="{BB962C8B-B14F-4D97-AF65-F5344CB8AC3E}">
-        <p14:creationId xmlns:p14="http://schemas.microsoft.com/office/powerpoint/2010/main" val="554273810"/>
+        <p14:creationId xmlns:p14="http://schemas.microsoft.com/office/powerpoint/2010/main" val="2087631269"/>
       </p:ext>
     </p:extLst>
   </p:cSld>
@@ -7473,55 +10631,60 @@
         <p:spPr/>
         <p:txBody>
           <a:bodyPr>
-            <a:normAutofit fontScale="90000"/>
+            <a:noAutofit/>
           </a:bodyPr>
           <a:lstStyle/>
           <a:p>
             <a:r>
-              <a:rPr lang="en-US" dirty="0"/>
-              <a:t>Did the pandemic affect the peak hours of transportation (primarily trains) in Melbourne?</a:t>
-            </a:r>
-            <a:endParaRPr lang="en-AU" dirty="0"/>
-          </a:p>
-        </p:txBody>
-      </p:sp>
-      <p:sp>
-        <p:nvSpPr>
-          <p:cNvPr id="3" name="Content Placeholder 2">
+              <a:rPr lang="en-US" sz="3200" dirty="0"/>
+              <a:t>Which municipality saw the greatest change in public transport usage, and which station saw the greatest change in the City of Melbourne?</a:t>
+            </a:r>
+            <a:br>
+              <a:rPr lang="en-US" sz="3200" dirty="0"/>
+            </a:br>
+            <a:endParaRPr lang="en-AU" sz="3200" dirty="0"/>
+          </a:p>
+        </p:txBody>
+      </p:sp>
+      <p:pic>
+        <p:nvPicPr>
+          <p:cNvPr id="6" name="Content Placeholder 5" descr="Text&#10;&#10;Description automatically generated">
             <a:extLst>
               <a:ext uri="{FF2B5EF4-FFF2-40B4-BE49-F238E27FC236}">
-                <a16:creationId xmlns:a16="http://schemas.microsoft.com/office/drawing/2014/main" id="{1F40318B-36E3-B372-8198-BC86DBA79DF0}"/>
+                <a16:creationId xmlns:a16="http://schemas.microsoft.com/office/drawing/2014/main" id="{9DAE220D-FDF5-BE73-675C-AB3395A09E59}"/>
               </a:ext>
             </a:extLst>
           </p:cNvPr>
-          <p:cNvSpPr>
-            <a:spLocks noGrp="1"/>
-          </p:cNvSpPr>
+          <p:cNvPicPr>
+            <a:picLocks noGrp="1" noChangeAspect="1"/>
+          </p:cNvPicPr>
           <p:nvPr>
             <p:ph idx="1"/>
           </p:nvPr>
-        </p:nvSpPr>
-        <p:spPr/>
-        <p:txBody>
-          <a:bodyPr/>
-          <a:lstStyle/>
-          <a:p>
-            <a:r>
-              <a:rPr lang="en-US" dirty="0" err="1"/>
-              <a:t>Visualisation</a:t>
-            </a:r>
-            <a:r>
-              <a:rPr lang="en-US" dirty="0"/>
-              <a:t> 2</a:t>
-            </a:r>
-            <a:endParaRPr lang="en-AU" dirty="0"/>
-          </a:p>
-        </p:txBody>
-      </p:sp>
+        </p:nvPicPr>
+        <p:blipFill>
+          <a:blip r:embed="rId2">
+            <a:extLst>
+              <a:ext uri="{28A0092B-C50C-407E-A947-70E740481C1C}">
+                <a14:useLocalDpi xmlns:a14="http://schemas.microsoft.com/office/drawing/2010/main" val="0"/>
+              </a:ext>
+            </a:extLst>
+          </a:blip>
+          <a:stretch>
+            <a:fillRect/>
+          </a:stretch>
+        </p:blipFill>
+        <p:spPr>
+          <a:xfrm>
+            <a:off x="135034" y="3139452"/>
+            <a:ext cx="11921932" cy="2484178"/>
+          </a:xfrm>
+        </p:spPr>
+      </p:pic>
     </p:spTree>
     <p:extLst>
       <p:ext uri="{BB962C8B-B14F-4D97-AF65-F5344CB8AC3E}">
-        <p14:creationId xmlns:p14="http://schemas.microsoft.com/office/powerpoint/2010/main" val="3260513138"/>
+        <p14:creationId xmlns:p14="http://schemas.microsoft.com/office/powerpoint/2010/main" val="2222260339"/>
       </p:ext>
     </p:extLst>
   </p:cSld>
@@ -7553,7 +10716,7 @@
           <p:cNvPr id="2" name="Title 1">
             <a:extLst>
               <a:ext uri="{FF2B5EF4-FFF2-40B4-BE49-F238E27FC236}">
-                <a16:creationId xmlns:a16="http://schemas.microsoft.com/office/drawing/2014/main" id="{B4624994-688C-F748-D0F3-7FECD289757C}"/>
+                <a16:creationId xmlns:a16="http://schemas.microsoft.com/office/drawing/2014/main" id="{0B711F40-35E0-EF3D-847D-ECAB633B3C16}"/>
               </a:ext>
             </a:extLst>
           </p:cNvPr>
@@ -7567,24 +10730,27 @@
         <p:spPr/>
         <p:txBody>
           <a:bodyPr>
-            <a:normAutofit fontScale="90000"/>
+            <a:noAutofit/>
           </a:bodyPr>
           <a:lstStyle/>
           <a:p>
             <a:r>
-              <a:rPr lang="en-US" dirty="0"/>
-              <a:t>Did the pandemic affect the peak hours of transportation (primarily trains) in Melbourne?</a:t>
-            </a:r>
-            <a:endParaRPr lang="en-AU" dirty="0"/>
-          </a:p>
-        </p:txBody>
-      </p:sp>
-      <p:sp>
-        <p:nvSpPr>
-          <p:cNvPr id="3" name="Content Placeholder 2">
+              <a:rPr lang="en-US" sz="3200" dirty="0"/>
+              <a:t>Which municipality saw the greatest change in public transport usage, and which station saw the greatest change in the City of Melbourne?</a:t>
+            </a:r>
+            <a:br>
+              <a:rPr lang="en-US" sz="3200" dirty="0"/>
+            </a:br>
+            <a:endParaRPr lang="en-AU" sz="3200" dirty="0"/>
+          </a:p>
+        </p:txBody>
+      </p:sp>
+      <p:sp>
+        <p:nvSpPr>
+          <p:cNvPr id="4" name="Content Placeholder 3">
             <a:extLst>
               <a:ext uri="{FF2B5EF4-FFF2-40B4-BE49-F238E27FC236}">
-                <a16:creationId xmlns:a16="http://schemas.microsoft.com/office/drawing/2014/main" id="{80325387-37E3-91B3-D7AE-36CA75F1CD43}"/>
+                <a16:creationId xmlns:a16="http://schemas.microsoft.com/office/drawing/2014/main" id="{D9A4C308-281C-FDA2-877A-6DB1CF0852B1}"/>
               </a:ext>
             </a:extLst>
           </p:cNvPr>
@@ -7600,17 +10766,83 @@
           <a:bodyPr/>
           <a:lstStyle/>
           <a:p>
-            <a:r>
-              <a:rPr lang="en-US" dirty="0"/>
-              <a:t>Statistical Analysis for </a:t>
-            </a:r>
-            <a:r>
-              <a:rPr lang="en-US" dirty="0" err="1"/>
-              <a:t>Visualisation</a:t>
-            </a:r>
-            <a:r>
-              <a:rPr lang="en-US" dirty="0"/>
-              <a:t> 1</a:t>
+            <a:pPr marL="457200" indent="-457200">
+              <a:buAutoNum type="arabicPeriod"/>
+            </a:pPr>
+            <a:endParaRPr lang="en-US" b="0" i="0" dirty="0">
+              <a:solidFill>
+                <a:srgbClr val="D1D2D3"/>
+              </a:solidFill>
+              <a:effectLst/>
+              <a:latin typeface="Slack-Lato"/>
+            </a:endParaRPr>
+          </a:p>
+          <a:p>
+            <a:pPr marL="457200" indent="-457200">
+              <a:buAutoNum type="arabicPeriod"/>
+            </a:pPr>
+            <a:endParaRPr lang="en-US" dirty="0">
+              <a:solidFill>
+                <a:srgbClr val="D1D2D3"/>
+              </a:solidFill>
+              <a:latin typeface="Slack-Lato"/>
+            </a:endParaRPr>
+          </a:p>
+          <a:p>
+            <a:pPr marL="457200" indent="-457200">
+              <a:buAutoNum type="arabicPeriod"/>
+            </a:pPr>
+            <a:r>
+              <a:rPr lang="en-US" b="0" i="0" dirty="0">
+                <a:solidFill>
+                  <a:srgbClr val="D1D2D3"/>
+                </a:solidFill>
+                <a:effectLst/>
+                <a:latin typeface="Slack-Lato"/>
+              </a:rPr>
+              <a:t>Public Transport Usage dropped around 60% between FY18-22. City of Melton, City of Wyndham and City of Melbourne have the biggest decrease.</a:t>
+            </a:r>
+            <a:endParaRPr lang="en-US" dirty="0">
+              <a:solidFill>
+                <a:srgbClr val="D1D2D3"/>
+              </a:solidFill>
+              <a:latin typeface="Slack-Lato"/>
+            </a:endParaRPr>
+          </a:p>
+          <a:p>
+            <a:pPr marL="457200" indent="-457200">
+              <a:buAutoNum type="arabicPeriod"/>
+            </a:pPr>
+            <a:r>
+              <a:rPr lang="en-US" b="0" i="0" dirty="0">
+                <a:solidFill>
+                  <a:srgbClr val="D1D2D3"/>
+                </a:solidFill>
+                <a:effectLst/>
+                <a:latin typeface="Slack-Lato"/>
+              </a:rPr>
+              <a:t>In the City of Melbourne, Showgrounds and Flemington Racecourse have the greatest change.</a:t>
+            </a:r>
+            <a:endParaRPr lang="en-US" dirty="0">
+              <a:solidFill>
+                <a:srgbClr val="D1D2D3"/>
+              </a:solidFill>
+              <a:latin typeface="Slack-Lato"/>
+            </a:endParaRPr>
+          </a:p>
+          <a:p>
+            <a:pPr marL="457200" indent="-457200">
+              <a:buAutoNum type="arabicPeriod"/>
+            </a:pPr>
+            <a:r>
+              <a:rPr lang="en-US" b="0" i="0" dirty="0">
+                <a:solidFill>
+                  <a:srgbClr val="D1D2D3"/>
+                </a:solidFill>
+                <a:effectLst/>
+                <a:latin typeface="Slack-Lato"/>
+              </a:rPr>
+              <a:t>The volume of public transport usage has decreased between 2018-2022. Also, the decline of the station's usage in the City of Melbourne more than the Greater Melbourne.</a:t>
             </a:r>
             <a:endParaRPr lang="en-AU" dirty="0"/>
           </a:p>
@@ -7619,7 +10851,7 @@
     </p:spTree>
     <p:extLst>
       <p:ext uri="{BB962C8B-B14F-4D97-AF65-F5344CB8AC3E}">
-        <p14:creationId xmlns:p14="http://schemas.microsoft.com/office/powerpoint/2010/main" val="120824308"/>
+        <p14:creationId xmlns:p14="http://schemas.microsoft.com/office/powerpoint/2010/main" val="3673271287"/>
       </p:ext>
     </p:extLst>
   </p:cSld>
@@ -7651,7 +10883,7 @@
           <p:cNvPr id="2" name="Title 1">
             <a:extLst>
               <a:ext uri="{FF2B5EF4-FFF2-40B4-BE49-F238E27FC236}">
-                <a16:creationId xmlns:a16="http://schemas.microsoft.com/office/drawing/2014/main" id="{0B711F40-35E0-EF3D-847D-ECAB633B3C16}"/>
+                <a16:creationId xmlns:a16="http://schemas.microsoft.com/office/drawing/2014/main" id="{B4624994-688C-F748-D0F3-7FECD289757C}"/>
               </a:ext>
             </a:extLst>
           </p:cNvPr>
@@ -7665,15 +10897,15 @@
         <p:spPr/>
         <p:txBody>
           <a:bodyPr>
-            <a:normAutofit fontScale="90000"/>
+            <a:noAutofit/>
           </a:bodyPr>
           <a:lstStyle/>
           <a:p>
             <a:r>
-              <a:rPr lang="en-US" dirty="0"/>
-              <a:t>Did the pandemic affect the peak hours of transportation (primarily trains) in Melbourne?</a:t>
-            </a:r>
-            <a:endParaRPr lang="en-AU" dirty="0"/>
+              <a:rPr lang="en-US" sz="3200" dirty="0"/>
+              <a:t>Did the pandemic affect the peak hours of train usage in Metropolitan Melbourne?</a:t>
+            </a:r>
+            <a:endParaRPr lang="en-AU" sz="3200" dirty="0"/>
           </a:p>
         </p:txBody>
       </p:sp>
@@ -7682,7 +10914,7 @@
           <p:cNvPr id="3" name="Content Placeholder 2">
             <a:extLst>
               <a:ext uri="{FF2B5EF4-FFF2-40B4-BE49-F238E27FC236}">
-                <a16:creationId xmlns:a16="http://schemas.microsoft.com/office/drawing/2014/main" id="{1F40318B-36E3-B372-8198-BC86DBA79DF0}"/>
+                <a16:creationId xmlns:a16="http://schemas.microsoft.com/office/drawing/2014/main" id="{80325387-37E3-91B3-D7AE-36CA75F1CD43}"/>
               </a:ext>
             </a:extLst>
           </p:cNvPr>
@@ -7700,15 +10932,7 @@
           <a:p>
             <a:r>
               <a:rPr lang="en-US" dirty="0"/>
-              <a:t>Statistical Analysis for </a:t>
-            </a:r>
-            <a:r>
-              <a:rPr lang="en-US" dirty="0" err="1"/>
-              <a:t>Visualisation</a:t>
-            </a:r>
-            <a:r>
-              <a:rPr lang="en-US" dirty="0"/>
-              <a:t> 2</a:t>
+              <a:t>Screenshots of code</a:t>
             </a:r>
             <a:endParaRPr lang="en-AU" dirty="0"/>
           </a:p>
@@ -7717,7 +10941,7 @@
     </p:spTree>
     <p:extLst>
       <p:ext uri="{BB962C8B-B14F-4D97-AF65-F5344CB8AC3E}">
-        <p14:creationId xmlns:p14="http://schemas.microsoft.com/office/powerpoint/2010/main" val="2317153200"/>
+        <p14:creationId xmlns:p14="http://schemas.microsoft.com/office/powerpoint/2010/main" val="1694452637"/>
       </p:ext>
     </p:extLst>
   </p:cSld>
@@ -7749,7 +10973,7 @@
           <p:cNvPr id="2" name="Title 1">
             <a:extLst>
               <a:ext uri="{FF2B5EF4-FFF2-40B4-BE49-F238E27FC236}">
-                <a16:creationId xmlns:a16="http://schemas.microsoft.com/office/drawing/2014/main" id="{25E20EA3-2CE1-41A8-B966-23875DDADF00}"/>
+                <a16:creationId xmlns:a16="http://schemas.microsoft.com/office/drawing/2014/main" id="{0B711F40-35E0-EF3D-847D-ECAB633B3C16}"/>
               </a:ext>
             </a:extLst>
           </p:cNvPr>
@@ -7762,14 +10986,16 @@
         </p:nvSpPr>
         <p:spPr/>
         <p:txBody>
-          <a:bodyPr/>
+          <a:bodyPr>
+            <a:noAutofit/>
+          </a:bodyPr>
           <a:lstStyle/>
           <a:p>
             <a:r>
-              <a:rPr lang="en-US" dirty="0"/>
-              <a:t>Conclusions</a:t>
-            </a:r>
-            <a:endParaRPr lang="en-AU" dirty="0"/>
+              <a:rPr lang="en-US" sz="3200" dirty="0"/>
+              <a:t>Did the pandemic affect the peak hours of train usage in Metropolitan Melbourne?</a:t>
+            </a:r>
+            <a:endParaRPr lang="en-AU" sz="3200" dirty="0"/>
           </a:p>
         </p:txBody>
       </p:sp>
@@ -7778,7 +11004,7 @@
           <p:cNvPr id="3" name="Content Placeholder 2">
             <a:extLst>
               <a:ext uri="{FF2B5EF4-FFF2-40B4-BE49-F238E27FC236}">
-                <a16:creationId xmlns:a16="http://schemas.microsoft.com/office/drawing/2014/main" id="{618D4021-91B6-9DED-99F0-85D2A6A198EC}"/>
+                <a16:creationId xmlns:a16="http://schemas.microsoft.com/office/drawing/2014/main" id="{1F40318B-36E3-B372-8198-BC86DBA79DF0}"/>
               </a:ext>
             </a:extLst>
           </p:cNvPr>
@@ -7794,6 +11020,10 @@
           <a:bodyPr/>
           <a:lstStyle/>
           <a:p>
+            <a:r>
+              <a:rPr lang="en-US" dirty="0"/>
+              <a:t>More code</a:t>
+            </a:r>
             <a:endParaRPr lang="en-AU" dirty="0"/>
           </a:p>
         </p:txBody>
@@ -7801,7 +11031,7 @@
     </p:spTree>
     <p:extLst>
       <p:ext uri="{BB962C8B-B14F-4D97-AF65-F5344CB8AC3E}">
-        <p14:creationId xmlns:p14="http://schemas.microsoft.com/office/powerpoint/2010/main" val="273009146"/>
+        <p14:creationId xmlns:p14="http://schemas.microsoft.com/office/powerpoint/2010/main" val="4080132962"/>
       </p:ext>
     </p:extLst>
   </p:cSld>
@@ -7812,6 +11042,227 @@
 </file>
 
 <file path=ppt/slides/slide3.xml><?xml version="1.0" encoding="utf-8"?>
+<p:sld xmlns:a="http://schemas.openxmlformats.org/drawingml/2006/main" xmlns:r="http://schemas.openxmlformats.org/officeDocument/2006/relationships" xmlns:p="http://schemas.openxmlformats.org/presentationml/2006/main">
+  <p:cSld>
+    <p:bg>
+      <p:bgPr>
+        <a:solidFill>
+          <a:schemeClr val="bg1"/>
+        </a:solidFill>
+        <a:effectLst/>
+      </p:bgPr>
+    </p:bg>
+    <p:spTree>
+      <p:nvGrpSpPr>
+        <p:cNvPr id="1" name=""/>
+        <p:cNvGrpSpPr/>
+        <p:nvPr/>
+      </p:nvGrpSpPr>
+      <p:grpSpPr>
+        <a:xfrm>
+          <a:off x="0" y="0"/>
+          <a:ext cx="0" cy="0"/>
+          <a:chOff x="0" y="0"/>
+          <a:chExt cx="0" cy="0"/>
+        </a:xfrm>
+      </p:grpSpPr>
+      <p:sp>
+        <p:nvSpPr>
+          <p:cNvPr id="9" name="Rectangle 8">
+            <a:extLst>
+              <a:ext uri="{FF2B5EF4-FFF2-40B4-BE49-F238E27FC236}">
+                <a16:creationId xmlns:a16="http://schemas.microsoft.com/office/drawing/2014/main" id="{1EA5387D-64D8-4D6C-B109-FF4E81DF609A}"/>
+              </a:ext>
+              <a:ext uri="{C183D7F6-B498-43B3-948B-1728B52AA6E4}">
+                <adec:decorative xmlns:adec="http://schemas.microsoft.com/office/drawing/2017/decorative" val="1"/>
+              </a:ext>
+            </a:extLst>
+          </p:cNvPr>
+          <p:cNvSpPr>
+            <a:spLocks noGrp="1" noRot="1" noChangeAspect="1" noMove="1" noResize="1" noEditPoints="1" noAdjustHandles="1" noChangeArrowheads="1" noChangeShapeType="1" noTextEdit="1"/>
+          </p:cNvSpPr>
+          <p:nvPr>
+            <p:extLst>
+              <p:ext uri="{386F3935-93C4-4BCD-93E2-E3B085C9AB24}">
+                <p16:designElem xmlns:p16="http://schemas.microsoft.com/office/powerpoint/2015/main" val="1"/>
+              </p:ext>
+            </p:extLst>
+          </p:nvPr>
+        </p:nvSpPr>
+        <p:spPr>
+          <a:xfrm>
+            <a:off x="0" y="0"/>
+            <a:ext cx="12192000" cy="6858000"/>
+          </a:xfrm>
+          <a:prstGeom prst="rect">
+            <a:avLst/>
+          </a:prstGeom>
+          <a:solidFill>
+            <a:schemeClr val="bg1"/>
+          </a:solidFill>
+          <a:ln>
+            <a:noFill/>
+          </a:ln>
+        </p:spPr>
+        <p:style>
+          <a:lnRef idx="2">
+            <a:schemeClr val="accent1">
+              <a:shade val="50000"/>
+            </a:schemeClr>
+          </a:lnRef>
+          <a:fillRef idx="1">
+            <a:schemeClr val="accent1"/>
+          </a:fillRef>
+          <a:effectRef idx="0">
+            <a:schemeClr val="accent1"/>
+          </a:effectRef>
+          <a:fontRef idx="minor">
+            <a:schemeClr val="lt1"/>
+          </a:fontRef>
+        </p:style>
+        <p:txBody>
+          <a:bodyPr rtlCol="0" anchor="ctr"/>
+          <a:lstStyle/>
+          <a:p>
+            <a:pPr algn="ctr"/>
+            <a:endParaRPr lang="en-US"/>
+          </a:p>
+        </p:txBody>
+      </p:sp>
+      <p:pic>
+        <p:nvPicPr>
+          <p:cNvPr id="23" name="Picture 4" descr="High speed train with motion blur effect">
+            <a:extLst>
+              <a:ext uri="{FF2B5EF4-FFF2-40B4-BE49-F238E27FC236}">
+                <a16:creationId xmlns:a16="http://schemas.microsoft.com/office/drawing/2014/main" id="{7634B81E-83C5-AAA7-CF6B-B57EB1CDB2D4}"/>
+              </a:ext>
+            </a:extLst>
+          </p:cNvPr>
+          <p:cNvPicPr>
+            <a:picLocks noChangeAspect="1"/>
+          </p:cNvPicPr>
+          <p:nvPr/>
+        </p:nvPicPr>
+        <p:blipFill rotWithShape="1">
+          <a:blip r:embed="rId2">
+            <a:alphaModFix amt="30000"/>
+          </a:blip>
+          <a:srcRect t="15730"/>
+          <a:stretch/>
+        </p:blipFill>
+        <p:spPr>
+          <a:xfrm>
+            <a:off x="20" y="10"/>
+            <a:ext cx="12191980" cy="6857990"/>
+          </a:xfrm>
+          <a:prstGeom prst="rect">
+            <a:avLst/>
+          </a:prstGeom>
+        </p:spPr>
+      </p:pic>
+      <p:sp>
+        <p:nvSpPr>
+          <p:cNvPr id="2" name="Title 1">
+            <a:extLst>
+              <a:ext uri="{FF2B5EF4-FFF2-40B4-BE49-F238E27FC236}">
+                <a16:creationId xmlns:a16="http://schemas.microsoft.com/office/drawing/2014/main" id="{CD4BFFEA-886A-89DB-84D9-076D5A7EE301}"/>
+              </a:ext>
+            </a:extLst>
+          </p:cNvPr>
+          <p:cNvSpPr>
+            <a:spLocks noGrp="1"/>
+          </p:cNvSpPr>
+          <p:nvPr>
+            <p:ph type="title"/>
+          </p:nvPr>
+        </p:nvSpPr>
+        <p:spPr>
+          <a:xfrm>
+            <a:off x="2895600" y="764373"/>
+            <a:ext cx="8610600" cy="1293028"/>
+          </a:xfrm>
+        </p:spPr>
+        <p:txBody>
+          <a:bodyPr>
+            <a:normAutofit/>
+          </a:bodyPr>
+          <a:lstStyle/>
+          <a:p>
+            <a:r>
+              <a:rPr lang="en-US"/>
+              <a:t>Our Questions</a:t>
+            </a:r>
+            <a:endParaRPr lang="en-AU" dirty="0"/>
+          </a:p>
+        </p:txBody>
+      </p:sp>
+      <p:sp>
+        <p:nvSpPr>
+          <p:cNvPr id="3" name="Content Placeholder 2">
+            <a:extLst>
+              <a:ext uri="{FF2B5EF4-FFF2-40B4-BE49-F238E27FC236}">
+                <a16:creationId xmlns:a16="http://schemas.microsoft.com/office/drawing/2014/main" id="{64BC574A-86AD-0D37-CB94-899D3AFD2A7D}"/>
+              </a:ext>
+            </a:extLst>
+          </p:cNvPr>
+          <p:cNvSpPr>
+            <a:spLocks noGrp="1"/>
+          </p:cNvSpPr>
+          <p:nvPr>
+            <p:ph idx="1"/>
+          </p:nvPr>
+        </p:nvSpPr>
+        <p:spPr>
+          <a:xfrm>
+            <a:off x="685800" y="2194560"/>
+            <a:ext cx="10820400" cy="4024125"/>
+          </a:xfrm>
+        </p:spPr>
+        <p:txBody>
+          <a:bodyPr>
+            <a:normAutofit/>
+          </a:bodyPr>
+          <a:lstStyle/>
+          <a:p>
+            <a:r>
+              <a:rPr lang="en-US" dirty="0"/>
+              <a:t>How has each of the different modes of public transport increased or decreased in usage in light of the pandemic? – Henry</a:t>
+            </a:r>
+          </a:p>
+          <a:p>
+            <a:r>
+              <a:rPr lang="en-US" dirty="0"/>
+              <a:t>Which municipality saw the greatest change in public transport usage, and which station saw the greatest change in the City of Melbourne? - Tao</a:t>
+            </a:r>
+          </a:p>
+          <a:p>
+            <a:r>
+              <a:rPr lang="en-US" dirty="0"/>
+              <a:t>Did the pandemic affect the peak hours of train usage in Metropolitan Melbourne? - Jai</a:t>
+            </a:r>
+          </a:p>
+          <a:p>
+            <a:r>
+              <a:rPr lang="en-US" dirty="0"/>
+              <a:t>How has the volume of pedestrian traffic in Melbourne’s CBD evolved over the time frame? - Owen</a:t>
+            </a:r>
+          </a:p>
+        </p:txBody>
+      </p:sp>
+    </p:spTree>
+    <p:extLst>
+      <p:ext uri="{BB962C8B-B14F-4D97-AF65-F5344CB8AC3E}">
+        <p14:creationId xmlns:p14="http://schemas.microsoft.com/office/powerpoint/2010/main" val="3435103756"/>
+      </p:ext>
+    </p:extLst>
+  </p:cSld>
+  <p:clrMapOvr>
+    <a:masterClrMapping/>
+  </p:clrMapOvr>
+</p:sld>
+</file>
+
+<file path=ppt/slides/slide30.xml><?xml version="1.0" encoding="utf-8"?>
 <p:sld xmlns:a="http://schemas.openxmlformats.org/drawingml/2006/main" xmlns:r="http://schemas.openxmlformats.org/officeDocument/2006/relationships" xmlns:p="http://schemas.openxmlformats.org/presentationml/2006/main">
   <p:cSld>
     <p:spTree>
@@ -7833,7 +11284,7 @@
           <p:cNvPr id="2" name="Title 1">
             <a:extLst>
               <a:ext uri="{FF2B5EF4-FFF2-40B4-BE49-F238E27FC236}">
-                <a16:creationId xmlns:a16="http://schemas.microsoft.com/office/drawing/2014/main" id="{CD4BFFEA-886A-89DB-84D9-076D5A7EE301}"/>
+                <a16:creationId xmlns:a16="http://schemas.microsoft.com/office/drawing/2014/main" id="{B4624994-688C-F748-D0F3-7FECD289757C}"/>
               </a:ext>
             </a:extLst>
           </p:cNvPr>
@@ -7846,14 +11297,16 @@
         </p:nvSpPr>
         <p:spPr/>
         <p:txBody>
-          <a:bodyPr/>
+          <a:bodyPr>
+            <a:noAutofit/>
+          </a:bodyPr>
           <a:lstStyle/>
           <a:p>
             <a:r>
-              <a:rPr lang="en-US" dirty="0"/>
-              <a:t>Our Questions</a:t>
-            </a:r>
-            <a:endParaRPr lang="en-AU" dirty="0"/>
+              <a:rPr lang="en-US" sz="3200" dirty="0"/>
+              <a:t>Did the pandemic affect the peak hours of train usage in Metropolitan Melbourne?</a:t>
+            </a:r>
+            <a:endParaRPr lang="en-AU" sz="3200" dirty="0"/>
           </a:p>
         </p:txBody>
       </p:sp>
@@ -7862,7 +11315,7 @@
           <p:cNvPr id="3" name="Content Placeholder 2">
             <a:extLst>
               <a:ext uri="{FF2B5EF4-FFF2-40B4-BE49-F238E27FC236}">
-                <a16:creationId xmlns:a16="http://schemas.microsoft.com/office/drawing/2014/main" id="{64BC574A-86AD-0D37-CB94-899D3AFD2A7D}"/>
+                <a16:creationId xmlns:a16="http://schemas.microsoft.com/office/drawing/2014/main" id="{80325387-37E3-91B3-D7AE-36CA75F1CD43}"/>
               </a:ext>
             </a:extLst>
           </p:cNvPr>
@@ -7879,26 +11332,12 @@
           <a:lstStyle/>
           <a:p>
             <a:r>
+              <a:rPr lang="en-US" dirty="0" err="1"/>
+              <a:t>Visualisation</a:t>
+            </a:r>
+            <a:r>
               <a:rPr lang="en-US" dirty="0"/>
-              <a:t>Which stations saw the greatest change in public transport usage/pedestrian traffic?</a:t>
-            </a:r>
-          </a:p>
-          <a:p>
-            <a:r>
-              <a:rPr lang="en-US" dirty="0"/>
-              <a:t>How has each of the different modes of public transport increased or decreased in usage?</a:t>
-            </a:r>
-          </a:p>
-          <a:p>
-            <a:r>
-              <a:rPr lang="en-US" dirty="0"/>
-              <a:t>How has the volume of pedestrian traffic in Melbourne’s CBD evolved over the time frame?</a:t>
-            </a:r>
-          </a:p>
-          <a:p>
-            <a:r>
-              <a:rPr lang="en-US" dirty="0"/>
-              <a:t>Did the pandemic affect the peak hours of transportation (primarily trains) in Melbourne?</a:t>
+              <a:t> 1</a:t>
             </a:r>
             <a:endParaRPr lang="en-AU" dirty="0"/>
           </a:p>
@@ -7907,7 +11346,7 @@
     </p:spTree>
     <p:extLst>
       <p:ext uri="{BB962C8B-B14F-4D97-AF65-F5344CB8AC3E}">
-        <p14:creationId xmlns:p14="http://schemas.microsoft.com/office/powerpoint/2010/main" val="3435103756"/>
+        <p14:creationId xmlns:p14="http://schemas.microsoft.com/office/powerpoint/2010/main" val="554273810"/>
       </p:ext>
     </p:extLst>
   </p:cSld>
@@ -7917,7 +11356,7 @@
 </p:sld>
 </file>
 
-<file path=ppt/slides/slide4.xml><?xml version="1.0" encoding="utf-8"?>
+<file path=ppt/slides/slide31.xml><?xml version="1.0" encoding="utf-8"?>
 <p:sld xmlns:a="http://schemas.openxmlformats.org/drawingml/2006/main" xmlns:r="http://schemas.openxmlformats.org/officeDocument/2006/relationships" xmlns:p="http://schemas.openxmlformats.org/presentationml/2006/main">
   <p:cSld>
     <p:spTree>
@@ -7939,6 +11378,973 @@
           <p:cNvPr id="2" name="Title 1">
             <a:extLst>
               <a:ext uri="{FF2B5EF4-FFF2-40B4-BE49-F238E27FC236}">
+                <a16:creationId xmlns:a16="http://schemas.microsoft.com/office/drawing/2014/main" id="{0B711F40-35E0-EF3D-847D-ECAB633B3C16}"/>
+              </a:ext>
+            </a:extLst>
+          </p:cNvPr>
+          <p:cNvSpPr>
+            <a:spLocks noGrp="1"/>
+          </p:cNvSpPr>
+          <p:nvPr>
+            <p:ph type="title"/>
+          </p:nvPr>
+        </p:nvSpPr>
+        <p:spPr/>
+        <p:txBody>
+          <a:bodyPr>
+            <a:noAutofit/>
+          </a:bodyPr>
+          <a:lstStyle/>
+          <a:p>
+            <a:r>
+              <a:rPr lang="en-US" sz="3200" dirty="0"/>
+              <a:t>Did the pandemic affect the peak hours of train usage in Metropolitan Melbourne?</a:t>
+            </a:r>
+            <a:endParaRPr lang="en-AU" sz="3200" dirty="0"/>
+          </a:p>
+        </p:txBody>
+      </p:sp>
+      <p:sp>
+        <p:nvSpPr>
+          <p:cNvPr id="3" name="Content Placeholder 2">
+            <a:extLst>
+              <a:ext uri="{FF2B5EF4-FFF2-40B4-BE49-F238E27FC236}">
+                <a16:creationId xmlns:a16="http://schemas.microsoft.com/office/drawing/2014/main" id="{1F40318B-36E3-B372-8198-BC86DBA79DF0}"/>
+              </a:ext>
+            </a:extLst>
+          </p:cNvPr>
+          <p:cNvSpPr>
+            <a:spLocks noGrp="1"/>
+          </p:cNvSpPr>
+          <p:nvPr>
+            <p:ph idx="1"/>
+          </p:nvPr>
+        </p:nvSpPr>
+        <p:spPr/>
+        <p:txBody>
+          <a:bodyPr/>
+          <a:lstStyle/>
+          <a:p>
+            <a:r>
+              <a:rPr lang="en-US" dirty="0" err="1"/>
+              <a:t>Visualisation</a:t>
+            </a:r>
+            <a:r>
+              <a:rPr lang="en-US" dirty="0"/>
+              <a:t> 2</a:t>
+            </a:r>
+            <a:endParaRPr lang="en-AU" dirty="0"/>
+          </a:p>
+        </p:txBody>
+      </p:sp>
+    </p:spTree>
+    <p:extLst>
+      <p:ext uri="{BB962C8B-B14F-4D97-AF65-F5344CB8AC3E}">
+        <p14:creationId xmlns:p14="http://schemas.microsoft.com/office/powerpoint/2010/main" val="3260513138"/>
+      </p:ext>
+    </p:extLst>
+  </p:cSld>
+  <p:clrMapOvr>
+    <a:masterClrMapping/>
+  </p:clrMapOvr>
+</p:sld>
+</file>
+
+<file path=ppt/slides/slide32.xml><?xml version="1.0" encoding="utf-8"?>
+<p:sld xmlns:a="http://schemas.openxmlformats.org/drawingml/2006/main" xmlns:r="http://schemas.openxmlformats.org/officeDocument/2006/relationships" xmlns:p="http://schemas.openxmlformats.org/presentationml/2006/main">
+  <p:cSld>
+    <p:spTree>
+      <p:nvGrpSpPr>
+        <p:cNvPr id="1" name=""/>
+        <p:cNvGrpSpPr/>
+        <p:nvPr/>
+      </p:nvGrpSpPr>
+      <p:grpSpPr>
+        <a:xfrm>
+          <a:off x="0" y="0"/>
+          <a:ext cx="0" cy="0"/>
+          <a:chOff x="0" y="0"/>
+          <a:chExt cx="0" cy="0"/>
+        </a:xfrm>
+      </p:grpSpPr>
+      <p:sp>
+        <p:nvSpPr>
+          <p:cNvPr id="2" name="Title 1">
+            <a:extLst>
+              <a:ext uri="{FF2B5EF4-FFF2-40B4-BE49-F238E27FC236}">
+                <a16:creationId xmlns:a16="http://schemas.microsoft.com/office/drawing/2014/main" id="{B4624994-688C-F748-D0F3-7FECD289757C}"/>
+              </a:ext>
+            </a:extLst>
+          </p:cNvPr>
+          <p:cNvSpPr>
+            <a:spLocks noGrp="1"/>
+          </p:cNvSpPr>
+          <p:nvPr>
+            <p:ph type="title"/>
+          </p:nvPr>
+        </p:nvSpPr>
+        <p:spPr/>
+        <p:txBody>
+          <a:bodyPr>
+            <a:noAutofit/>
+          </a:bodyPr>
+          <a:lstStyle/>
+          <a:p>
+            <a:r>
+              <a:rPr lang="en-US" sz="3200" dirty="0"/>
+              <a:t>Did the pandemic affect the peak hours of train usage in Metropolitan Melbourne?</a:t>
+            </a:r>
+            <a:endParaRPr lang="en-AU" sz="3200" dirty="0"/>
+          </a:p>
+        </p:txBody>
+      </p:sp>
+      <p:sp>
+        <p:nvSpPr>
+          <p:cNvPr id="3" name="Content Placeholder 2">
+            <a:extLst>
+              <a:ext uri="{FF2B5EF4-FFF2-40B4-BE49-F238E27FC236}">
+                <a16:creationId xmlns:a16="http://schemas.microsoft.com/office/drawing/2014/main" id="{80325387-37E3-91B3-D7AE-36CA75F1CD43}"/>
+              </a:ext>
+            </a:extLst>
+          </p:cNvPr>
+          <p:cNvSpPr>
+            <a:spLocks noGrp="1"/>
+          </p:cNvSpPr>
+          <p:nvPr>
+            <p:ph idx="1"/>
+          </p:nvPr>
+        </p:nvSpPr>
+        <p:spPr/>
+        <p:txBody>
+          <a:bodyPr/>
+          <a:lstStyle/>
+          <a:p>
+            <a:r>
+              <a:rPr lang="en-US" dirty="0"/>
+              <a:t>Statistical Analysis for </a:t>
+            </a:r>
+            <a:r>
+              <a:rPr lang="en-US" dirty="0" err="1"/>
+              <a:t>Visualisation</a:t>
+            </a:r>
+            <a:r>
+              <a:rPr lang="en-US" dirty="0"/>
+              <a:t> 1</a:t>
+            </a:r>
+            <a:endParaRPr lang="en-AU" dirty="0"/>
+          </a:p>
+        </p:txBody>
+      </p:sp>
+    </p:spTree>
+    <p:extLst>
+      <p:ext uri="{BB962C8B-B14F-4D97-AF65-F5344CB8AC3E}">
+        <p14:creationId xmlns:p14="http://schemas.microsoft.com/office/powerpoint/2010/main" val="120824308"/>
+      </p:ext>
+    </p:extLst>
+  </p:cSld>
+  <p:clrMapOvr>
+    <a:masterClrMapping/>
+  </p:clrMapOvr>
+</p:sld>
+</file>
+
+<file path=ppt/slides/slide33.xml><?xml version="1.0" encoding="utf-8"?>
+<p:sld xmlns:a="http://schemas.openxmlformats.org/drawingml/2006/main" xmlns:r="http://schemas.openxmlformats.org/officeDocument/2006/relationships" xmlns:p="http://schemas.openxmlformats.org/presentationml/2006/main">
+  <p:cSld>
+    <p:spTree>
+      <p:nvGrpSpPr>
+        <p:cNvPr id="1" name=""/>
+        <p:cNvGrpSpPr/>
+        <p:nvPr/>
+      </p:nvGrpSpPr>
+      <p:grpSpPr>
+        <a:xfrm>
+          <a:off x="0" y="0"/>
+          <a:ext cx="0" cy="0"/>
+          <a:chOff x="0" y="0"/>
+          <a:chExt cx="0" cy="0"/>
+        </a:xfrm>
+      </p:grpSpPr>
+      <p:sp>
+        <p:nvSpPr>
+          <p:cNvPr id="2" name="Title 1">
+            <a:extLst>
+              <a:ext uri="{FF2B5EF4-FFF2-40B4-BE49-F238E27FC236}">
+                <a16:creationId xmlns:a16="http://schemas.microsoft.com/office/drawing/2014/main" id="{0B711F40-35E0-EF3D-847D-ECAB633B3C16}"/>
+              </a:ext>
+            </a:extLst>
+          </p:cNvPr>
+          <p:cNvSpPr>
+            <a:spLocks noGrp="1"/>
+          </p:cNvSpPr>
+          <p:nvPr>
+            <p:ph type="title"/>
+          </p:nvPr>
+        </p:nvSpPr>
+        <p:spPr/>
+        <p:txBody>
+          <a:bodyPr>
+            <a:noAutofit/>
+          </a:bodyPr>
+          <a:lstStyle/>
+          <a:p>
+            <a:r>
+              <a:rPr lang="en-US" sz="3200" dirty="0"/>
+              <a:t>Did the pandemic affect the peak hours of train usage in Metropolitan Melbourne?</a:t>
+            </a:r>
+            <a:endParaRPr lang="en-AU" sz="3200" dirty="0"/>
+          </a:p>
+        </p:txBody>
+      </p:sp>
+      <p:sp>
+        <p:nvSpPr>
+          <p:cNvPr id="3" name="Content Placeholder 2">
+            <a:extLst>
+              <a:ext uri="{FF2B5EF4-FFF2-40B4-BE49-F238E27FC236}">
+                <a16:creationId xmlns:a16="http://schemas.microsoft.com/office/drawing/2014/main" id="{1F40318B-36E3-B372-8198-BC86DBA79DF0}"/>
+              </a:ext>
+            </a:extLst>
+          </p:cNvPr>
+          <p:cNvSpPr>
+            <a:spLocks noGrp="1"/>
+          </p:cNvSpPr>
+          <p:nvPr>
+            <p:ph idx="1"/>
+          </p:nvPr>
+        </p:nvSpPr>
+        <p:spPr/>
+        <p:txBody>
+          <a:bodyPr/>
+          <a:lstStyle/>
+          <a:p>
+            <a:r>
+              <a:rPr lang="en-US" dirty="0"/>
+              <a:t>Statistical Analysis for </a:t>
+            </a:r>
+            <a:r>
+              <a:rPr lang="en-US" dirty="0" err="1"/>
+              <a:t>Visualisation</a:t>
+            </a:r>
+            <a:r>
+              <a:rPr lang="en-US" dirty="0"/>
+              <a:t> 2</a:t>
+            </a:r>
+            <a:endParaRPr lang="en-AU" dirty="0"/>
+          </a:p>
+        </p:txBody>
+      </p:sp>
+    </p:spTree>
+    <p:extLst>
+      <p:ext uri="{BB962C8B-B14F-4D97-AF65-F5344CB8AC3E}">
+        <p14:creationId xmlns:p14="http://schemas.microsoft.com/office/powerpoint/2010/main" val="2317153200"/>
+      </p:ext>
+    </p:extLst>
+  </p:cSld>
+  <p:clrMapOvr>
+    <a:masterClrMapping/>
+  </p:clrMapOvr>
+</p:sld>
+</file>
+
+<file path=ppt/slides/slide34.xml><?xml version="1.0" encoding="utf-8"?>
+<p:sld xmlns:a="http://schemas.openxmlformats.org/drawingml/2006/main" xmlns:r="http://schemas.openxmlformats.org/officeDocument/2006/relationships" xmlns:p="http://schemas.openxmlformats.org/presentationml/2006/main">
+  <p:cSld>
+    <p:spTree>
+      <p:nvGrpSpPr>
+        <p:cNvPr id="1" name=""/>
+        <p:cNvGrpSpPr/>
+        <p:nvPr/>
+      </p:nvGrpSpPr>
+      <p:grpSpPr>
+        <a:xfrm>
+          <a:off x="0" y="0"/>
+          <a:ext cx="0" cy="0"/>
+          <a:chOff x="0" y="0"/>
+          <a:chExt cx="0" cy="0"/>
+        </a:xfrm>
+      </p:grpSpPr>
+      <p:sp>
+        <p:nvSpPr>
+          <p:cNvPr id="2" name="Title 1">
+            <a:extLst>
+              <a:ext uri="{FF2B5EF4-FFF2-40B4-BE49-F238E27FC236}">
+                <a16:creationId xmlns:a16="http://schemas.microsoft.com/office/drawing/2014/main" id="{B4624994-688C-F748-D0F3-7FECD289757C}"/>
+              </a:ext>
+            </a:extLst>
+          </p:cNvPr>
+          <p:cNvSpPr>
+            <a:spLocks noGrp="1"/>
+          </p:cNvSpPr>
+          <p:nvPr>
+            <p:ph type="title"/>
+          </p:nvPr>
+        </p:nvSpPr>
+        <p:spPr/>
+        <p:txBody>
+          <a:bodyPr>
+            <a:normAutofit fontScale="90000"/>
+          </a:bodyPr>
+          <a:lstStyle/>
+          <a:p>
+            <a:r>
+              <a:rPr lang="en-US" dirty="0"/>
+              <a:t>How has the volume of pedestrian traffic in Melbourne’s CBD evolved over the time frame?</a:t>
+            </a:r>
+            <a:endParaRPr lang="en-AU" dirty="0"/>
+          </a:p>
+        </p:txBody>
+      </p:sp>
+      <p:sp>
+        <p:nvSpPr>
+          <p:cNvPr id="3" name="Content Placeholder 2">
+            <a:extLst>
+              <a:ext uri="{FF2B5EF4-FFF2-40B4-BE49-F238E27FC236}">
+                <a16:creationId xmlns:a16="http://schemas.microsoft.com/office/drawing/2014/main" id="{80325387-37E3-91B3-D7AE-36CA75F1CD43}"/>
+              </a:ext>
+            </a:extLst>
+          </p:cNvPr>
+          <p:cNvSpPr>
+            <a:spLocks noGrp="1"/>
+          </p:cNvSpPr>
+          <p:nvPr>
+            <p:ph idx="1"/>
+          </p:nvPr>
+        </p:nvSpPr>
+        <p:spPr/>
+        <p:txBody>
+          <a:bodyPr/>
+          <a:lstStyle/>
+          <a:p>
+            <a:r>
+              <a:rPr lang="en-US" dirty="0"/>
+              <a:t>Screenshots of code</a:t>
+            </a:r>
+            <a:endParaRPr lang="en-AU" dirty="0"/>
+          </a:p>
+        </p:txBody>
+      </p:sp>
+    </p:spTree>
+    <p:extLst>
+      <p:ext uri="{BB962C8B-B14F-4D97-AF65-F5344CB8AC3E}">
+        <p14:creationId xmlns:p14="http://schemas.microsoft.com/office/powerpoint/2010/main" val="303612069"/>
+      </p:ext>
+    </p:extLst>
+  </p:cSld>
+  <p:clrMapOvr>
+    <a:masterClrMapping/>
+  </p:clrMapOvr>
+</p:sld>
+</file>
+
+<file path=ppt/slides/slide35.xml><?xml version="1.0" encoding="utf-8"?>
+<p:sld xmlns:a="http://schemas.openxmlformats.org/drawingml/2006/main" xmlns:r="http://schemas.openxmlformats.org/officeDocument/2006/relationships" xmlns:p="http://schemas.openxmlformats.org/presentationml/2006/main">
+  <p:cSld>
+    <p:spTree>
+      <p:nvGrpSpPr>
+        <p:cNvPr id="1" name=""/>
+        <p:cNvGrpSpPr/>
+        <p:nvPr/>
+      </p:nvGrpSpPr>
+      <p:grpSpPr>
+        <a:xfrm>
+          <a:off x="0" y="0"/>
+          <a:ext cx="0" cy="0"/>
+          <a:chOff x="0" y="0"/>
+          <a:chExt cx="0" cy="0"/>
+        </a:xfrm>
+      </p:grpSpPr>
+      <p:sp>
+        <p:nvSpPr>
+          <p:cNvPr id="2" name="Title 1">
+            <a:extLst>
+              <a:ext uri="{FF2B5EF4-FFF2-40B4-BE49-F238E27FC236}">
+                <a16:creationId xmlns:a16="http://schemas.microsoft.com/office/drawing/2014/main" id="{0B711F40-35E0-EF3D-847D-ECAB633B3C16}"/>
+              </a:ext>
+            </a:extLst>
+          </p:cNvPr>
+          <p:cNvSpPr>
+            <a:spLocks noGrp="1"/>
+          </p:cNvSpPr>
+          <p:nvPr>
+            <p:ph type="title"/>
+          </p:nvPr>
+        </p:nvSpPr>
+        <p:spPr/>
+        <p:txBody>
+          <a:bodyPr>
+            <a:normAutofit fontScale="90000"/>
+          </a:bodyPr>
+          <a:lstStyle/>
+          <a:p>
+            <a:r>
+              <a:rPr lang="en-US" dirty="0"/>
+              <a:t>How has the volume of pedestrian traffic in Melbourne’s CBD evolved over the time frame?</a:t>
+            </a:r>
+            <a:endParaRPr lang="en-AU" dirty="0"/>
+          </a:p>
+        </p:txBody>
+      </p:sp>
+      <p:sp>
+        <p:nvSpPr>
+          <p:cNvPr id="3" name="Content Placeholder 2">
+            <a:extLst>
+              <a:ext uri="{FF2B5EF4-FFF2-40B4-BE49-F238E27FC236}">
+                <a16:creationId xmlns:a16="http://schemas.microsoft.com/office/drawing/2014/main" id="{1F40318B-36E3-B372-8198-BC86DBA79DF0}"/>
+              </a:ext>
+            </a:extLst>
+          </p:cNvPr>
+          <p:cNvSpPr>
+            <a:spLocks noGrp="1"/>
+          </p:cNvSpPr>
+          <p:nvPr>
+            <p:ph idx="1"/>
+          </p:nvPr>
+        </p:nvSpPr>
+        <p:spPr/>
+        <p:txBody>
+          <a:bodyPr/>
+          <a:lstStyle/>
+          <a:p>
+            <a:r>
+              <a:rPr lang="en-US" dirty="0"/>
+              <a:t>More code</a:t>
+            </a:r>
+            <a:endParaRPr lang="en-AU" dirty="0"/>
+          </a:p>
+        </p:txBody>
+      </p:sp>
+    </p:spTree>
+    <p:extLst>
+      <p:ext uri="{BB962C8B-B14F-4D97-AF65-F5344CB8AC3E}">
+        <p14:creationId xmlns:p14="http://schemas.microsoft.com/office/powerpoint/2010/main" val="1947525697"/>
+      </p:ext>
+    </p:extLst>
+  </p:cSld>
+  <p:clrMapOvr>
+    <a:masterClrMapping/>
+  </p:clrMapOvr>
+</p:sld>
+</file>
+
+<file path=ppt/slides/slide36.xml><?xml version="1.0" encoding="utf-8"?>
+<p:sld xmlns:a="http://schemas.openxmlformats.org/drawingml/2006/main" xmlns:r="http://schemas.openxmlformats.org/officeDocument/2006/relationships" xmlns:p="http://schemas.openxmlformats.org/presentationml/2006/main">
+  <p:cSld>
+    <p:spTree>
+      <p:nvGrpSpPr>
+        <p:cNvPr id="1" name=""/>
+        <p:cNvGrpSpPr/>
+        <p:nvPr/>
+      </p:nvGrpSpPr>
+      <p:grpSpPr>
+        <a:xfrm>
+          <a:off x="0" y="0"/>
+          <a:ext cx="0" cy="0"/>
+          <a:chOff x="0" y="0"/>
+          <a:chExt cx="0" cy="0"/>
+        </a:xfrm>
+      </p:grpSpPr>
+      <p:sp>
+        <p:nvSpPr>
+          <p:cNvPr id="2" name="Title 1">
+            <a:extLst>
+              <a:ext uri="{FF2B5EF4-FFF2-40B4-BE49-F238E27FC236}">
+                <a16:creationId xmlns:a16="http://schemas.microsoft.com/office/drawing/2014/main" id="{B4624994-688C-F748-D0F3-7FECD289757C}"/>
+              </a:ext>
+            </a:extLst>
+          </p:cNvPr>
+          <p:cNvSpPr>
+            <a:spLocks noGrp="1"/>
+          </p:cNvSpPr>
+          <p:nvPr>
+            <p:ph type="title"/>
+          </p:nvPr>
+        </p:nvSpPr>
+        <p:spPr/>
+        <p:txBody>
+          <a:bodyPr>
+            <a:normAutofit fontScale="90000"/>
+          </a:bodyPr>
+          <a:lstStyle/>
+          <a:p>
+            <a:r>
+              <a:rPr lang="en-US" dirty="0"/>
+              <a:t>How has the volume of pedestrian traffic in Melbourne’s CBD evolved over the time frame?</a:t>
+            </a:r>
+            <a:endParaRPr lang="en-AU" dirty="0"/>
+          </a:p>
+        </p:txBody>
+      </p:sp>
+      <p:sp>
+        <p:nvSpPr>
+          <p:cNvPr id="3" name="Content Placeholder 2">
+            <a:extLst>
+              <a:ext uri="{FF2B5EF4-FFF2-40B4-BE49-F238E27FC236}">
+                <a16:creationId xmlns:a16="http://schemas.microsoft.com/office/drawing/2014/main" id="{80325387-37E3-91B3-D7AE-36CA75F1CD43}"/>
+              </a:ext>
+            </a:extLst>
+          </p:cNvPr>
+          <p:cNvSpPr>
+            <a:spLocks noGrp="1"/>
+          </p:cNvSpPr>
+          <p:nvPr>
+            <p:ph idx="1"/>
+          </p:nvPr>
+        </p:nvSpPr>
+        <p:spPr/>
+        <p:txBody>
+          <a:bodyPr/>
+          <a:lstStyle/>
+          <a:p>
+            <a:r>
+              <a:rPr lang="en-US" dirty="0" err="1"/>
+              <a:t>Visualisation</a:t>
+            </a:r>
+            <a:r>
+              <a:rPr lang="en-US" dirty="0"/>
+              <a:t> 1</a:t>
+            </a:r>
+            <a:endParaRPr lang="en-AU" dirty="0"/>
+          </a:p>
+        </p:txBody>
+      </p:sp>
+    </p:spTree>
+    <p:extLst>
+      <p:ext uri="{BB962C8B-B14F-4D97-AF65-F5344CB8AC3E}">
+        <p14:creationId xmlns:p14="http://schemas.microsoft.com/office/powerpoint/2010/main" val="3526385406"/>
+      </p:ext>
+    </p:extLst>
+  </p:cSld>
+  <p:clrMapOvr>
+    <a:masterClrMapping/>
+  </p:clrMapOvr>
+</p:sld>
+</file>
+
+<file path=ppt/slides/slide37.xml><?xml version="1.0" encoding="utf-8"?>
+<p:sld xmlns:a="http://schemas.openxmlformats.org/drawingml/2006/main" xmlns:r="http://schemas.openxmlformats.org/officeDocument/2006/relationships" xmlns:p="http://schemas.openxmlformats.org/presentationml/2006/main">
+  <p:cSld>
+    <p:spTree>
+      <p:nvGrpSpPr>
+        <p:cNvPr id="1" name=""/>
+        <p:cNvGrpSpPr/>
+        <p:nvPr/>
+      </p:nvGrpSpPr>
+      <p:grpSpPr>
+        <a:xfrm>
+          <a:off x="0" y="0"/>
+          <a:ext cx="0" cy="0"/>
+          <a:chOff x="0" y="0"/>
+          <a:chExt cx="0" cy="0"/>
+        </a:xfrm>
+      </p:grpSpPr>
+      <p:sp>
+        <p:nvSpPr>
+          <p:cNvPr id="2" name="Title 1">
+            <a:extLst>
+              <a:ext uri="{FF2B5EF4-FFF2-40B4-BE49-F238E27FC236}">
+                <a16:creationId xmlns:a16="http://schemas.microsoft.com/office/drawing/2014/main" id="{0B711F40-35E0-EF3D-847D-ECAB633B3C16}"/>
+              </a:ext>
+            </a:extLst>
+          </p:cNvPr>
+          <p:cNvSpPr>
+            <a:spLocks noGrp="1"/>
+          </p:cNvSpPr>
+          <p:nvPr>
+            <p:ph type="title"/>
+          </p:nvPr>
+        </p:nvSpPr>
+        <p:spPr/>
+        <p:txBody>
+          <a:bodyPr>
+            <a:normAutofit fontScale="90000"/>
+          </a:bodyPr>
+          <a:lstStyle/>
+          <a:p>
+            <a:r>
+              <a:rPr lang="en-US" dirty="0"/>
+              <a:t>How has the volume of pedestrian traffic in Melbourne’s CBD evolved over the time frame?</a:t>
+            </a:r>
+            <a:endParaRPr lang="en-AU" dirty="0"/>
+          </a:p>
+        </p:txBody>
+      </p:sp>
+      <p:sp>
+        <p:nvSpPr>
+          <p:cNvPr id="3" name="Content Placeholder 2">
+            <a:extLst>
+              <a:ext uri="{FF2B5EF4-FFF2-40B4-BE49-F238E27FC236}">
+                <a16:creationId xmlns:a16="http://schemas.microsoft.com/office/drawing/2014/main" id="{1F40318B-36E3-B372-8198-BC86DBA79DF0}"/>
+              </a:ext>
+            </a:extLst>
+          </p:cNvPr>
+          <p:cNvSpPr>
+            <a:spLocks noGrp="1"/>
+          </p:cNvSpPr>
+          <p:nvPr>
+            <p:ph idx="1"/>
+          </p:nvPr>
+        </p:nvSpPr>
+        <p:spPr/>
+        <p:txBody>
+          <a:bodyPr/>
+          <a:lstStyle/>
+          <a:p>
+            <a:r>
+              <a:rPr lang="en-US" dirty="0" err="1"/>
+              <a:t>Visualisation</a:t>
+            </a:r>
+            <a:r>
+              <a:rPr lang="en-US" dirty="0"/>
+              <a:t> 2</a:t>
+            </a:r>
+            <a:endParaRPr lang="en-AU" dirty="0"/>
+          </a:p>
+        </p:txBody>
+      </p:sp>
+    </p:spTree>
+    <p:extLst>
+      <p:ext uri="{BB962C8B-B14F-4D97-AF65-F5344CB8AC3E}">
+        <p14:creationId xmlns:p14="http://schemas.microsoft.com/office/powerpoint/2010/main" val="4245925813"/>
+      </p:ext>
+    </p:extLst>
+  </p:cSld>
+  <p:clrMapOvr>
+    <a:masterClrMapping/>
+  </p:clrMapOvr>
+</p:sld>
+</file>
+
+<file path=ppt/slides/slide38.xml><?xml version="1.0" encoding="utf-8"?>
+<p:sld xmlns:a="http://schemas.openxmlformats.org/drawingml/2006/main" xmlns:r="http://schemas.openxmlformats.org/officeDocument/2006/relationships" xmlns:p="http://schemas.openxmlformats.org/presentationml/2006/main">
+  <p:cSld>
+    <p:spTree>
+      <p:nvGrpSpPr>
+        <p:cNvPr id="1" name=""/>
+        <p:cNvGrpSpPr/>
+        <p:nvPr/>
+      </p:nvGrpSpPr>
+      <p:grpSpPr>
+        <a:xfrm>
+          <a:off x="0" y="0"/>
+          <a:ext cx="0" cy="0"/>
+          <a:chOff x="0" y="0"/>
+          <a:chExt cx="0" cy="0"/>
+        </a:xfrm>
+      </p:grpSpPr>
+      <p:sp>
+        <p:nvSpPr>
+          <p:cNvPr id="2" name="Title 1">
+            <a:extLst>
+              <a:ext uri="{FF2B5EF4-FFF2-40B4-BE49-F238E27FC236}">
+                <a16:creationId xmlns:a16="http://schemas.microsoft.com/office/drawing/2014/main" id="{B4624994-688C-F748-D0F3-7FECD289757C}"/>
+              </a:ext>
+            </a:extLst>
+          </p:cNvPr>
+          <p:cNvSpPr>
+            <a:spLocks noGrp="1"/>
+          </p:cNvSpPr>
+          <p:nvPr>
+            <p:ph type="title"/>
+          </p:nvPr>
+        </p:nvSpPr>
+        <p:spPr/>
+        <p:txBody>
+          <a:bodyPr>
+            <a:normAutofit fontScale="90000"/>
+          </a:bodyPr>
+          <a:lstStyle/>
+          <a:p>
+            <a:r>
+              <a:rPr lang="en-US" dirty="0"/>
+              <a:t>How has the volume of pedestrian traffic in Melbourne’s CBD evolved over the time frame?</a:t>
+            </a:r>
+            <a:endParaRPr lang="en-AU" dirty="0"/>
+          </a:p>
+        </p:txBody>
+      </p:sp>
+      <p:sp>
+        <p:nvSpPr>
+          <p:cNvPr id="3" name="Content Placeholder 2">
+            <a:extLst>
+              <a:ext uri="{FF2B5EF4-FFF2-40B4-BE49-F238E27FC236}">
+                <a16:creationId xmlns:a16="http://schemas.microsoft.com/office/drawing/2014/main" id="{80325387-37E3-91B3-D7AE-36CA75F1CD43}"/>
+              </a:ext>
+            </a:extLst>
+          </p:cNvPr>
+          <p:cNvSpPr>
+            <a:spLocks noGrp="1"/>
+          </p:cNvSpPr>
+          <p:nvPr>
+            <p:ph idx="1"/>
+          </p:nvPr>
+        </p:nvSpPr>
+        <p:spPr/>
+        <p:txBody>
+          <a:bodyPr/>
+          <a:lstStyle/>
+          <a:p>
+            <a:r>
+              <a:rPr lang="en-US" dirty="0"/>
+              <a:t>Statistical Analysis for </a:t>
+            </a:r>
+            <a:r>
+              <a:rPr lang="en-US" dirty="0" err="1"/>
+              <a:t>Visualisation</a:t>
+            </a:r>
+            <a:r>
+              <a:rPr lang="en-US" dirty="0"/>
+              <a:t> 1</a:t>
+            </a:r>
+            <a:endParaRPr lang="en-AU" dirty="0"/>
+          </a:p>
+        </p:txBody>
+      </p:sp>
+    </p:spTree>
+    <p:extLst>
+      <p:ext uri="{BB962C8B-B14F-4D97-AF65-F5344CB8AC3E}">
+        <p14:creationId xmlns:p14="http://schemas.microsoft.com/office/powerpoint/2010/main" val="1521932883"/>
+      </p:ext>
+    </p:extLst>
+  </p:cSld>
+  <p:clrMapOvr>
+    <a:masterClrMapping/>
+  </p:clrMapOvr>
+</p:sld>
+</file>
+
+<file path=ppt/slides/slide39.xml><?xml version="1.0" encoding="utf-8"?>
+<p:sld xmlns:a="http://schemas.openxmlformats.org/drawingml/2006/main" xmlns:r="http://schemas.openxmlformats.org/officeDocument/2006/relationships" xmlns:p="http://schemas.openxmlformats.org/presentationml/2006/main">
+  <p:cSld>
+    <p:spTree>
+      <p:nvGrpSpPr>
+        <p:cNvPr id="1" name=""/>
+        <p:cNvGrpSpPr/>
+        <p:nvPr/>
+      </p:nvGrpSpPr>
+      <p:grpSpPr>
+        <a:xfrm>
+          <a:off x="0" y="0"/>
+          <a:ext cx="0" cy="0"/>
+          <a:chOff x="0" y="0"/>
+          <a:chExt cx="0" cy="0"/>
+        </a:xfrm>
+      </p:grpSpPr>
+      <p:sp>
+        <p:nvSpPr>
+          <p:cNvPr id="2" name="Title 1">
+            <a:extLst>
+              <a:ext uri="{FF2B5EF4-FFF2-40B4-BE49-F238E27FC236}">
+                <a16:creationId xmlns:a16="http://schemas.microsoft.com/office/drawing/2014/main" id="{0B711F40-35E0-EF3D-847D-ECAB633B3C16}"/>
+              </a:ext>
+            </a:extLst>
+          </p:cNvPr>
+          <p:cNvSpPr>
+            <a:spLocks noGrp="1"/>
+          </p:cNvSpPr>
+          <p:nvPr>
+            <p:ph type="title"/>
+          </p:nvPr>
+        </p:nvSpPr>
+        <p:spPr/>
+        <p:txBody>
+          <a:bodyPr>
+            <a:normAutofit fontScale="90000"/>
+          </a:bodyPr>
+          <a:lstStyle/>
+          <a:p>
+            <a:r>
+              <a:rPr lang="en-US" dirty="0"/>
+              <a:t>How has the volume of pedestrian traffic in Melbourne’s CBD evolved over the time frame?</a:t>
+            </a:r>
+            <a:endParaRPr lang="en-AU" dirty="0"/>
+          </a:p>
+        </p:txBody>
+      </p:sp>
+      <p:sp>
+        <p:nvSpPr>
+          <p:cNvPr id="3" name="Content Placeholder 2">
+            <a:extLst>
+              <a:ext uri="{FF2B5EF4-FFF2-40B4-BE49-F238E27FC236}">
+                <a16:creationId xmlns:a16="http://schemas.microsoft.com/office/drawing/2014/main" id="{1F40318B-36E3-B372-8198-BC86DBA79DF0}"/>
+              </a:ext>
+            </a:extLst>
+          </p:cNvPr>
+          <p:cNvSpPr>
+            <a:spLocks noGrp="1"/>
+          </p:cNvSpPr>
+          <p:nvPr>
+            <p:ph idx="1"/>
+          </p:nvPr>
+        </p:nvSpPr>
+        <p:spPr/>
+        <p:txBody>
+          <a:bodyPr/>
+          <a:lstStyle/>
+          <a:p>
+            <a:r>
+              <a:rPr lang="en-US" dirty="0"/>
+              <a:t>Statistical Analysis for </a:t>
+            </a:r>
+            <a:r>
+              <a:rPr lang="en-US" dirty="0" err="1"/>
+              <a:t>Visualisation</a:t>
+            </a:r>
+            <a:r>
+              <a:rPr lang="en-US" dirty="0"/>
+              <a:t> 2</a:t>
+            </a:r>
+            <a:endParaRPr lang="en-AU" dirty="0"/>
+          </a:p>
+        </p:txBody>
+      </p:sp>
+    </p:spTree>
+    <p:extLst>
+      <p:ext uri="{BB962C8B-B14F-4D97-AF65-F5344CB8AC3E}">
+        <p14:creationId xmlns:p14="http://schemas.microsoft.com/office/powerpoint/2010/main" val="4270566899"/>
+      </p:ext>
+    </p:extLst>
+  </p:cSld>
+  <p:clrMapOvr>
+    <a:masterClrMapping/>
+  </p:clrMapOvr>
+</p:sld>
+</file>
+
+<file path=ppt/slides/slide4.xml><?xml version="1.0" encoding="utf-8"?>
+<p:sld xmlns:a="http://schemas.openxmlformats.org/drawingml/2006/main" xmlns:r="http://schemas.openxmlformats.org/officeDocument/2006/relationships" xmlns:p="http://schemas.openxmlformats.org/presentationml/2006/main">
+  <p:cSld>
+    <p:bg>
+      <p:bgPr>
+        <a:solidFill>
+          <a:schemeClr val="bg1"/>
+        </a:solidFill>
+        <a:effectLst/>
+      </p:bgPr>
+    </p:bg>
+    <p:spTree>
+      <p:nvGrpSpPr>
+        <p:cNvPr id="1" name=""/>
+        <p:cNvGrpSpPr/>
+        <p:nvPr/>
+      </p:nvGrpSpPr>
+      <p:grpSpPr>
+        <a:xfrm>
+          <a:off x="0" y="0"/>
+          <a:ext cx="0" cy="0"/>
+          <a:chOff x="0" y="0"/>
+          <a:chExt cx="0" cy="0"/>
+        </a:xfrm>
+      </p:grpSpPr>
+      <p:sp useBgFill="1">
+        <p:nvSpPr>
+          <p:cNvPr id="9" name="Rectangle 8">
+            <a:extLst>
+              <a:ext uri="{FF2B5EF4-FFF2-40B4-BE49-F238E27FC236}">
+                <a16:creationId xmlns:a16="http://schemas.microsoft.com/office/drawing/2014/main" id="{30BD2399-7475-404C-BAC9-E55E1676926A}"/>
+              </a:ext>
+              <a:ext uri="{C183D7F6-B498-43B3-948B-1728B52AA6E4}">
+                <adec:decorative xmlns:adec="http://schemas.microsoft.com/office/drawing/2017/decorative" val="1"/>
+              </a:ext>
+            </a:extLst>
+          </p:cNvPr>
+          <p:cNvSpPr>
+            <a:spLocks noGrp="1" noRot="1" noChangeAspect="1" noMove="1" noResize="1" noEditPoints="1" noAdjustHandles="1" noChangeArrowheads="1" noChangeShapeType="1" noTextEdit="1"/>
+          </p:cNvSpPr>
+          <p:nvPr>
+            <p:extLst>
+              <p:ext uri="{386F3935-93C4-4BCD-93E2-E3B085C9AB24}">
+                <p16:designElem xmlns:p16="http://schemas.microsoft.com/office/powerpoint/2015/main" val="1"/>
+              </p:ext>
+            </p:extLst>
+          </p:nvPr>
+        </p:nvSpPr>
+        <p:spPr>
+          <a:xfrm>
+            <a:off x="0" y="0"/>
+            <a:ext cx="12192000" cy="6858000"/>
+          </a:xfrm>
+          <a:prstGeom prst="rect">
+            <a:avLst/>
+          </a:prstGeom>
+          <a:ln>
+            <a:noFill/>
+          </a:ln>
+        </p:spPr>
+        <p:style>
+          <a:lnRef idx="2">
+            <a:schemeClr val="accent1">
+              <a:shade val="50000"/>
+            </a:schemeClr>
+          </a:lnRef>
+          <a:fillRef idx="1">
+            <a:schemeClr val="accent1"/>
+          </a:fillRef>
+          <a:effectRef idx="0">
+            <a:schemeClr val="accent1"/>
+          </a:effectRef>
+          <a:fontRef idx="minor">
+            <a:schemeClr val="lt1"/>
+          </a:fontRef>
+        </p:style>
+        <p:txBody>
+          <a:bodyPr rtlCol="0" anchor="ctr"/>
+          <a:lstStyle/>
+          <a:p>
+            <a:pPr algn="ctr"/>
+            <a:endParaRPr lang="en-US"/>
+          </a:p>
+        </p:txBody>
+      </p:sp>
+      <p:pic>
+        <p:nvPicPr>
+          <p:cNvPr id="11" name="Picture 10">
+            <a:extLst>
+              <a:ext uri="{FF2B5EF4-FFF2-40B4-BE49-F238E27FC236}">
+                <a16:creationId xmlns:a16="http://schemas.microsoft.com/office/drawing/2014/main" id="{0D748104-6E76-4AD9-9940-82154F97E7C1}"/>
+              </a:ext>
+              <a:ext uri="{C183D7F6-B498-43B3-948B-1728B52AA6E4}">
+                <adec:decorative xmlns:adec="http://schemas.microsoft.com/office/drawing/2017/decorative" val="1"/>
+              </a:ext>
+            </a:extLst>
+          </p:cNvPr>
+          <p:cNvPicPr>
+            <a:picLocks noGrp="1" noRot="1" noChangeAspect="1" noMove="1" noResize="1" noEditPoints="1" noAdjustHandles="1" noChangeArrowheads="1" noChangeShapeType="1" noCrop="1"/>
+          </p:cNvPicPr>
+          <p:nvPr>
+            <p:extLst>
+              <p:ext uri="{386F3935-93C4-4BCD-93E2-E3B085C9AB24}">
+                <p16:designElem xmlns:p16="http://schemas.microsoft.com/office/powerpoint/2015/main" val="1"/>
+              </p:ext>
+            </p:extLst>
+          </p:nvPr>
+        </p:nvPicPr>
+        <p:blipFill>
+          <a:blip r:embed="rId2">
+            <a:extLst>
+              <a:ext uri="{28A0092B-C50C-407E-A947-70E740481C1C}">
+                <a14:useLocalDpi xmlns:a14="http://schemas.microsoft.com/office/drawing/2010/main" val="0"/>
+              </a:ext>
+            </a:extLst>
+          </a:blip>
+          <a:stretch>
+            <a:fillRect/>
+          </a:stretch>
+        </p:blipFill>
+        <p:spPr>
+          <a:xfrm>
+            <a:off x="0" y="0"/>
+            <a:ext cx="12192000" cy="1441450"/>
+          </a:xfrm>
+          <a:prstGeom prst="rect">
+            <a:avLst/>
+          </a:prstGeom>
+        </p:spPr>
+      </p:pic>
+      <p:sp>
+        <p:nvSpPr>
+          <p:cNvPr id="2" name="Title 1">
+            <a:extLst>
+              <a:ext uri="{FF2B5EF4-FFF2-40B4-BE49-F238E27FC236}">
                 <a16:creationId xmlns:a16="http://schemas.microsoft.com/office/drawing/2014/main" id="{40354140-1335-C2F9-DA3E-DD5C3ABBA2E4}"/>
               </a:ext>
             </a:extLst>
@@ -7950,58 +12356,145 @@
             <p:ph type="title"/>
           </p:nvPr>
         </p:nvSpPr>
-        <p:spPr/>
-        <p:txBody>
-          <a:bodyPr/>
+        <p:spPr>
+          <a:xfrm>
+            <a:off x="685800" y="1066163"/>
+            <a:ext cx="3306744" cy="5148371"/>
+          </a:xfrm>
+        </p:spPr>
+        <p:txBody>
+          <a:bodyPr>
+            <a:normAutofit/>
+          </a:bodyPr>
           <a:lstStyle/>
           <a:p>
             <a:r>
-              <a:rPr lang="en-US" dirty="0"/>
+              <a:rPr lang="en-US" sz="3200"/>
               <a:t>Datasets to be used</a:t>
             </a:r>
-            <a:endParaRPr lang="en-AU" dirty="0"/>
-          </a:p>
-        </p:txBody>
-      </p:sp>
-      <p:sp>
-        <p:nvSpPr>
-          <p:cNvPr id="3" name="Content Placeholder 2">
+            <a:endParaRPr lang="en-AU" sz="3200"/>
+          </a:p>
+        </p:txBody>
+      </p:sp>
+      <p:graphicFrame>
+        <p:nvGraphicFramePr>
+          <p:cNvPr id="5" name="Content Placeholder 2">
             <a:extLst>
               <a:ext uri="{FF2B5EF4-FFF2-40B4-BE49-F238E27FC236}">
-                <a16:creationId xmlns:a16="http://schemas.microsoft.com/office/drawing/2014/main" id="{B5FD3A4D-6AA8-EB53-6C06-43155AB19469}"/>
+                <a16:creationId xmlns:a16="http://schemas.microsoft.com/office/drawing/2014/main" id="{1F6E12CA-8771-142F-411C-521D981348E6}"/>
               </a:ext>
             </a:extLst>
           </p:cNvPr>
-          <p:cNvSpPr>
-            <a:spLocks noGrp="1"/>
-          </p:cNvSpPr>
+          <p:cNvGraphicFramePr>
+            <a:graphicFrameLocks noGrp="1"/>
+          </p:cNvGraphicFramePr>
           <p:nvPr>
             <p:ph idx="1"/>
-          </p:nvPr>
-        </p:nvSpPr>
-        <p:spPr/>
-        <p:txBody>
-          <a:bodyPr/>
-          <a:lstStyle/>
-          <a:p>
-            <a:r>
-              <a:rPr lang="en-US" dirty="0"/>
-              <a:t>PTV CSV’s from the discover.data.vic.gov.au website</a:t>
-            </a:r>
-          </a:p>
-          <a:p>
-            <a:r>
-              <a:rPr lang="en-US" dirty="0"/>
-              <a:t>Pedestrian Counting System API (City of Melbourne’s Open Data API)</a:t>
-            </a:r>
-            <a:endParaRPr lang="en-AU" dirty="0"/>
-          </a:p>
-        </p:txBody>
-      </p:sp>
+            <p:extLst>
+              <p:ext uri="{D42A27DB-BD31-4B8C-83A1-F6EECF244321}">
+                <p14:modId xmlns:p14="http://schemas.microsoft.com/office/powerpoint/2010/main" val="120298555"/>
+              </p:ext>
+            </p:extLst>
+          </p:nvPr>
+        </p:nvGraphicFramePr>
+        <p:xfrm>
+          <a:off x="4678344" y="1127125"/>
+          <a:ext cx="6403994" cy="5087409"/>
+        </p:xfrm>
+        <a:graphic>
+          <a:graphicData uri="http://schemas.openxmlformats.org/drawingml/2006/diagram">
+            <dgm:relIds xmlns:dgm="http://schemas.openxmlformats.org/drawingml/2006/diagram" xmlns:r="http://schemas.openxmlformats.org/officeDocument/2006/relationships" r:dm="rId3" r:lo="rId4" r:qs="rId5" r:cs="rId6"/>
+          </a:graphicData>
+        </a:graphic>
+      </p:graphicFrame>
     </p:spTree>
     <p:extLst>
       <p:ext uri="{BB962C8B-B14F-4D97-AF65-F5344CB8AC3E}">
         <p14:creationId xmlns:p14="http://schemas.microsoft.com/office/powerpoint/2010/main" val="148228791"/>
+      </p:ext>
+    </p:extLst>
+  </p:cSld>
+  <p:clrMapOvr>
+    <a:masterClrMapping/>
+  </p:clrMapOvr>
+</p:sld>
+</file>
+
+<file path=ppt/slides/slide40.xml><?xml version="1.0" encoding="utf-8"?>
+<p:sld xmlns:a="http://schemas.openxmlformats.org/drawingml/2006/main" xmlns:r="http://schemas.openxmlformats.org/officeDocument/2006/relationships" xmlns:p="http://schemas.openxmlformats.org/presentationml/2006/main">
+  <p:cSld>
+    <p:spTree>
+      <p:nvGrpSpPr>
+        <p:cNvPr id="1" name=""/>
+        <p:cNvGrpSpPr/>
+        <p:nvPr/>
+      </p:nvGrpSpPr>
+      <p:grpSpPr>
+        <a:xfrm>
+          <a:off x="0" y="0"/>
+          <a:ext cx="0" cy="0"/>
+          <a:chOff x="0" y="0"/>
+          <a:chExt cx="0" cy="0"/>
+        </a:xfrm>
+      </p:grpSpPr>
+      <p:sp>
+        <p:nvSpPr>
+          <p:cNvPr id="2" name="Title 1">
+            <a:extLst>
+              <a:ext uri="{FF2B5EF4-FFF2-40B4-BE49-F238E27FC236}">
+                <a16:creationId xmlns:a16="http://schemas.microsoft.com/office/drawing/2014/main" id="{25E20EA3-2CE1-41A8-B966-23875DDADF00}"/>
+              </a:ext>
+            </a:extLst>
+          </p:cNvPr>
+          <p:cNvSpPr>
+            <a:spLocks noGrp="1"/>
+          </p:cNvSpPr>
+          <p:nvPr>
+            <p:ph type="title"/>
+          </p:nvPr>
+        </p:nvSpPr>
+        <p:spPr/>
+        <p:txBody>
+          <a:bodyPr/>
+          <a:lstStyle/>
+          <a:p>
+            <a:r>
+              <a:rPr lang="en-US" dirty="0"/>
+              <a:t>OVERALL Conclusions</a:t>
+            </a:r>
+            <a:endParaRPr lang="en-AU" dirty="0"/>
+          </a:p>
+        </p:txBody>
+      </p:sp>
+      <p:sp>
+        <p:nvSpPr>
+          <p:cNvPr id="3" name="Content Placeholder 2">
+            <a:extLst>
+              <a:ext uri="{FF2B5EF4-FFF2-40B4-BE49-F238E27FC236}">
+                <a16:creationId xmlns:a16="http://schemas.microsoft.com/office/drawing/2014/main" id="{618D4021-91B6-9DED-99F0-85D2A6A198EC}"/>
+              </a:ext>
+            </a:extLst>
+          </p:cNvPr>
+          <p:cNvSpPr>
+            <a:spLocks noGrp="1"/>
+          </p:cNvSpPr>
+          <p:nvPr>
+            <p:ph idx="1"/>
+          </p:nvPr>
+        </p:nvSpPr>
+        <p:spPr/>
+        <p:txBody>
+          <a:bodyPr/>
+          <a:lstStyle/>
+          <a:p>
+            <a:endParaRPr lang="en-AU" dirty="0"/>
+          </a:p>
+        </p:txBody>
+      </p:sp>
+    </p:spTree>
+    <p:extLst>
+      <p:ext uri="{BB962C8B-B14F-4D97-AF65-F5344CB8AC3E}">
+        <p14:creationId xmlns:p14="http://schemas.microsoft.com/office/powerpoint/2010/main" val="273009146"/>
       </p:ext>
     </p:extLst>
   </p:cSld>
@@ -8047,51 +12540,50 @@
         <p:spPr/>
         <p:txBody>
           <a:bodyPr>
-            <a:normAutofit fontScale="90000"/>
+            <a:noAutofit/>
           </a:bodyPr>
           <a:lstStyle/>
           <a:p>
             <a:r>
-              <a:rPr lang="en-US" dirty="0"/>
-              <a:t>Which stations saw the greatest change in public transport usage/pedestrian traffic?</a:t>
-            </a:r>
-            <a:endParaRPr lang="en-AU" dirty="0"/>
-          </a:p>
-        </p:txBody>
-      </p:sp>
-      <p:sp>
-        <p:nvSpPr>
-          <p:cNvPr id="3" name="Content Placeholder 2">
+              <a:rPr lang="en-US" sz="3200" dirty="0"/>
+              <a:t>How has each of the different modes of public transport increased or decreased in usage in light of the pandemic?</a:t>
+            </a:r>
+          </a:p>
+        </p:txBody>
+      </p:sp>
+      <p:pic>
+        <p:nvPicPr>
+          <p:cNvPr id="5" name="Content Placeholder 4">
             <a:extLst>
               <a:ext uri="{FF2B5EF4-FFF2-40B4-BE49-F238E27FC236}">
-                <a16:creationId xmlns:a16="http://schemas.microsoft.com/office/drawing/2014/main" id="{80325387-37E3-91B3-D7AE-36CA75F1CD43}"/>
+                <a16:creationId xmlns:a16="http://schemas.microsoft.com/office/drawing/2014/main" id="{3C869538-7FE7-007B-1577-A19F03955AE9}"/>
               </a:ext>
             </a:extLst>
           </p:cNvPr>
-          <p:cNvSpPr>
-            <a:spLocks noGrp="1"/>
-          </p:cNvSpPr>
+          <p:cNvPicPr>
+            <a:picLocks noGrp="1" noChangeAspect="1"/>
+          </p:cNvPicPr>
           <p:nvPr>
             <p:ph idx="1"/>
           </p:nvPr>
-        </p:nvSpPr>
-        <p:spPr/>
-        <p:txBody>
-          <a:bodyPr/>
-          <a:lstStyle/>
-          <a:p>
-            <a:r>
-              <a:rPr lang="en-US" dirty="0"/>
-              <a:t>Screenshots of code</a:t>
-            </a:r>
-            <a:endParaRPr lang="en-AU" dirty="0"/>
-          </a:p>
-        </p:txBody>
-      </p:sp>
+        </p:nvPicPr>
+        <p:blipFill>
+          <a:blip r:embed="rId2"/>
+          <a:stretch>
+            <a:fillRect/>
+          </a:stretch>
+        </p:blipFill>
+        <p:spPr>
+          <a:xfrm>
+            <a:off x="2026639" y="2553249"/>
+            <a:ext cx="8138721" cy="3860932"/>
+          </a:xfrm>
+        </p:spPr>
+      </p:pic>
     </p:spTree>
     <p:extLst>
       <p:ext uri="{BB962C8B-B14F-4D97-AF65-F5344CB8AC3E}">
-        <p14:creationId xmlns:p14="http://schemas.microsoft.com/office/powerpoint/2010/main" val="1473049576"/>
+        <p14:creationId xmlns:p14="http://schemas.microsoft.com/office/powerpoint/2010/main" val="1772732470"/>
       </p:ext>
     </p:extLst>
   </p:cSld>
@@ -8137,51 +12629,80 @@
         <p:spPr/>
         <p:txBody>
           <a:bodyPr>
-            <a:normAutofit fontScale="90000"/>
+            <a:noAutofit/>
           </a:bodyPr>
           <a:lstStyle/>
           <a:p>
             <a:r>
-              <a:rPr lang="en-US" dirty="0"/>
-              <a:t>Which stations saw the greatest change in public transport usage/pedestrian traffic?</a:t>
-            </a:r>
-            <a:endParaRPr lang="en-AU" dirty="0"/>
-          </a:p>
-        </p:txBody>
-      </p:sp>
-      <p:sp>
-        <p:nvSpPr>
-          <p:cNvPr id="3" name="Content Placeholder 2">
+              <a:rPr lang="en-US" sz="3200" dirty="0"/>
+              <a:t>How has each of the different modes of public transport increased or decreased in usage in light of the pandemic?</a:t>
+            </a:r>
+          </a:p>
+        </p:txBody>
+      </p:sp>
+      <p:pic>
+        <p:nvPicPr>
+          <p:cNvPr id="7" name="Content Placeholder 6">
             <a:extLst>
               <a:ext uri="{FF2B5EF4-FFF2-40B4-BE49-F238E27FC236}">
-                <a16:creationId xmlns:a16="http://schemas.microsoft.com/office/drawing/2014/main" id="{1F40318B-36E3-B372-8198-BC86DBA79DF0}"/>
+                <a16:creationId xmlns:a16="http://schemas.microsoft.com/office/drawing/2014/main" id="{40F6C78C-3951-0426-34C8-3374792D8700}"/>
               </a:ext>
             </a:extLst>
           </p:cNvPr>
-          <p:cNvSpPr>
-            <a:spLocks noGrp="1"/>
-          </p:cNvSpPr>
+          <p:cNvPicPr>
+            <a:picLocks noGrp="1" noChangeAspect="1"/>
+          </p:cNvPicPr>
           <p:nvPr>
             <p:ph idx="1"/>
           </p:nvPr>
-        </p:nvSpPr>
-        <p:spPr/>
-        <p:txBody>
-          <a:bodyPr/>
-          <a:lstStyle/>
-          <a:p>
-            <a:r>
-              <a:rPr lang="en-US" dirty="0"/>
-              <a:t>More code</a:t>
-            </a:r>
-            <a:endParaRPr lang="en-AU" dirty="0"/>
-          </a:p>
-        </p:txBody>
-      </p:sp>
+        </p:nvPicPr>
+        <p:blipFill>
+          <a:blip r:embed="rId2"/>
+          <a:stretch>
+            <a:fillRect/>
+          </a:stretch>
+        </p:blipFill>
+        <p:spPr>
+          <a:xfrm>
+            <a:off x="127667" y="2727610"/>
+            <a:ext cx="5609666" cy="3345023"/>
+          </a:xfrm>
+        </p:spPr>
+      </p:pic>
+      <p:pic>
+        <p:nvPicPr>
+          <p:cNvPr id="9" name="Picture 8">
+            <a:extLst>
+              <a:ext uri="{FF2B5EF4-FFF2-40B4-BE49-F238E27FC236}">
+                <a16:creationId xmlns:a16="http://schemas.microsoft.com/office/drawing/2014/main" id="{A31F81A8-736D-9A28-E450-49B850A020CC}"/>
+              </a:ext>
+            </a:extLst>
+          </p:cNvPr>
+          <p:cNvPicPr>
+            <a:picLocks noChangeAspect="1"/>
+          </p:cNvPicPr>
+          <p:nvPr/>
+        </p:nvPicPr>
+        <p:blipFill>
+          <a:blip r:embed="rId3"/>
+          <a:stretch>
+            <a:fillRect/>
+          </a:stretch>
+        </p:blipFill>
+        <p:spPr>
+          <a:xfrm>
+            <a:off x="5838334" y="3353242"/>
+            <a:ext cx="6225999" cy="2245442"/>
+          </a:xfrm>
+          <a:prstGeom prst="rect">
+            <a:avLst/>
+          </a:prstGeom>
+        </p:spPr>
+      </p:pic>
     </p:spTree>
     <p:extLst>
       <p:ext uri="{BB962C8B-B14F-4D97-AF65-F5344CB8AC3E}">
-        <p14:creationId xmlns:p14="http://schemas.microsoft.com/office/powerpoint/2010/main" val="1392235612"/>
+        <p14:creationId xmlns:p14="http://schemas.microsoft.com/office/powerpoint/2010/main" val="1209788986"/>
       </p:ext>
     </p:extLst>
   </p:cSld>
@@ -8227,55 +12748,50 @@
         <p:spPr/>
         <p:txBody>
           <a:bodyPr>
-            <a:normAutofit fontScale="90000"/>
+            <a:noAutofit/>
           </a:bodyPr>
           <a:lstStyle/>
           <a:p>
             <a:r>
-              <a:rPr lang="en-US" dirty="0"/>
-              <a:t>Which stations saw the greatest change in public transport usage/pedestrian traffic?</a:t>
-            </a:r>
-            <a:endParaRPr lang="en-AU" dirty="0"/>
-          </a:p>
-        </p:txBody>
-      </p:sp>
-      <p:sp>
-        <p:nvSpPr>
-          <p:cNvPr id="3" name="Content Placeholder 2">
+              <a:rPr lang="en-US" sz="3200" dirty="0"/>
+              <a:t>How has each of the different modes of public transport increased or decreased in usage in light of the pandemic?</a:t>
+            </a:r>
+          </a:p>
+        </p:txBody>
+      </p:sp>
+      <p:pic>
+        <p:nvPicPr>
+          <p:cNvPr id="5" name="Content Placeholder 4">
             <a:extLst>
               <a:ext uri="{FF2B5EF4-FFF2-40B4-BE49-F238E27FC236}">
-                <a16:creationId xmlns:a16="http://schemas.microsoft.com/office/drawing/2014/main" id="{80325387-37E3-91B3-D7AE-36CA75F1CD43}"/>
+                <a16:creationId xmlns:a16="http://schemas.microsoft.com/office/drawing/2014/main" id="{5CBD692F-B9DE-C868-D82B-B7ABC6CD9150}"/>
               </a:ext>
             </a:extLst>
           </p:cNvPr>
-          <p:cNvSpPr>
-            <a:spLocks noGrp="1"/>
-          </p:cNvSpPr>
+          <p:cNvPicPr>
+            <a:picLocks noGrp="1" noChangeAspect="1"/>
+          </p:cNvPicPr>
           <p:nvPr>
             <p:ph idx="1"/>
           </p:nvPr>
-        </p:nvSpPr>
-        <p:spPr/>
-        <p:txBody>
-          <a:bodyPr/>
-          <a:lstStyle/>
-          <a:p>
-            <a:r>
-              <a:rPr lang="en-US" dirty="0" err="1"/>
-              <a:t>Visualisation</a:t>
-            </a:r>
-            <a:r>
-              <a:rPr lang="en-US" dirty="0"/>
-              <a:t> 1</a:t>
-            </a:r>
-            <a:endParaRPr lang="en-AU" dirty="0"/>
-          </a:p>
-        </p:txBody>
-      </p:sp>
+        </p:nvPicPr>
+        <p:blipFill>
+          <a:blip r:embed="rId2"/>
+          <a:stretch>
+            <a:fillRect/>
+          </a:stretch>
+        </p:blipFill>
+        <p:spPr>
+          <a:xfrm>
+            <a:off x="2882983" y="2445851"/>
+            <a:ext cx="6426034" cy="4024313"/>
+          </a:xfrm>
+        </p:spPr>
+      </p:pic>
     </p:spTree>
     <p:extLst>
       <p:ext uri="{BB962C8B-B14F-4D97-AF65-F5344CB8AC3E}">
-        <p14:creationId xmlns:p14="http://schemas.microsoft.com/office/powerpoint/2010/main" val="2918010212"/>
+        <p14:creationId xmlns:p14="http://schemas.microsoft.com/office/powerpoint/2010/main" val="2986210101"/>
       </p:ext>
     </p:extLst>
   </p:cSld>
@@ -8321,55 +12837,56 @@
         <p:spPr/>
         <p:txBody>
           <a:bodyPr>
-            <a:normAutofit fontScale="90000"/>
+            <a:noAutofit/>
           </a:bodyPr>
           <a:lstStyle/>
           <a:p>
             <a:r>
-              <a:rPr lang="en-US" dirty="0"/>
-              <a:t>Which stations saw the greatest change in public transport usage/pedestrian traffic?</a:t>
-            </a:r>
-            <a:endParaRPr lang="en-AU" dirty="0"/>
-          </a:p>
-        </p:txBody>
-      </p:sp>
-      <p:sp>
-        <p:nvSpPr>
-          <p:cNvPr id="3" name="Content Placeholder 2">
+              <a:rPr lang="en-US" sz="3200" dirty="0"/>
+              <a:t>How has each of the different modes of public transport increased or decreased in usage in light of the pandemic?</a:t>
+            </a:r>
+          </a:p>
+        </p:txBody>
+      </p:sp>
+      <p:pic>
+        <p:nvPicPr>
+          <p:cNvPr id="5" name="Content Placeholder 4" descr="Histogram&#10;&#10;Description automatically generated">
             <a:extLst>
               <a:ext uri="{FF2B5EF4-FFF2-40B4-BE49-F238E27FC236}">
-                <a16:creationId xmlns:a16="http://schemas.microsoft.com/office/drawing/2014/main" id="{1F40318B-36E3-B372-8198-BC86DBA79DF0}"/>
+                <a16:creationId xmlns:a16="http://schemas.microsoft.com/office/drawing/2014/main" id="{F4EE8BE2-C955-7F29-FFF7-7AA47FADFF0E}"/>
               </a:ext>
             </a:extLst>
           </p:cNvPr>
-          <p:cNvSpPr>
-            <a:spLocks noGrp="1"/>
-          </p:cNvSpPr>
+          <p:cNvPicPr>
+            <a:picLocks noGrp="1" noChangeAspect="1"/>
+          </p:cNvPicPr>
           <p:nvPr>
             <p:ph idx="1"/>
           </p:nvPr>
-        </p:nvSpPr>
-        <p:spPr/>
-        <p:txBody>
-          <a:bodyPr/>
-          <a:lstStyle/>
-          <a:p>
-            <a:r>
-              <a:rPr lang="en-US" dirty="0" err="1"/>
-              <a:t>Visualisation</a:t>
-            </a:r>
-            <a:r>
-              <a:rPr lang="en-US" dirty="0"/>
-              <a:t> 2</a:t>
-            </a:r>
-            <a:endParaRPr lang="en-AU" dirty="0"/>
-          </a:p>
-        </p:txBody>
-      </p:sp>
+        </p:nvPicPr>
+        <p:blipFill>
+          <a:blip r:embed="rId2">
+            <a:extLst>
+              <a:ext uri="{28A0092B-C50C-407E-A947-70E740481C1C}">
+                <a14:useLocalDpi xmlns:a14="http://schemas.microsoft.com/office/drawing/2010/main" val="0"/>
+              </a:ext>
+            </a:extLst>
+          </a:blip>
+          <a:stretch>
+            <a:fillRect/>
+          </a:stretch>
+        </p:blipFill>
+        <p:spPr>
+          <a:xfrm>
+            <a:off x="2646589" y="2464512"/>
+            <a:ext cx="6898822" cy="4024313"/>
+          </a:xfrm>
+        </p:spPr>
+      </p:pic>
     </p:spTree>
     <p:extLst>
       <p:ext uri="{BB962C8B-B14F-4D97-AF65-F5344CB8AC3E}">
-        <p14:creationId xmlns:p14="http://schemas.microsoft.com/office/powerpoint/2010/main" val="555875888"/>
+        <p14:creationId xmlns:p14="http://schemas.microsoft.com/office/powerpoint/2010/main" val="2402680501"/>
       </p:ext>
     </p:extLst>
   </p:cSld>
@@ -8415,59 +12932,50 @@
         <p:spPr/>
         <p:txBody>
           <a:bodyPr>
-            <a:normAutofit fontScale="90000"/>
+            <a:noAutofit/>
           </a:bodyPr>
           <a:lstStyle/>
           <a:p>
             <a:r>
-              <a:rPr lang="en-US" dirty="0"/>
-              <a:t>Which stations saw the greatest change in public transport usage/pedestrian traffic?</a:t>
-            </a:r>
-            <a:endParaRPr lang="en-AU" dirty="0"/>
-          </a:p>
-        </p:txBody>
-      </p:sp>
-      <p:sp>
-        <p:nvSpPr>
-          <p:cNvPr id="3" name="Content Placeholder 2">
+              <a:rPr lang="en-US" sz="3200" dirty="0"/>
+              <a:t>How has each of the different modes of public transport increased or decreased in usage in light of the pandemic?</a:t>
+            </a:r>
+          </a:p>
+        </p:txBody>
+      </p:sp>
+      <p:pic>
+        <p:nvPicPr>
+          <p:cNvPr id="7" name="Content Placeholder 6">
             <a:extLst>
               <a:ext uri="{FF2B5EF4-FFF2-40B4-BE49-F238E27FC236}">
-                <a16:creationId xmlns:a16="http://schemas.microsoft.com/office/drawing/2014/main" id="{80325387-37E3-91B3-D7AE-36CA75F1CD43}"/>
+                <a16:creationId xmlns:a16="http://schemas.microsoft.com/office/drawing/2014/main" id="{1D993862-B7ED-71E1-4A9A-07A283A17141}"/>
               </a:ext>
             </a:extLst>
           </p:cNvPr>
-          <p:cNvSpPr>
-            <a:spLocks noGrp="1"/>
-          </p:cNvSpPr>
+          <p:cNvPicPr>
+            <a:picLocks noGrp="1" noChangeAspect="1"/>
+          </p:cNvPicPr>
           <p:nvPr>
             <p:ph idx="1"/>
           </p:nvPr>
-        </p:nvSpPr>
-        <p:spPr/>
-        <p:txBody>
-          <a:bodyPr/>
-          <a:lstStyle/>
-          <a:p>
-            <a:r>
-              <a:rPr lang="en-US" dirty="0"/>
-              <a:t>Statistical Analysis for </a:t>
-            </a:r>
-            <a:r>
-              <a:rPr lang="en-US" dirty="0" err="1"/>
-              <a:t>Visualisation</a:t>
-            </a:r>
-            <a:r>
-              <a:rPr lang="en-US" dirty="0"/>
-              <a:t> 1</a:t>
-            </a:r>
-            <a:endParaRPr lang="en-AU" dirty="0"/>
-          </a:p>
-        </p:txBody>
-      </p:sp>
+        </p:nvPicPr>
+        <p:blipFill>
+          <a:blip r:embed="rId2"/>
+          <a:stretch>
+            <a:fillRect/>
+          </a:stretch>
+        </p:blipFill>
+        <p:spPr>
+          <a:xfrm>
+            <a:off x="485192" y="2767606"/>
+            <a:ext cx="11034334" cy="3782484"/>
+          </a:xfrm>
+        </p:spPr>
+      </p:pic>
     </p:spTree>
     <p:extLst>
       <p:ext uri="{BB962C8B-B14F-4D97-AF65-F5344CB8AC3E}">
-        <p14:creationId xmlns:p14="http://schemas.microsoft.com/office/powerpoint/2010/main" val="2196949015"/>
+        <p14:creationId xmlns:p14="http://schemas.microsoft.com/office/powerpoint/2010/main" val="2895511663"/>
       </p:ext>
     </p:extLst>
   </p:cSld>

--- a/Presentation/Exploring Mobility Patterns in Metropolitan Melbourne Presentation.pptx
+++ b/Presentation/Exploring Mobility Patterns in Metropolitan Melbourne Presentation.pptx
@@ -33,18 +33,23 @@
     <p:sldId id="294" r:id="rId27"/>
     <p:sldId id="295" r:id="rId28"/>
     <p:sldId id="277" r:id="rId29"/>
-    <p:sldId id="278" r:id="rId30"/>
-    <p:sldId id="279" r:id="rId31"/>
-    <p:sldId id="280" r:id="rId32"/>
-    <p:sldId id="281" r:id="rId33"/>
-    <p:sldId id="282" r:id="rId34"/>
-    <p:sldId id="271" r:id="rId35"/>
-    <p:sldId id="272" r:id="rId36"/>
-    <p:sldId id="273" r:id="rId37"/>
-    <p:sldId id="274" r:id="rId38"/>
-    <p:sldId id="275" r:id="rId39"/>
-    <p:sldId id="276" r:id="rId40"/>
-    <p:sldId id="283" r:id="rId41"/>
+    <p:sldId id="296" r:id="rId30"/>
+    <p:sldId id="297" r:id="rId31"/>
+    <p:sldId id="298" r:id="rId32"/>
+    <p:sldId id="278" r:id="rId33"/>
+    <p:sldId id="279" r:id="rId34"/>
+    <p:sldId id="280" r:id="rId35"/>
+    <p:sldId id="281" r:id="rId36"/>
+    <p:sldId id="282" r:id="rId37"/>
+    <p:sldId id="300" r:id="rId38"/>
+    <p:sldId id="301" r:id="rId39"/>
+    <p:sldId id="271" r:id="rId40"/>
+    <p:sldId id="272" r:id="rId41"/>
+    <p:sldId id="273" r:id="rId42"/>
+    <p:sldId id="274" r:id="rId43"/>
+    <p:sldId id="275" r:id="rId44"/>
+    <p:sldId id="276" r:id="rId45"/>
+    <p:sldId id="283" r:id="rId46"/>
   </p:sldIdLst>
   <p:sldSz cx="12192000" cy="6858000"/>
   <p:notesSz cx="6858000" cy="9144000"/>
@@ -9336,7 +9341,7 @@
         <p:spPr>
           <a:xfrm>
             <a:off x="7603691" y="3042090"/>
-            <a:ext cx="4450256" cy="2862322"/>
+            <a:ext cx="4450256" cy="3416320"/>
           </a:xfrm>
           <a:prstGeom prst="rect">
             <a:avLst/>
@@ -9413,6 +9418,17 @@
             <a:r>
               <a:rPr lang="en-US" dirty="0"/>
               <a:t>Metropolitan Victoria.</a:t>
+            </a:r>
+          </a:p>
+          <a:p>
+            <a:pPr algn="ctr"/>
+            <a:endParaRPr lang="en-US" dirty="0"/>
+          </a:p>
+          <a:p>
+            <a:pPr algn="ctr"/>
+            <a:r>
+              <a:rPr lang="en-US" dirty="0"/>
+              <a:t>(Feel free to add)</a:t>
             </a:r>
           </a:p>
         </p:txBody>
@@ -10909,35 +10925,41 @@
           </a:p>
         </p:txBody>
       </p:sp>
-      <p:sp>
-        <p:nvSpPr>
-          <p:cNvPr id="3" name="Content Placeholder 2">
+      <p:pic>
+        <p:nvPicPr>
+          <p:cNvPr id="5" name="Content Placeholder 4" descr="Graphical user interface, text, application&#10;&#10;Description automatically generated">
             <a:extLst>
               <a:ext uri="{FF2B5EF4-FFF2-40B4-BE49-F238E27FC236}">
-                <a16:creationId xmlns:a16="http://schemas.microsoft.com/office/drawing/2014/main" id="{80325387-37E3-91B3-D7AE-36CA75F1CD43}"/>
+                <a16:creationId xmlns:a16="http://schemas.microsoft.com/office/drawing/2014/main" id="{07528BB2-95C3-49E7-D408-CDE2F0C17755}"/>
               </a:ext>
             </a:extLst>
           </p:cNvPr>
-          <p:cNvSpPr>
-            <a:spLocks noGrp="1"/>
-          </p:cNvSpPr>
+          <p:cNvPicPr>
+            <a:picLocks noGrp="1" noChangeAspect="1"/>
+          </p:cNvPicPr>
           <p:nvPr>
             <p:ph idx="1"/>
           </p:nvPr>
-        </p:nvSpPr>
-        <p:spPr/>
-        <p:txBody>
-          <a:bodyPr/>
-          <a:lstStyle/>
-          <a:p>
-            <a:r>
-              <a:rPr lang="en-US" dirty="0"/>
-              <a:t>Screenshots of code</a:t>
-            </a:r>
-            <a:endParaRPr lang="en-AU" dirty="0"/>
-          </a:p>
-        </p:txBody>
-      </p:sp>
+        </p:nvPicPr>
+        <p:blipFill>
+          <a:blip r:embed="rId2">
+            <a:extLst>
+              <a:ext uri="{28A0092B-C50C-407E-A947-70E740481C1C}">
+                <a14:useLocalDpi xmlns:a14="http://schemas.microsoft.com/office/drawing/2010/main" val="0"/>
+              </a:ext>
+            </a:extLst>
+          </a:blip>
+          <a:stretch>
+            <a:fillRect/>
+          </a:stretch>
+        </p:blipFill>
+        <p:spPr>
+          <a:xfrm>
+            <a:off x="685800" y="2992180"/>
+            <a:ext cx="10820400" cy="2427803"/>
+          </a:xfrm>
+        </p:spPr>
+      </p:pic>
     </p:spTree>
     <p:extLst>
       <p:ext uri="{BB962C8B-B14F-4D97-AF65-F5344CB8AC3E}">
@@ -10973,7 +10995,7 @@
           <p:cNvPr id="2" name="Title 1">
             <a:extLst>
               <a:ext uri="{FF2B5EF4-FFF2-40B4-BE49-F238E27FC236}">
-                <a16:creationId xmlns:a16="http://schemas.microsoft.com/office/drawing/2014/main" id="{0B711F40-35E0-EF3D-847D-ECAB633B3C16}"/>
+                <a16:creationId xmlns:a16="http://schemas.microsoft.com/office/drawing/2014/main" id="{B4624994-688C-F748-D0F3-7FECD289757C}"/>
               </a:ext>
             </a:extLst>
           </p:cNvPr>
@@ -10999,39 +11021,45 @@
           </a:p>
         </p:txBody>
       </p:sp>
-      <p:sp>
-        <p:nvSpPr>
-          <p:cNvPr id="3" name="Content Placeholder 2">
+      <p:pic>
+        <p:nvPicPr>
+          <p:cNvPr id="5" name="Content Placeholder 4" descr="A screenshot of a computer screen&#10;&#10;Description automatically generated with medium confidence">
             <a:extLst>
               <a:ext uri="{FF2B5EF4-FFF2-40B4-BE49-F238E27FC236}">
-                <a16:creationId xmlns:a16="http://schemas.microsoft.com/office/drawing/2014/main" id="{1F40318B-36E3-B372-8198-BC86DBA79DF0}"/>
+                <a16:creationId xmlns:a16="http://schemas.microsoft.com/office/drawing/2014/main" id="{B9254E51-6D18-896C-2296-2B8E091406C5}"/>
               </a:ext>
             </a:extLst>
           </p:cNvPr>
-          <p:cNvSpPr>
-            <a:spLocks noGrp="1"/>
-          </p:cNvSpPr>
+          <p:cNvPicPr>
+            <a:picLocks noGrp="1" noChangeAspect="1"/>
+          </p:cNvPicPr>
           <p:nvPr>
             <p:ph idx="1"/>
           </p:nvPr>
-        </p:nvSpPr>
-        <p:spPr/>
-        <p:txBody>
-          <a:bodyPr/>
-          <a:lstStyle/>
-          <a:p>
-            <a:r>
-              <a:rPr lang="en-US" dirty="0"/>
-              <a:t>More code</a:t>
-            </a:r>
-            <a:endParaRPr lang="en-AU" dirty="0"/>
-          </a:p>
-        </p:txBody>
-      </p:sp>
+        </p:nvPicPr>
+        <p:blipFill>
+          <a:blip r:embed="rId2">
+            <a:extLst>
+              <a:ext uri="{28A0092B-C50C-407E-A947-70E740481C1C}">
+                <a14:useLocalDpi xmlns:a14="http://schemas.microsoft.com/office/drawing/2010/main" val="0"/>
+              </a:ext>
+            </a:extLst>
+          </a:blip>
+          <a:stretch>
+            <a:fillRect/>
+          </a:stretch>
+        </p:blipFill>
+        <p:spPr>
+          <a:xfrm>
+            <a:off x="685800" y="2336075"/>
+            <a:ext cx="10820400" cy="3740012"/>
+          </a:xfrm>
+        </p:spPr>
+      </p:pic>
     </p:spTree>
     <p:extLst>
       <p:ext uri="{BB962C8B-B14F-4D97-AF65-F5344CB8AC3E}">
-        <p14:creationId xmlns:p14="http://schemas.microsoft.com/office/powerpoint/2010/main" val="4080132962"/>
+        <p14:creationId xmlns:p14="http://schemas.microsoft.com/office/powerpoint/2010/main" val="2792325185"/>
       </p:ext>
     </p:extLst>
   </p:cSld>
@@ -11310,43 +11338,45 @@
           </a:p>
         </p:txBody>
       </p:sp>
-      <p:sp>
-        <p:nvSpPr>
-          <p:cNvPr id="3" name="Content Placeholder 2">
+      <p:pic>
+        <p:nvPicPr>
+          <p:cNvPr id="5" name="Content Placeholder 4" descr="A screenshot of a computer&#10;&#10;Description automatically generated with medium confidence">
             <a:extLst>
               <a:ext uri="{FF2B5EF4-FFF2-40B4-BE49-F238E27FC236}">
-                <a16:creationId xmlns:a16="http://schemas.microsoft.com/office/drawing/2014/main" id="{80325387-37E3-91B3-D7AE-36CA75F1CD43}"/>
+                <a16:creationId xmlns:a16="http://schemas.microsoft.com/office/drawing/2014/main" id="{A13C5704-8E2C-1FC5-0483-970625724A12}"/>
               </a:ext>
             </a:extLst>
           </p:cNvPr>
-          <p:cNvSpPr>
-            <a:spLocks noGrp="1"/>
-          </p:cNvSpPr>
+          <p:cNvPicPr>
+            <a:picLocks noGrp="1" noChangeAspect="1"/>
+          </p:cNvPicPr>
           <p:nvPr>
             <p:ph idx="1"/>
           </p:nvPr>
-        </p:nvSpPr>
-        <p:spPr/>
-        <p:txBody>
-          <a:bodyPr/>
-          <a:lstStyle/>
-          <a:p>
-            <a:r>
-              <a:rPr lang="en-US" dirty="0" err="1"/>
-              <a:t>Visualisation</a:t>
-            </a:r>
-            <a:r>
-              <a:rPr lang="en-US" dirty="0"/>
-              <a:t> 1</a:t>
-            </a:r>
-            <a:endParaRPr lang="en-AU" dirty="0"/>
-          </a:p>
-        </p:txBody>
-      </p:sp>
+        </p:nvPicPr>
+        <p:blipFill>
+          <a:blip r:embed="rId2">
+            <a:extLst>
+              <a:ext uri="{28A0092B-C50C-407E-A947-70E740481C1C}">
+                <a14:useLocalDpi xmlns:a14="http://schemas.microsoft.com/office/drawing/2010/main" val="0"/>
+              </a:ext>
+            </a:extLst>
+          </a:blip>
+          <a:stretch>
+            <a:fillRect/>
+          </a:stretch>
+        </p:blipFill>
+        <p:spPr>
+          <a:xfrm>
+            <a:off x="1095562" y="2193925"/>
+            <a:ext cx="10000875" cy="4024313"/>
+          </a:xfrm>
+        </p:spPr>
+      </p:pic>
     </p:spTree>
     <p:extLst>
       <p:ext uri="{BB962C8B-B14F-4D97-AF65-F5344CB8AC3E}">
-        <p14:creationId xmlns:p14="http://schemas.microsoft.com/office/powerpoint/2010/main" val="554273810"/>
+        <p14:creationId xmlns:p14="http://schemas.microsoft.com/office/powerpoint/2010/main" val="4022805712"/>
       </p:ext>
     </p:extLst>
   </p:cSld>
@@ -11378,7 +11408,7 @@
           <p:cNvPr id="2" name="Title 1">
             <a:extLst>
               <a:ext uri="{FF2B5EF4-FFF2-40B4-BE49-F238E27FC236}">
-                <a16:creationId xmlns:a16="http://schemas.microsoft.com/office/drawing/2014/main" id="{0B711F40-35E0-EF3D-847D-ECAB633B3C16}"/>
+                <a16:creationId xmlns:a16="http://schemas.microsoft.com/office/drawing/2014/main" id="{B4624994-688C-F748-D0F3-7FECD289757C}"/>
               </a:ext>
             </a:extLst>
           </p:cNvPr>
@@ -11404,43 +11434,45 @@
           </a:p>
         </p:txBody>
       </p:sp>
-      <p:sp>
-        <p:nvSpPr>
-          <p:cNvPr id="3" name="Content Placeholder 2">
+      <p:pic>
+        <p:nvPicPr>
+          <p:cNvPr id="5" name="Content Placeholder 4" descr="A screenshot of a computer&#10;&#10;Description automatically generated with medium confidence">
             <a:extLst>
               <a:ext uri="{FF2B5EF4-FFF2-40B4-BE49-F238E27FC236}">
-                <a16:creationId xmlns:a16="http://schemas.microsoft.com/office/drawing/2014/main" id="{1F40318B-36E3-B372-8198-BC86DBA79DF0}"/>
+                <a16:creationId xmlns:a16="http://schemas.microsoft.com/office/drawing/2014/main" id="{33ACD853-6BBE-4819-9205-06831EE6886F}"/>
               </a:ext>
             </a:extLst>
           </p:cNvPr>
-          <p:cNvSpPr>
-            <a:spLocks noGrp="1"/>
-          </p:cNvSpPr>
+          <p:cNvPicPr>
+            <a:picLocks noGrp="1" noChangeAspect="1"/>
+          </p:cNvPicPr>
           <p:nvPr>
             <p:ph idx="1"/>
           </p:nvPr>
-        </p:nvSpPr>
-        <p:spPr/>
-        <p:txBody>
-          <a:bodyPr/>
-          <a:lstStyle/>
-          <a:p>
-            <a:r>
-              <a:rPr lang="en-US" dirty="0" err="1"/>
-              <a:t>Visualisation</a:t>
-            </a:r>
-            <a:r>
-              <a:rPr lang="en-US" dirty="0"/>
-              <a:t> 2</a:t>
-            </a:r>
-            <a:endParaRPr lang="en-AU" dirty="0"/>
-          </a:p>
-        </p:txBody>
-      </p:sp>
+        </p:nvPicPr>
+        <p:blipFill>
+          <a:blip r:embed="rId2">
+            <a:extLst>
+              <a:ext uri="{28A0092B-C50C-407E-A947-70E740481C1C}">
+                <a14:useLocalDpi xmlns:a14="http://schemas.microsoft.com/office/drawing/2010/main" val="0"/>
+              </a:ext>
+            </a:extLst>
+          </a:blip>
+          <a:stretch>
+            <a:fillRect/>
+          </a:stretch>
+        </p:blipFill>
+        <p:spPr>
+          <a:xfrm>
+            <a:off x="2591203" y="2193925"/>
+            <a:ext cx="7009593" cy="4024313"/>
+          </a:xfrm>
+        </p:spPr>
+      </p:pic>
     </p:spTree>
     <p:extLst>
       <p:ext uri="{BB962C8B-B14F-4D97-AF65-F5344CB8AC3E}">
-        <p14:creationId xmlns:p14="http://schemas.microsoft.com/office/powerpoint/2010/main" val="3260513138"/>
+        <p14:creationId xmlns:p14="http://schemas.microsoft.com/office/powerpoint/2010/main" val="2099972590"/>
       </p:ext>
     </p:extLst>
   </p:cSld>
@@ -11472,7 +11504,7 @@
           <p:cNvPr id="2" name="Title 1">
             <a:extLst>
               <a:ext uri="{FF2B5EF4-FFF2-40B4-BE49-F238E27FC236}">
-                <a16:creationId xmlns:a16="http://schemas.microsoft.com/office/drawing/2014/main" id="{B4624994-688C-F748-D0F3-7FECD289757C}"/>
+                <a16:creationId xmlns:a16="http://schemas.microsoft.com/office/drawing/2014/main" id="{0B711F40-35E0-EF3D-847D-ECAB633B3C16}"/>
               </a:ext>
             </a:extLst>
           </p:cNvPr>
@@ -11498,47 +11530,45 @@
           </a:p>
         </p:txBody>
       </p:sp>
-      <p:sp>
-        <p:nvSpPr>
-          <p:cNvPr id="3" name="Content Placeholder 2">
+      <p:pic>
+        <p:nvPicPr>
+          <p:cNvPr id="5" name="Content Placeholder 4" descr="Text&#10;&#10;Description automatically generated">
             <a:extLst>
               <a:ext uri="{FF2B5EF4-FFF2-40B4-BE49-F238E27FC236}">
-                <a16:creationId xmlns:a16="http://schemas.microsoft.com/office/drawing/2014/main" id="{80325387-37E3-91B3-D7AE-36CA75F1CD43}"/>
+                <a16:creationId xmlns:a16="http://schemas.microsoft.com/office/drawing/2014/main" id="{3CEB7EC3-33F8-FCB7-7280-2391BBEC6A2E}"/>
               </a:ext>
             </a:extLst>
           </p:cNvPr>
-          <p:cNvSpPr>
-            <a:spLocks noGrp="1"/>
-          </p:cNvSpPr>
+          <p:cNvPicPr>
+            <a:picLocks noGrp="1" noChangeAspect="1"/>
+          </p:cNvPicPr>
           <p:nvPr>
             <p:ph idx="1"/>
           </p:nvPr>
-        </p:nvSpPr>
-        <p:spPr/>
-        <p:txBody>
-          <a:bodyPr/>
-          <a:lstStyle/>
-          <a:p>
-            <a:r>
-              <a:rPr lang="en-US" dirty="0"/>
-              <a:t>Statistical Analysis for </a:t>
-            </a:r>
-            <a:r>
-              <a:rPr lang="en-US" dirty="0" err="1"/>
-              <a:t>Visualisation</a:t>
-            </a:r>
-            <a:r>
-              <a:rPr lang="en-US" dirty="0"/>
-              <a:t> 1</a:t>
-            </a:r>
-            <a:endParaRPr lang="en-AU" dirty="0"/>
-          </a:p>
-        </p:txBody>
-      </p:sp>
+        </p:nvPicPr>
+        <p:blipFill>
+          <a:blip r:embed="rId2">
+            <a:extLst>
+              <a:ext uri="{28A0092B-C50C-407E-A947-70E740481C1C}">
+                <a14:useLocalDpi xmlns:a14="http://schemas.microsoft.com/office/drawing/2010/main" val="0"/>
+              </a:ext>
+            </a:extLst>
+          </a:blip>
+          <a:stretch>
+            <a:fillRect/>
+          </a:stretch>
+        </p:blipFill>
+        <p:spPr>
+          <a:xfrm>
+            <a:off x="819150" y="2477294"/>
+            <a:ext cx="10553700" cy="3457575"/>
+          </a:xfrm>
+        </p:spPr>
+      </p:pic>
     </p:spTree>
     <p:extLst>
       <p:ext uri="{BB962C8B-B14F-4D97-AF65-F5344CB8AC3E}">
-        <p14:creationId xmlns:p14="http://schemas.microsoft.com/office/powerpoint/2010/main" val="120824308"/>
+        <p14:creationId xmlns:p14="http://schemas.microsoft.com/office/powerpoint/2010/main" val="4080132962"/>
       </p:ext>
     </p:extLst>
   </p:cSld>
@@ -11570,7 +11600,7 @@
           <p:cNvPr id="2" name="Title 1">
             <a:extLst>
               <a:ext uri="{FF2B5EF4-FFF2-40B4-BE49-F238E27FC236}">
-                <a16:creationId xmlns:a16="http://schemas.microsoft.com/office/drawing/2014/main" id="{0B711F40-35E0-EF3D-847D-ECAB633B3C16}"/>
+                <a16:creationId xmlns:a16="http://schemas.microsoft.com/office/drawing/2014/main" id="{B4624994-688C-F748-D0F3-7FECD289757C}"/>
               </a:ext>
             </a:extLst>
           </p:cNvPr>
@@ -11596,47 +11626,81 @@
           </a:p>
         </p:txBody>
       </p:sp>
-      <p:sp>
-        <p:nvSpPr>
-          <p:cNvPr id="3" name="Content Placeholder 2">
+      <p:pic>
+        <p:nvPicPr>
+          <p:cNvPr id="5" name="Content Placeholder 4" descr="A screenshot of a computer&#10;&#10;Description automatically generated with medium confidence">
             <a:extLst>
               <a:ext uri="{FF2B5EF4-FFF2-40B4-BE49-F238E27FC236}">
-                <a16:creationId xmlns:a16="http://schemas.microsoft.com/office/drawing/2014/main" id="{1F40318B-36E3-B372-8198-BC86DBA79DF0}"/>
+                <a16:creationId xmlns:a16="http://schemas.microsoft.com/office/drawing/2014/main" id="{1CE0256C-4FBE-767F-B8AA-EF49BBAE2921}"/>
               </a:ext>
             </a:extLst>
           </p:cNvPr>
-          <p:cNvSpPr>
-            <a:spLocks noGrp="1"/>
-          </p:cNvSpPr>
+          <p:cNvPicPr>
+            <a:picLocks noGrp="1" noChangeAspect="1"/>
+          </p:cNvPicPr>
           <p:nvPr>
             <p:ph idx="1"/>
           </p:nvPr>
-        </p:nvSpPr>
-        <p:spPr/>
-        <p:txBody>
-          <a:bodyPr/>
-          <a:lstStyle/>
-          <a:p>
-            <a:r>
-              <a:rPr lang="en-US" dirty="0"/>
-              <a:t>Statistical Analysis for </a:t>
-            </a:r>
-            <a:r>
-              <a:rPr lang="en-US" dirty="0" err="1"/>
-              <a:t>Visualisation</a:t>
-            </a:r>
-            <a:r>
-              <a:rPr lang="en-US" dirty="0"/>
-              <a:t> 2</a:t>
-            </a:r>
-            <a:endParaRPr lang="en-AU" dirty="0"/>
-          </a:p>
-        </p:txBody>
-      </p:sp>
+        </p:nvPicPr>
+        <p:blipFill>
+          <a:blip r:embed="rId2">
+            <a:extLst>
+              <a:ext uri="{28A0092B-C50C-407E-A947-70E740481C1C}">
+                <a14:useLocalDpi xmlns:a14="http://schemas.microsoft.com/office/drawing/2010/main" val="0"/>
+              </a:ext>
+            </a:extLst>
+          </a:blip>
+          <a:stretch>
+            <a:fillRect/>
+          </a:stretch>
+        </p:blipFill>
+        <p:spPr>
+          <a:xfrm>
+            <a:off x="685800" y="2157404"/>
+            <a:ext cx="10820400" cy="3335169"/>
+          </a:xfrm>
+        </p:spPr>
+      </p:pic>
+      <p:pic>
+        <p:nvPicPr>
+          <p:cNvPr id="6" name="Picture 5" descr="Graphical user interface, text&#10;&#10;Description automatically generated">
+            <a:extLst>
+              <a:ext uri="{FF2B5EF4-FFF2-40B4-BE49-F238E27FC236}">
+                <a16:creationId xmlns:a16="http://schemas.microsoft.com/office/drawing/2014/main" id="{D619E94D-7E7E-2546-F4C3-7324BFF4ED6A}"/>
+              </a:ext>
+            </a:extLst>
+          </p:cNvPr>
+          <p:cNvPicPr>
+            <a:picLocks noChangeAspect="1"/>
+          </p:cNvPicPr>
+          <p:nvPr/>
+        </p:nvPicPr>
+        <p:blipFill>
+          <a:blip r:embed="rId3">
+            <a:extLst>
+              <a:ext uri="{28A0092B-C50C-407E-A947-70E740481C1C}">
+                <a14:useLocalDpi xmlns:a14="http://schemas.microsoft.com/office/drawing/2010/main" val="0"/>
+              </a:ext>
+            </a:extLst>
+          </a:blip>
+          <a:stretch>
+            <a:fillRect/>
+          </a:stretch>
+        </p:blipFill>
+        <p:spPr>
+          <a:xfrm>
+            <a:off x="2144145" y="5492573"/>
+            <a:ext cx="7903709" cy="1265423"/>
+          </a:xfrm>
+          <a:prstGeom prst="rect">
+            <a:avLst/>
+          </a:prstGeom>
+        </p:spPr>
+      </p:pic>
     </p:spTree>
     <p:extLst>
       <p:ext uri="{BB962C8B-B14F-4D97-AF65-F5344CB8AC3E}">
-        <p14:creationId xmlns:p14="http://schemas.microsoft.com/office/powerpoint/2010/main" val="2317153200"/>
+        <p14:creationId xmlns:p14="http://schemas.microsoft.com/office/powerpoint/2010/main" val="554273810"/>
       </p:ext>
     </p:extLst>
   </p:cSld>
@@ -11668,7 +11732,7 @@
           <p:cNvPr id="2" name="Title 1">
             <a:extLst>
               <a:ext uri="{FF2B5EF4-FFF2-40B4-BE49-F238E27FC236}">
-                <a16:creationId xmlns:a16="http://schemas.microsoft.com/office/drawing/2014/main" id="{B4624994-688C-F748-D0F3-7FECD289757C}"/>
+                <a16:creationId xmlns:a16="http://schemas.microsoft.com/office/drawing/2014/main" id="{0B711F40-35E0-EF3D-847D-ECAB633B3C16}"/>
               </a:ext>
             </a:extLst>
           </p:cNvPr>
@@ -11682,51 +11746,57 @@
         <p:spPr/>
         <p:txBody>
           <a:bodyPr>
-            <a:normAutofit fontScale="90000"/>
+            <a:noAutofit/>
           </a:bodyPr>
           <a:lstStyle/>
           <a:p>
             <a:r>
-              <a:rPr lang="en-US" dirty="0"/>
-              <a:t>How has the volume of pedestrian traffic in Melbourne’s CBD evolved over the time frame?</a:t>
-            </a:r>
-            <a:endParaRPr lang="en-AU" dirty="0"/>
-          </a:p>
-        </p:txBody>
-      </p:sp>
-      <p:sp>
-        <p:nvSpPr>
-          <p:cNvPr id="3" name="Content Placeholder 2">
+              <a:rPr lang="en-US" sz="3200" dirty="0"/>
+              <a:t>Did the pandemic affect the peak hours of train usage in Metropolitan Melbourne?</a:t>
+            </a:r>
+            <a:endParaRPr lang="en-AU" sz="3200" dirty="0"/>
+          </a:p>
+        </p:txBody>
+      </p:sp>
+      <p:pic>
+        <p:nvPicPr>
+          <p:cNvPr id="5" name="Content Placeholder 4" descr="Chart, line chart&#10;&#10;Description automatically generated">
             <a:extLst>
               <a:ext uri="{FF2B5EF4-FFF2-40B4-BE49-F238E27FC236}">
-                <a16:creationId xmlns:a16="http://schemas.microsoft.com/office/drawing/2014/main" id="{80325387-37E3-91B3-D7AE-36CA75F1CD43}"/>
+                <a16:creationId xmlns:a16="http://schemas.microsoft.com/office/drawing/2014/main" id="{E5EA708E-5F89-F367-584A-9A1A9BB87603}"/>
               </a:ext>
             </a:extLst>
           </p:cNvPr>
-          <p:cNvSpPr>
-            <a:spLocks noGrp="1"/>
-          </p:cNvSpPr>
+          <p:cNvPicPr>
+            <a:picLocks noGrp="1" noChangeAspect="1"/>
+          </p:cNvPicPr>
           <p:nvPr>
             <p:ph idx="1"/>
           </p:nvPr>
-        </p:nvSpPr>
-        <p:spPr/>
-        <p:txBody>
-          <a:bodyPr/>
-          <a:lstStyle/>
-          <a:p>
-            <a:r>
-              <a:rPr lang="en-US" dirty="0"/>
-              <a:t>Screenshots of code</a:t>
-            </a:r>
-            <a:endParaRPr lang="en-AU" dirty="0"/>
-          </a:p>
-        </p:txBody>
-      </p:sp>
+        </p:nvPicPr>
+        <p:blipFill>
+          <a:blip r:embed="rId2">
+            <a:extLst>
+              <a:ext uri="{28A0092B-C50C-407E-A947-70E740481C1C}">
+                <a14:useLocalDpi xmlns:a14="http://schemas.microsoft.com/office/drawing/2010/main" val="0"/>
+              </a:ext>
+            </a:extLst>
+          </a:blip>
+          <a:stretch>
+            <a:fillRect/>
+          </a:stretch>
+        </p:blipFill>
+        <p:spPr>
+          <a:xfrm>
+            <a:off x="3102428" y="2221916"/>
+            <a:ext cx="5987143" cy="4490358"/>
+          </a:xfrm>
+        </p:spPr>
+      </p:pic>
     </p:spTree>
     <p:extLst>
       <p:ext uri="{BB962C8B-B14F-4D97-AF65-F5344CB8AC3E}">
-        <p14:creationId xmlns:p14="http://schemas.microsoft.com/office/powerpoint/2010/main" val="303612069"/>
+        <p14:creationId xmlns:p14="http://schemas.microsoft.com/office/powerpoint/2010/main" val="3260513138"/>
       </p:ext>
     </p:extLst>
   </p:cSld>
@@ -11758,7 +11828,7 @@
           <p:cNvPr id="2" name="Title 1">
             <a:extLst>
               <a:ext uri="{FF2B5EF4-FFF2-40B4-BE49-F238E27FC236}">
-                <a16:creationId xmlns:a16="http://schemas.microsoft.com/office/drawing/2014/main" id="{0B711F40-35E0-EF3D-847D-ECAB633B3C16}"/>
+                <a16:creationId xmlns:a16="http://schemas.microsoft.com/office/drawing/2014/main" id="{B4624994-688C-F748-D0F3-7FECD289757C}"/>
               </a:ext>
             </a:extLst>
           </p:cNvPr>
@@ -11772,51 +11842,93 @@
         <p:spPr/>
         <p:txBody>
           <a:bodyPr>
-            <a:normAutofit fontScale="90000"/>
+            <a:noAutofit/>
           </a:bodyPr>
           <a:lstStyle/>
           <a:p>
             <a:r>
-              <a:rPr lang="en-US" dirty="0"/>
-              <a:t>How has the volume of pedestrian traffic in Melbourne’s CBD evolved over the time frame?</a:t>
-            </a:r>
-            <a:endParaRPr lang="en-AU" dirty="0"/>
-          </a:p>
-        </p:txBody>
-      </p:sp>
-      <p:sp>
-        <p:nvSpPr>
-          <p:cNvPr id="3" name="Content Placeholder 2">
+              <a:rPr lang="en-US" sz="3200" dirty="0"/>
+              <a:t>Did the pandemic affect the peak hours of train usage in Metropolitan Melbourne?</a:t>
+            </a:r>
+            <a:endParaRPr lang="en-AU" sz="3200" dirty="0"/>
+          </a:p>
+        </p:txBody>
+      </p:sp>
+      <p:pic>
+        <p:nvPicPr>
+          <p:cNvPr id="5" name="Content Placeholder 4" descr="Graphical user interface, text&#10;&#10;Description automatically generated">
             <a:extLst>
               <a:ext uri="{FF2B5EF4-FFF2-40B4-BE49-F238E27FC236}">
-                <a16:creationId xmlns:a16="http://schemas.microsoft.com/office/drawing/2014/main" id="{1F40318B-36E3-B372-8198-BC86DBA79DF0}"/>
+                <a16:creationId xmlns:a16="http://schemas.microsoft.com/office/drawing/2014/main" id="{D25AF37F-B07E-F982-7688-F6BFC19C6A2A}"/>
               </a:ext>
             </a:extLst>
           </p:cNvPr>
-          <p:cNvSpPr>
-            <a:spLocks noGrp="1"/>
-          </p:cNvSpPr>
+          <p:cNvPicPr>
+            <a:picLocks noGrp="1" noChangeAspect="1"/>
+          </p:cNvPicPr>
           <p:nvPr>
             <p:ph idx="1"/>
           </p:nvPr>
-        </p:nvSpPr>
-        <p:spPr/>
-        <p:txBody>
-          <a:bodyPr/>
-          <a:lstStyle/>
-          <a:p>
-            <a:r>
-              <a:rPr lang="en-US" dirty="0"/>
-              <a:t>More code</a:t>
-            </a:r>
-            <a:endParaRPr lang="en-AU" dirty="0"/>
-          </a:p>
-        </p:txBody>
-      </p:sp>
+        </p:nvPicPr>
+        <p:blipFill>
+          <a:blip r:embed="rId2">
+            <a:extLst>
+              <a:ext uri="{28A0092B-C50C-407E-A947-70E740481C1C}">
+                <a14:useLocalDpi xmlns:a14="http://schemas.microsoft.com/office/drawing/2010/main" val="0"/>
+              </a:ext>
+            </a:extLst>
+          </a:blip>
+          <a:stretch>
+            <a:fillRect/>
+          </a:stretch>
+        </p:blipFill>
+        <p:spPr>
+          <a:xfrm>
+            <a:off x="2144145" y="2383971"/>
+            <a:ext cx="7903709" cy="3280565"/>
+          </a:xfrm>
+        </p:spPr>
+      </p:pic>
+      <p:pic>
+        <p:nvPicPr>
+          <p:cNvPr id="8" name="Content Placeholder 6">
+            <a:extLst>
+              <a:ext uri="{FF2B5EF4-FFF2-40B4-BE49-F238E27FC236}">
+                <a16:creationId xmlns:a16="http://schemas.microsoft.com/office/drawing/2014/main" id="{3C78A6B9-AF3A-B22A-1DBF-81EDFEA8CDB2}"/>
+              </a:ext>
+            </a:extLst>
+          </p:cNvPr>
+          <p:cNvPicPr>
+            <a:picLocks noChangeAspect="1"/>
+          </p:cNvPicPr>
+          <p:nvPr/>
+        </p:nvPicPr>
+        <p:blipFill>
+          <a:blip r:embed="rId3">
+            <a:extLst>
+              <a:ext uri="{28A0092B-C50C-407E-A947-70E740481C1C}">
+                <a14:useLocalDpi xmlns:a14="http://schemas.microsoft.com/office/drawing/2010/main" val="0"/>
+              </a:ext>
+            </a:extLst>
+          </a:blip>
+          <a:stretch>
+            <a:fillRect/>
+          </a:stretch>
+        </p:blipFill>
+        <p:spPr>
+          <a:xfrm>
+            <a:off x="685799" y="5415780"/>
+            <a:ext cx="10820400" cy="931357"/>
+          </a:xfrm>
+          <a:prstGeom prst="rect">
+            <a:avLst/>
+          </a:prstGeom>
+        </p:spPr>
+      </p:pic>
     </p:spTree>
     <p:extLst>
       <p:ext uri="{BB962C8B-B14F-4D97-AF65-F5344CB8AC3E}">
-        <p14:creationId xmlns:p14="http://schemas.microsoft.com/office/powerpoint/2010/main" val="1947525697"/>
+        <p14:creationId xmlns:p14="http://schemas.microsoft.com/office/powerpoint/2010/main" val="120824308"/>
       </p:ext>
     </p:extLst>
   </p:cSld>
@@ -11848,7 +11960,7 @@
           <p:cNvPr id="2" name="Title 1">
             <a:extLst>
               <a:ext uri="{FF2B5EF4-FFF2-40B4-BE49-F238E27FC236}">
-                <a16:creationId xmlns:a16="http://schemas.microsoft.com/office/drawing/2014/main" id="{B4624994-688C-F748-D0F3-7FECD289757C}"/>
+                <a16:creationId xmlns:a16="http://schemas.microsoft.com/office/drawing/2014/main" id="{0B711F40-35E0-EF3D-847D-ECAB633B3C16}"/>
               </a:ext>
             </a:extLst>
           </p:cNvPr>
@@ -11862,55 +11974,57 @@
         <p:spPr/>
         <p:txBody>
           <a:bodyPr>
-            <a:normAutofit fontScale="90000"/>
+            <a:noAutofit/>
           </a:bodyPr>
           <a:lstStyle/>
           <a:p>
             <a:r>
-              <a:rPr lang="en-US" dirty="0"/>
-              <a:t>How has the volume of pedestrian traffic in Melbourne’s CBD evolved over the time frame?</a:t>
-            </a:r>
-            <a:endParaRPr lang="en-AU" dirty="0"/>
-          </a:p>
-        </p:txBody>
-      </p:sp>
-      <p:sp>
-        <p:nvSpPr>
-          <p:cNvPr id="3" name="Content Placeholder 2">
+              <a:rPr lang="en-US" sz="3200" dirty="0"/>
+              <a:t>Did the pandemic affect the peak hours of train usage in Metropolitan Melbourne?</a:t>
+            </a:r>
+            <a:endParaRPr lang="en-AU" sz="3200" dirty="0"/>
+          </a:p>
+        </p:txBody>
+      </p:sp>
+      <p:pic>
+        <p:nvPicPr>
+          <p:cNvPr id="5" name="Content Placeholder 4" descr="Chart, bar chart&#10;&#10;Description automatically generated">
             <a:extLst>
               <a:ext uri="{FF2B5EF4-FFF2-40B4-BE49-F238E27FC236}">
-                <a16:creationId xmlns:a16="http://schemas.microsoft.com/office/drawing/2014/main" id="{80325387-37E3-91B3-D7AE-36CA75F1CD43}"/>
+                <a16:creationId xmlns:a16="http://schemas.microsoft.com/office/drawing/2014/main" id="{2FD3A5C8-011C-7458-CF8D-B94D5941B964}"/>
               </a:ext>
             </a:extLst>
           </p:cNvPr>
-          <p:cNvSpPr>
-            <a:spLocks noGrp="1"/>
-          </p:cNvSpPr>
+          <p:cNvPicPr>
+            <a:picLocks noGrp="1" noChangeAspect="1"/>
+          </p:cNvPicPr>
           <p:nvPr>
             <p:ph idx="1"/>
           </p:nvPr>
-        </p:nvSpPr>
-        <p:spPr/>
-        <p:txBody>
-          <a:bodyPr/>
-          <a:lstStyle/>
-          <a:p>
-            <a:r>
-              <a:rPr lang="en-US" dirty="0" err="1"/>
-              <a:t>Visualisation</a:t>
-            </a:r>
-            <a:r>
-              <a:rPr lang="en-US" dirty="0"/>
-              <a:t> 1</a:t>
-            </a:r>
-            <a:endParaRPr lang="en-AU" dirty="0"/>
-          </a:p>
-        </p:txBody>
-      </p:sp>
+        </p:nvPicPr>
+        <p:blipFill>
+          <a:blip r:embed="rId2">
+            <a:extLst>
+              <a:ext uri="{28A0092B-C50C-407E-A947-70E740481C1C}">
+                <a14:useLocalDpi xmlns:a14="http://schemas.microsoft.com/office/drawing/2010/main" val="0"/>
+              </a:ext>
+            </a:extLst>
+          </a:blip>
+          <a:stretch>
+            <a:fillRect/>
+          </a:stretch>
+        </p:blipFill>
+        <p:spPr>
+          <a:xfrm>
+            <a:off x="3167688" y="2221917"/>
+            <a:ext cx="5856624" cy="4436540"/>
+          </a:xfrm>
+        </p:spPr>
+      </p:pic>
     </p:spTree>
     <p:extLst>
       <p:ext uri="{BB962C8B-B14F-4D97-AF65-F5344CB8AC3E}">
-        <p14:creationId xmlns:p14="http://schemas.microsoft.com/office/powerpoint/2010/main" val="3526385406"/>
+        <p14:creationId xmlns:p14="http://schemas.microsoft.com/office/powerpoint/2010/main" val="2317153200"/>
       </p:ext>
     </p:extLst>
   </p:cSld>
@@ -11956,55 +12070,57 @@
         <p:spPr/>
         <p:txBody>
           <a:bodyPr>
-            <a:normAutofit fontScale="90000"/>
+            <a:noAutofit/>
           </a:bodyPr>
           <a:lstStyle/>
           <a:p>
             <a:r>
-              <a:rPr lang="en-US" dirty="0"/>
-              <a:t>How has the volume of pedestrian traffic in Melbourne’s CBD evolved over the time frame?</a:t>
-            </a:r>
-            <a:endParaRPr lang="en-AU" dirty="0"/>
-          </a:p>
-        </p:txBody>
-      </p:sp>
-      <p:sp>
-        <p:nvSpPr>
-          <p:cNvPr id="3" name="Content Placeholder 2">
+              <a:rPr lang="en-US" sz="3200" dirty="0"/>
+              <a:t>Did the pandemic affect the peak hours of train usage in Metropolitan Melbourne?</a:t>
+            </a:r>
+            <a:endParaRPr lang="en-AU" sz="3200" dirty="0"/>
+          </a:p>
+        </p:txBody>
+      </p:sp>
+      <p:pic>
+        <p:nvPicPr>
+          <p:cNvPr id="9" name="Content Placeholder 8" descr="Text&#10;&#10;Description automatically generated">
             <a:extLst>
               <a:ext uri="{FF2B5EF4-FFF2-40B4-BE49-F238E27FC236}">
-                <a16:creationId xmlns:a16="http://schemas.microsoft.com/office/drawing/2014/main" id="{1F40318B-36E3-B372-8198-BC86DBA79DF0}"/>
+                <a16:creationId xmlns:a16="http://schemas.microsoft.com/office/drawing/2014/main" id="{1B7BB2C4-7EE0-8BB5-7E54-40E12FA85AB4}"/>
               </a:ext>
             </a:extLst>
           </p:cNvPr>
-          <p:cNvSpPr>
-            <a:spLocks noGrp="1"/>
-          </p:cNvSpPr>
+          <p:cNvPicPr>
+            <a:picLocks noGrp="1" noChangeAspect="1"/>
+          </p:cNvPicPr>
           <p:nvPr>
             <p:ph idx="1"/>
           </p:nvPr>
-        </p:nvSpPr>
-        <p:spPr/>
-        <p:txBody>
-          <a:bodyPr/>
-          <a:lstStyle/>
-          <a:p>
-            <a:r>
-              <a:rPr lang="en-US" dirty="0" err="1"/>
-              <a:t>Visualisation</a:t>
-            </a:r>
-            <a:r>
-              <a:rPr lang="en-US" dirty="0"/>
-              <a:t> 2</a:t>
-            </a:r>
-            <a:endParaRPr lang="en-AU" dirty="0"/>
-          </a:p>
-        </p:txBody>
-      </p:sp>
+        </p:nvPicPr>
+        <p:blipFill>
+          <a:blip r:embed="rId2">
+            <a:extLst>
+              <a:ext uri="{28A0092B-C50C-407E-A947-70E740481C1C}">
+                <a14:useLocalDpi xmlns:a14="http://schemas.microsoft.com/office/drawing/2010/main" val="0"/>
+              </a:ext>
+            </a:extLst>
+          </a:blip>
+          <a:stretch>
+            <a:fillRect/>
+          </a:stretch>
+        </p:blipFill>
+        <p:spPr>
+          <a:xfrm>
+            <a:off x="602264" y="2254038"/>
+            <a:ext cx="10987471" cy="4293862"/>
+          </a:xfrm>
+        </p:spPr>
+      </p:pic>
     </p:spTree>
     <p:extLst>
       <p:ext uri="{BB962C8B-B14F-4D97-AF65-F5344CB8AC3E}">
-        <p14:creationId xmlns:p14="http://schemas.microsoft.com/office/powerpoint/2010/main" val="4245925813"/>
+        <p14:creationId xmlns:p14="http://schemas.microsoft.com/office/powerpoint/2010/main" val="192057691"/>
       </p:ext>
     </p:extLst>
   </p:cSld>
@@ -12036,7 +12152,7 @@
           <p:cNvPr id="2" name="Title 1">
             <a:extLst>
               <a:ext uri="{FF2B5EF4-FFF2-40B4-BE49-F238E27FC236}">
-                <a16:creationId xmlns:a16="http://schemas.microsoft.com/office/drawing/2014/main" id="{B4624994-688C-F748-D0F3-7FECD289757C}"/>
+                <a16:creationId xmlns:a16="http://schemas.microsoft.com/office/drawing/2014/main" id="{0B711F40-35E0-EF3D-847D-ECAB633B3C16}"/>
               </a:ext>
             </a:extLst>
           </p:cNvPr>
@@ -12050,24 +12166,24 @@
         <p:spPr/>
         <p:txBody>
           <a:bodyPr>
-            <a:normAutofit fontScale="90000"/>
+            <a:noAutofit/>
           </a:bodyPr>
           <a:lstStyle/>
           <a:p>
             <a:r>
-              <a:rPr lang="en-US" dirty="0"/>
-              <a:t>How has the volume of pedestrian traffic in Melbourne’s CBD evolved over the time frame?</a:t>
-            </a:r>
-            <a:endParaRPr lang="en-AU" dirty="0"/>
-          </a:p>
-        </p:txBody>
-      </p:sp>
-      <p:sp>
-        <p:nvSpPr>
-          <p:cNvPr id="3" name="Content Placeholder 2">
+              <a:rPr lang="en-US" sz="3200" dirty="0"/>
+              <a:t>Did the pandemic affect the peak hours of train usage in Metropolitan Melbourne?</a:t>
+            </a:r>
+            <a:endParaRPr lang="en-AU" sz="3200" dirty="0"/>
+          </a:p>
+        </p:txBody>
+      </p:sp>
+      <p:sp>
+        <p:nvSpPr>
+          <p:cNvPr id="4" name="Content Placeholder 3">
             <a:extLst>
               <a:ext uri="{FF2B5EF4-FFF2-40B4-BE49-F238E27FC236}">
-                <a16:creationId xmlns:a16="http://schemas.microsoft.com/office/drawing/2014/main" id="{80325387-37E3-91B3-D7AE-36CA75F1CD43}"/>
+                <a16:creationId xmlns:a16="http://schemas.microsoft.com/office/drawing/2014/main" id="{F7574486-3923-B204-0650-89799202BFEE}"/>
               </a:ext>
             </a:extLst>
           </p:cNvPr>
@@ -12085,15 +12201,7 @@
           <a:p>
             <a:r>
               <a:rPr lang="en-US" dirty="0"/>
-              <a:t>Statistical Analysis for </a:t>
-            </a:r>
-            <a:r>
-              <a:rPr lang="en-US" dirty="0" err="1"/>
-              <a:t>Visualisation</a:t>
-            </a:r>
-            <a:r>
-              <a:rPr lang="en-US" dirty="0"/>
-              <a:t> 1</a:t>
+              <a:t>Conclusions (Manisha)</a:t>
             </a:r>
             <a:endParaRPr lang="en-AU" dirty="0"/>
           </a:p>
@@ -12102,7 +12210,7 @@
     </p:spTree>
     <p:extLst>
       <p:ext uri="{BB962C8B-B14F-4D97-AF65-F5344CB8AC3E}">
-        <p14:creationId xmlns:p14="http://schemas.microsoft.com/office/powerpoint/2010/main" val="1521932883"/>
+        <p14:creationId xmlns:p14="http://schemas.microsoft.com/office/powerpoint/2010/main" val="1222474431"/>
       </p:ext>
     </p:extLst>
   </p:cSld>
@@ -12134,7 +12242,7 @@
           <p:cNvPr id="2" name="Title 1">
             <a:extLst>
               <a:ext uri="{FF2B5EF4-FFF2-40B4-BE49-F238E27FC236}">
-                <a16:creationId xmlns:a16="http://schemas.microsoft.com/office/drawing/2014/main" id="{0B711F40-35E0-EF3D-847D-ECAB633B3C16}"/>
+                <a16:creationId xmlns:a16="http://schemas.microsoft.com/office/drawing/2014/main" id="{B4624994-688C-F748-D0F3-7FECD289757C}"/>
               </a:ext>
             </a:extLst>
           </p:cNvPr>
@@ -12165,7 +12273,7 @@
           <p:cNvPr id="3" name="Content Placeholder 2">
             <a:extLst>
               <a:ext uri="{FF2B5EF4-FFF2-40B4-BE49-F238E27FC236}">
-                <a16:creationId xmlns:a16="http://schemas.microsoft.com/office/drawing/2014/main" id="{1F40318B-36E3-B372-8198-BC86DBA79DF0}"/>
+                <a16:creationId xmlns:a16="http://schemas.microsoft.com/office/drawing/2014/main" id="{80325387-37E3-91B3-D7AE-36CA75F1CD43}"/>
               </a:ext>
             </a:extLst>
           </p:cNvPr>
@@ -12183,15 +12291,7 @@
           <a:p>
             <a:r>
               <a:rPr lang="en-US" dirty="0"/>
-              <a:t>Statistical Analysis for </a:t>
-            </a:r>
-            <a:r>
-              <a:rPr lang="en-US" dirty="0" err="1"/>
-              <a:t>Visualisation</a:t>
-            </a:r>
-            <a:r>
-              <a:rPr lang="en-US" dirty="0"/>
-              <a:t> 2</a:t>
+              <a:t>Screenshots of code</a:t>
             </a:r>
             <a:endParaRPr lang="en-AU" dirty="0"/>
           </a:p>
@@ -12200,7 +12300,7 @@
     </p:spTree>
     <p:extLst>
       <p:ext uri="{BB962C8B-B14F-4D97-AF65-F5344CB8AC3E}">
-        <p14:creationId xmlns:p14="http://schemas.microsoft.com/office/powerpoint/2010/main" val="4270566899"/>
+        <p14:creationId xmlns:p14="http://schemas.microsoft.com/office/powerpoint/2010/main" val="303612069"/>
       </p:ext>
     </p:extLst>
   </p:cSld>
@@ -12442,7 +12542,7 @@
           <p:cNvPr id="2" name="Title 1">
             <a:extLst>
               <a:ext uri="{FF2B5EF4-FFF2-40B4-BE49-F238E27FC236}">
-                <a16:creationId xmlns:a16="http://schemas.microsoft.com/office/drawing/2014/main" id="{25E20EA3-2CE1-41A8-B966-23875DDADF00}"/>
+                <a16:creationId xmlns:a16="http://schemas.microsoft.com/office/drawing/2014/main" id="{0B711F40-35E0-EF3D-847D-ECAB633B3C16}"/>
               </a:ext>
             </a:extLst>
           </p:cNvPr>
@@ -12451,6 +12551,37 @@
           </p:cNvSpPr>
           <p:nvPr>
             <p:ph type="title"/>
+          </p:nvPr>
+        </p:nvSpPr>
+        <p:spPr/>
+        <p:txBody>
+          <a:bodyPr>
+            <a:normAutofit fontScale="90000"/>
+          </a:bodyPr>
+          <a:lstStyle/>
+          <a:p>
+            <a:r>
+              <a:rPr lang="en-US" dirty="0"/>
+              <a:t>How has the volume of pedestrian traffic in Melbourne’s CBD evolved over the time frame?</a:t>
+            </a:r>
+            <a:endParaRPr lang="en-AU" dirty="0"/>
+          </a:p>
+        </p:txBody>
+      </p:sp>
+      <p:sp>
+        <p:nvSpPr>
+          <p:cNvPr id="3" name="Content Placeholder 2">
+            <a:extLst>
+              <a:ext uri="{FF2B5EF4-FFF2-40B4-BE49-F238E27FC236}">
+                <a16:creationId xmlns:a16="http://schemas.microsoft.com/office/drawing/2014/main" id="{1F40318B-36E3-B372-8198-BC86DBA79DF0}"/>
+              </a:ext>
+            </a:extLst>
+          </p:cNvPr>
+          <p:cNvSpPr>
+            <a:spLocks noGrp="1"/>
+          </p:cNvSpPr>
+          <p:nvPr>
+            <p:ph idx="1"/>
           </p:nvPr>
         </p:nvSpPr>
         <p:spPr/>
@@ -12460,6 +12591,449 @@
           <a:p>
             <a:r>
               <a:rPr lang="en-US" dirty="0"/>
+              <a:t>More code</a:t>
+            </a:r>
+            <a:endParaRPr lang="en-AU" dirty="0"/>
+          </a:p>
+        </p:txBody>
+      </p:sp>
+    </p:spTree>
+    <p:extLst>
+      <p:ext uri="{BB962C8B-B14F-4D97-AF65-F5344CB8AC3E}">
+        <p14:creationId xmlns:p14="http://schemas.microsoft.com/office/powerpoint/2010/main" val="1947525697"/>
+      </p:ext>
+    </p:extLst>
+  </p:cSld>
+  <p:clrMapOvr>
+    <a:masterClrMapping/>
+  </p:clrMapOvr>
+</p:sld>
+</file>
+
+<file path=ppt/slides/slide41.xml><?xml version="1.0" encoding="utf-8"?>
+<p:sld xmlns:a="http://schemas.openxmlformats.org/drawingml/2006/main" xmlns:r="http://schemas.openxmlformats.org/officeDocument/2006/relationships" xmlns:p="http://schemas.openxmlformats.org/presentationml/2006/main">
+  <p:cSld>
+    <p:spTree>
+      <p:nvGrpSpPr>
+        <p:cNvPr id="1" name=""/>
+        <p:cNvGrpSpPr/>
+        <p:nvPr/>
+      </p:nvGrpSpPr>
+      <p:grpSpPr>
+        <a:xfrm>
+          <a:off x="0" y="0"/>
+          <a:ext cx="0" cy="0"/>
+          <a:chOff x="0" y="0"/>
+          <a:chExt cx="0" cy="0"/>
+        </a:xfrm>
+      </p:grpSpPr>
+      <p:sp>
+        <p:nvSpPr>
+          <p:cNvPr id="2" name="Title 1">
+            <a:extLst>
+              <a:ext uri="{FF2B5EF4-FFF2-40B4-BE49-F238E27FC236}">
+                <a16:creationId xmlns:a16="http://schemas.microsoft.com/office/drawing/2014/main" id="{B4624994-688C-F748-D0F3-7FECD289757C}"/>
+              </a:ext>
+            </a:extLst>
+          </p:cNvPr>
+          <p:cNvSpPr>
+            <a:spLocks noGrp="1"/>
+          </p:cNvSpPr>
+          <p:nvPr>
+            <p:ph type="title"/>
+          </p:nvPr>
+        </p:nvSpPr>
+        <p:spPr/>
+        <p:txBody>
+          <a:bodyPr>
+            <a:normAutofit fontScale="90000"/>
+          </a:bodyPr>
+          <a:lstStyle/>
+          <a:p>
+            <a:r>
+              <a:rPr lang="en-US" dirty="0"/>
+              <a:t>How has the volume of pedestrian traffic in Melbourne’s CBD evolved over the time frame?</a:t>
+            </a:r>
+            <a:endParaRPr lang="en-AU" dirty="0"/>
+          </a:p>
+        </p:txBody>
+      </p:sp>
+      <p:sp>
+        <p:nvSpPr>
+          <p:cNvPr id="3" name="Content Placeholder 2">
+            <a:extLst>
+              <a:ext uri="{FF2B5EF4-FFF2-40B4-BE49-F238E27FC236}">
+                <a16:creationId xmlns:a16="http://schemas.microsoft.com/office/drawing/2014/main" id="{80325387-37E3-91B3-D7AE-36CA75F1CD43}"/>
+              </a:ext>
+            </a:extLst>
+          </p:cNvPr>
+          <p:cNvSpPr>
+            <a:spLocks noGrp="1"/>
+          </p:cNvSpPr>
+          <p:nvPr>
+            <p:ph idx="1"/>
+          </p:nvPr>
+        </p:nvSpPr>
+        <p:spPr/>
+        <p:txBody>
+          <a:bodyPr/>
+          <a:lstStyle/>
+          <a:p>
+            <a:r>
+              <a:rPr lang="en-US" dirty="0" err="1"/>
+              <a:t>Visualisation</a:t>
+            </a:r>
+            <a:r>
+              <a:rPr lang="en-US" dirty="0"/>
+              <a:t> 1</a:t>
+            </a:r>
+            <a:endParaRPr lang="en-AU" dirty="0"/>
+          </a:p>
+        </p:txBody>
+      </p:sp>
+    </p:spTree>
+    <p:extLst>
+      <p:ext uri="{BB962C8B-B14F-4D97-AF65-F5344CB8AC3E}">
+        <p14:creationId xmlns:p14="http://schemas.microsoft.com/office/powerpoint/2010/main" val="3526385406"/>
+      </p:ext>
+    </p:extLst>
+  </p:cSld>
+  <p:clrMapOvr>
+    <a:masterClrMapping/>
+  </p:clrMapOvr>
+</p:sld>
+</file>
+
+<file path=ppt/slides/slide42.xml><?xml version="1.0" encoding="utf-8"?>
+<p:sld xmlns:a="http://schemas.openxmlformats.org/drawingml/2006/main" xmlns:r="http://schemas.openxmlformats.org/officeDocument/2006/relationships" xmlns:p="http://schemas.openxmlformats.org/presentationml/2006/main">
+  <p:cSld>
+    <p:spTree>
+      <p:nvGrpSpPr>
+        <p:cNvPr id="1" name=""/>
+        <p:cNvGrpSpPr/>
+        <p:nvPr/>
+      </p:nvGrpSpPr>
+      <p:grpSpPr>
+        <a:xfrm>
+          <a:off x="0" y="0"/>
+          <a:ext cx="0" cy="0"/>
+          <a:chOff x="0" y="0"/>
+          <a:chExt cx="0" cy="0"/>
+        </a:xfrm>
+      </p:grpSpPr>
+      <p:sp>
+        <p:nvSpPr>
+          <p:cNvPr id="2" name="Title 1">
+            <a:extLst>
+              <a:ext uri="{FF2B5EF4-FFF2-40B4-BE49-F238E27FC236}">
+                <a16:creationId xmlns:a16="http://schemas.microsoft.com/office/drawing/2014/main" id="{0B711F40-35E0-EF3D-847D-ECAB633B3C16}"/>
+              </a:ext>
+            </a:extLst>
+          </p:cNvPr>
+          <p:cNvSpPr>
+            <a:spLocks noGrp="1"/>
+          </p:cNvSpPr>
+          <p:nvPr>
+            <p:ph type="title"/>
+          </p:nvPr>
+        </p:nvSpPr>
+        <p:spPr/>
+        <p:txBody>
+          <a:bodyPr>
+            <a:normAutofit fontScale="90000"/>
+          </a:bodyPr>
+          <a:lstStyle/>
+          <a:p>
+            <a:r>
+              <a:rPr lang="en-US" dirty="0"/>
+              <a:t>How has the volume of pedestrian traffic in Melbourne’s CBD evolved over the time frame?</a:t>
+            </a:r>
+            <a:endParaRPr lang="en-AU" dirty="0"/>
+          </a:p>
+        </p:txBody>
+      </p:sp>
+      <p:sp>
+        <p:nvSpPr>
+          <p:cNvPr id="3" name="Content Placeholder 2">
+            <a:extLst>
+              <a:ext uri="{FF2B5EF4-FFF2-40B4-BE49-F238E27FC236}">
+                <a16:creationId xmlns:a16="http://schemas.microsoft.com/office/drawing/2014/main" id="{1F40318B-36E3-B372-8198-BC86DBA79DF0}"/>
+              </a:ext>
+            </a:extLst>
+          </p:cNvPr>
+          <p:cNvSpPr>
+            <a:spLocks noGrp="1"/>
+          </p:cNvSpPr>
+          <p:nvPr>
+            <p:ph idx="1"/>
+          </p:nvPr>
+        </p:nvSpPr>
+        <p:spPr/>
+        <p:txBody>
+          <a:bodyPr/>
+          <a:lstStyle/>
+          <a:p>
+            <a:r>
+              <a:rPr lang="en-US" dirty="0" err="1"/>
+              <a:t>Visualisation</a:t>
+            </a:r>
+            <a:r>
+              <a:rPr lang="en-US" dirty="0"/>
+              <a:t> 2</a:t>
+            </a:r>
+            <a:endParaRPr lang="en-AU" dirty="0"/>
+          </a:p>
+        </p:txBody>
+      </p:sp>
+    </p:spTree>
+    <p:extLst>
+      <p:ext uri="{BB962C8B-B14F-4D97-AF65-F5344CB8AC3E}">
+        <p14:creationId xmlns:p14="http://schemas.microsoft.com/office/powerpoint/2010/main" val="4245925813"/>
+      </p:ext>
+    </p:extLst>
+  </p:cSld>
+  <p:clrMapOvr>
+    <a:masterClrMapping/>
+  </p:clrMapOvr>
+</p:sld>
+</file>
+
+<file path=ppt/slides/slide43.xml><?xml version="1.0" encoding="utf-8"?>
+<p:sld xmlns:a="http://schemas.openxmlformats.org/drawingml/2006/main" xmlns:r="http://schemas.openxmlformats.org/officeDocument/2006/relationships" xmlns:p="http://schemas.openxmlformats.org/presentationml/2006/main">
+  <p:cSld>
+    <p:spTree>
+      <p:nvGrpSpPr>
+        <p:cNvPr id="1" name=""/>
+        <p:cNvGrpSpPr/>
+        <p:nvPr/>
+      </p:nvGrpSpPr>
+      <p:grpSpPr>
+        <a:xfrm>
+          <a:off x="0" y="0"/>
+          <a:ext cx="0" cy="0"/>
+          <a:chOff x="0" y="0"/>
+          <a:chExt cx="0" cy="0"/>
+        </a:xfrm>
+      </p:grpSpPr>
+      <p:sp>
+        <p:nvSpPr>
+          <p:cNvPr id="2" name="Title 1">
+            <a:extLst>
+              <a:ext uri="{FF2B5EF4-FFF2-40B4-BE49-F238E27FC236}">
+                <a16:creationId xmlns:a16="http://schemas.microsoft.com/office/drawing/2014/main" id="{B4624994-688C-F748-D0F3-7FECD289757C}"/>
+              </a:ext>
+            </a:extLst>
+          </p:cNvPr>
+          <p:cNvSpPr>
+            <a:spLocks noGrp="1"/>
+          </p:cNvSpPr>
+          <p:nvPr>
+            <p:ph type="title"/>
+          </p:nvPr>
+        </p:nvSpPr>
+        <p:spPr/>
+        <p:txBody>
+          <a:bodyPr>
+            <a:normAutofit fontScale="90000"/>
+          </a:bodyPr>
+          <a:lstStyle/>
+          <a:p>
+            <a:r>
+              <a:rPr lang="en-US" dirty="0"/>
+              <a:t>How has the volume of pedestrian traffic in Melbourne’s CBD evolved over the time frame?</a:t>
+            </a:r>
+            <a:endParaRPr lang="en-AU" dirty="0"/>
+          </a:p>
+        </p:txBody>
+      </p:sp>
+      <p:sp>
+        <p:nvSpPr>
+          <p:cNvPr id="3" name="Content Placeholder 2">
+            <a:extLst>
+              <a:ext uri="{FF2B5EF4-FFF2-40B4-BE49-F238E27FC236}">
+                <a16:creationId xmlns:a16="http://schemas.microsoft.com/office/drawing/2014/main" id="{80325387-37E3-91B3-D7AE-36CA75F1CD43}"/>
+              </a:ext>
+            </a:extLst>
+          </p:cNvPr>
+          <p:cNvSpPr>
+            <a:spLocks noGrp="1"/>
+          </p:cNvSpPr>
+          <p:nvPr>
+            <p:ph idx="1"/>
+          </p:nvPr>
+        </p:nvSpPr>
+        <p:spPr/>
+        <p:txBody>
+          <a:bodyPr/>
+          <a:lstStyle/>
+          <a:p>
+            <a:r>
+              <a:rPr lang="en-US" dirty="0"/>
+              <a:t>Statistical Analysis for </a:t>
+            </a:r>
+            <a:r>
+              <a:rPr lang="en-US" dirty="0" err="1"/>
+              <a:t>Visualisation</a:t>
+            </a:r>
+            <a:r>
+              <a:rPr lang="en-US" dirty="0"/>
+              <a:t> 1</a:t>
+            </a:r>
+            <a:endParaRPr lang="en-AU" dirty="0"/>
+          </a:p>
+        </p:txBody>
+      </p:sp>
+    </p:spTree>
+    <p:extLst>
+      <p:ext uri="{BB962C8B-B14F-4D97-AF65-F5344CB8AC3E}">
+        <p14:creationId xmlns:p14="http://schemas.microsoft.com/office/powerpoint/2010/main" val="1521932883"/>
+      </p:ext>
+    </p:extLst>
+  </p:cSld>
+  <p:clrMapOvr>
+    <a:masterClrMapping/>
+  </p:clrMapOvr>
+</p:sld>
+</file>
+
+<file path=ppt/slides/slide44.xml><?xml version="1.0" encoding="utf-8"?>
+<p:sld xmlns:a="http://schemas.openxmlformats.org/drawingml/2006/main" xmlns:r="http://schemas.openxmlformats.org/officeDocument/2006/relationships" xmlns:p="http://schemas.openxmlformats.org/presentationml/2006/main">
+  <p:cSld>
+    <p:spTree>
+      <p:nvGrpSpPr>
+        <p:cNvPr id="1" name=""/>
+        <p:cNvGrpSpPr/>
+        <p:nvPr/>
+      </p:nvGrpSpPr>
+      <p:grpSpPr>
+        <a:xfrm>
+          <a:off x="0" y="0"/>
+          <a:ext cx="0" cy="0"/>
+          <a:chOff x="0" y="0"/>
+          <a:chExt cx="0" cy="0"/>
+        </a:xfrm>
+      </p:grpSpPr>
+      <p:sp>
+        <p:nvSpPr>
+          <p:cNvPr id="2" name="Title 1">
+            <a:extLst>
+              <a:ext uri="{FF2B5EF4-FFF2-40B4-BE49-F238E27FC236}">
+                <a16:creationId xmlns:a16="http://schemas.microsoft.com/office/drawing/2014/main" id="{0B711F40-35E0-EF3D-847D-ECAB633B3C16}"/>
+              </a:ext>
+            </a:extLst>
+          </p:cNvPr>
+          <p:cNvSpPr>
+            <a:spLocks noGrp="1"/>
+          </p:cNvSpPr>
+          <p:nvPr>
+            <p:ph type="title"/>
+          </p:nvPr>
+        </p:nvSpPr>
+        <p:spPr/>
+        <p:txBody>
+          <a:bodyPr>
+            <a:normAutofit fontScale="90000"/>
+          </a:bodyPr>
+          <a:lstStyle/>
+          <a:p>
+            <a:r>
+              <a:rPr lang="en-US" dirty="0"/>
+              <a:t>How has the volume of pedestrian traffic in Melbourne’s CBD evolved over the time frame?</a:t>
+            </a:r>
+            <a:endParaRPr lang="en-AU" dirty="0"/>
+          </a:p>
+        </p:txBody>
+      </p:sp>
+      <p:sp>
+        <p:nvSpPr>
+          <p:cNvPr id="3" name="Content Placeholder 2">
+            <a:extLst>
+              <a:ext uri="{FF2B5EF4-FFF2-40B4-BE49-F238E27FC236}">
+                <a16:creationId xmlns:a16="http://schemas.microsoft.com/office/drawing/2014/main" id="{1F40318B-36E3-B372-8198-BC86DBA79DF0}"/>
+              </a:ext>
+            </a:extLst>
+          </p:cNvPr>
+          <p:cNvSpPr>
+            <a:spLocks noGrp="1"/>
+          </p:cNvSpPr>
+          <p:nvPr>
+            <p:ph idx="1"/>
+          </p:nvPr>
+        </p:nvSpPr>
+        <p:spPr/>
+        <p:txBody>
+          <a:bodyPr/>
+          <a:lstStyle/>
+          <a:p>
+            <a:r>
+              <a:rPr lang="en-US" dirty="0"/>
+              <a:t>Statistical Analysis for </a:t>
+            </a:r>
+            <a:r>
+              <a:rPr lang="en-US" dirty="0" err="1"/>
+              <a:t>Visualisation</a:t>
+            </a:r>
+            <a:r>
+              <a:rPr lang="en-US" dirty="0"/>
+              <a:t> 2</a:t>
+            </a:r>
+            <a:endParaRPr lang="en-AU" dirty="0"/>
+          </a:p>
+        </p:txBody>
+      </p:sp>
+    </p:spTree>
+    <p:extLst>
+      <p:ext uri="{BB962C8B-B14F-4D97-AF65-F5344CB8AC3E}">
+        <p14:creationId xmlns:p14="http://schemas.microsoft.com/office/powerpoint/2010/main" val="4270566899"/>
+      </p:ext>
+    </p:extLst>
+  </p:cSld>
+  <p:clrMapOvr>
+    <a:masterClrMapping/>
+  </p:clrMapOvr>
+</p:sld>
+</file>
+
+<file path=ppt/slides/slide45.xml><?xml version="1.0" encoding="utf-8"?>
+<p:sld xmlns:a="http://schemas.openxmlformats.org/drawingml/2006/main" xmlns:r="http://schemas.openxmlformats.org/officeDocument/2006/relationships" xmlns:p="http://schemas.openxmlformats.org/presentationml/2006/main">
+  <p:cSld>
+    <p:spTree>
+      <p:nvGrpSpPr>
+        <p:cNvPr id="1" name=""/>
+        <p:cNvGrpSpPr/>
+        <p:nvPr/>
+      </p:nvGrpSpPr>
+      <p:grpSpPr>
+        <a:xfrm>
+          <a:off x="0" y="0"/>
+          <a:ext cx="0" cy="0"/>
+          <a:chOff x="0" y="0"/>
+          <a:chExt cx="0" cy="0"/>
+        </a:xfrm>
+      </p:grpSpPr>
+      <p:sp>
+        <p:nvSpPr>
+          <p:cNvPr id="2" name="Title 1">
+            <a:extLst>
+              <a:ext uri="{FF2B5EF4-FFF2-40B4-BE49-F238E27FC236}">
+                <a16:creationId xmlns:a16="http://schemas.microsoft.com/office/drawing/2014/main" id="{25E20EA3-2CE1-41A8-B966-23875DDADF00}"/>
+              </a:ext>
+            </a:extLst>
+          </p:cNvPr>
+          <p:cNvSpPr>
+            <a:spLocks noGrp="1"/>
+          </p:cNvSpPr>
+          <p:nvPr>
+            <p:ph type="title"/>
+          </p:nvPr>
+        </p:nvSpPr>
+        <p:spPr/>
+        <p:txBody>
+          <a:bodyPr/>
+          <a:lstStyle/>
+          <a:p>
+            <a:r>
+              <a:rPr lang="en-US" dirty="0"/>
               <a:t>OVERALL Conclusions</a:t>
             </a:r>
             <a:endParaRPr lang="en-AU" dirty="0"/>
@@ -12487,6 +13061,10 @@
           <a:bodyPr/>
           <a:lstStyle/>
           <a:p>
+            <a:r>
+              <a:rPr lang="en-US" dirty="0"/>
+              <a:t>Manisha</a:t>
+            </a:r>
             <a:endParaRPr lang="en-AU" dirty="0"/>
           </a:p>
         </p:txBody>
